--- a/ppt/Python_8_Statistics.pptx
+++ b/ppt/Python_8_Statistics.pptx
@@ -260,7 +260,7 @@
           <a:p>
             <a:fld id="{48AB2AB0-9ACF-4A1A-A644-0D2708439C73}" type="datetimeFigureOut">
               <a:rPr lang="ko-KR" altLang="en-US" smtClean="0"/>
-              <a:t>2016-05-12</a:t>
+              <a:t>2017-04-20</a:t>
             </a:fld>
             <a:endParaRPr lang="ko-KR" altLang="en-US"/>
           </a:p>
@@ -430,7 +430,7 @@
           <a:p>
             <a:fld id="{48AB2AB0-9ACF-4A1A-A644-0D2708439C73}" type="datetimeFigureOut">
               <a:rPr lang="ko-KR" altLang="en-US" smtClean="0"/>
-              <a:t>2016-05-12</a:t>
+              <a:t>2017-04-20</a:t>
             </a:fld>
             <a:endParaRPr lang="ko-KR" altLang="en-US"/>
           </a:p>
@@ -610,7 +610,7 @@
           <a:p>
             <a:fld id="{48AB2AB0-9ACF-4A1A-A644-0D2708439C73}" type="datetimeFigureOut">
               <a:rPr lang="ko-KR" altLang="en-US" smtClean="0"/>
-              <a:t>2016-05-12</a:t>
+              <a:t>2017-04-20</a:t>
             </a:fld>
             <a:endParaRPr lang="ko-KR" altLang="en-US"/>
           </a:p>
@@ -780,7 +780,7 @@
           <a:p>
             <a:fld id="{48AB2AB0-9ACF-4A1A-A644-0D2708439C73}" type="datetimeFigureOut">
               <a:rPr lang="ko-KR" altLang="en-US" smtClean="0"/>
-              <a:t>2016-05-12</a:t>
+              <a:t>2017-04-20</a:t>
             </a:fld>
             <a:endParaRPr lang="ko-KR" altLang="en-US"/>
           </a:p>
@@ -1026,7 +1026,7 @@
           <a:p>
             <a:fld id="{48AB2AB0-9ACF-4A1A-A644-0D2708439C73}" type="datetimeFigureOut">
               <a:rPr lang="ko-KR" altLang="en-US" smtClean="0"/>
-              <a:t>2016-05-12</a:t>
+              <a:t>2017-04-20</a:t>
             </a:fld>
             <a:endParaRPr lang="ko-KR" altLang="en-US"/>
           </a:p>
@@ -1258,7 +1258,7 @@
           <a:p>
             <a:fld id="{48AB2AB0-9ACF-4A1A-A644-0D2708439C73}" type="datetimeFigureOut">
               <a:rPr lang="ko-KR" altLang="en-US" smtClean="0"/>
-              <a:t>2016-05-12</a:t>
+              <a:t>2017-04-20</a:t>
             </a:fld>
             <a:endParaRPr lang="ko-KR" altLang="en-US"/>
           </a:p>
@@ -1625,7 +1625,7 @@
           <a:p>
             <a:fld id="{48AB2AB0-9ACF-4A1A-A644-0D2708439C73}" type="datetimeFigureOut">
               <a:rPr lang="ko-KR" altLang="en-US" smtClean="0"/>
-              <a:t>2016-05-12</a:t>
+              <a:t>2017-04-20</a:t>
             </a:fld>
             <a:endParaRPr lang="ko-KR" altLang="en-US"/>
           </a:p>
@@ -1743,7 +1743,7 @@
           <a:p>
             <a:fld id="{48AB2AB0-9ACF-4A1A-A644-0D2708439C73}" type="datetimeFigureOut">
               <a:rPr lang="ko-KR" altLang="en-US" smtClean="0"/>
-              <a:t>2016-05-12</a:t>
+              <a:t>2017-04-20</a:t>
             </a:fld>
             <a:endParaRPr lang="ko-KR" altLang="en-US"/>
           </a:p>
@@ -1838,7 +1838,7 @@
           <a:p>
             <a:fld id="{48AB2AB0-9ACF-4A1A-A644-0D2708439C73}" type="datetimeFigureOut">
               <a:rPr lang="ko-KR" altLang="en-US" smtClean="0"/>
-              <a:t>2016-05-12</a:t>
+              <a:t>2017-04-20</a:t>
             </a:fld>
             <a:endParaRPr lang="ko-KR" altLang="en-US"/>
           </a:p>
@@ -2115,7 +2115,7 @@
           <a:p>
             <a:fld id="{48AB2AB0-9ACF-4A1A-A644-0D2708439C73}" type="datetimeFigureOut">
               <a:rPr lang="ko-KR" altLang="en-US" smtClean="0"/>
-              <a:t>2016-05-12</a:t>
+              <a:t>2017-04-20</a:t>
             </a:fld>
             <a:endParaRPr lang="ko-KR" altLang="en-US"/>
           </a:p>
@@ -2368,7 +2368,7 @@
           <a:p>
             <a:fld id="{48AB2AB0-9ACF-4A1A-A644-0D2708439C73}" type="datetimeFigureOut">
               <a:rPr lang="ko-KR" altLang="en-US" smtClean="0"/>
-              <a:t>2016-05-12</a:t>
+              <a:t>2017-04-20</a:t>
             </a:fld>
             <a:endParaRPr lang="ko-KR" altLang="en-US"/>
           </a:p>
@@ -2581,7 +2581,7 @@
           <a:p>
             <a:fld id="{48AB2AB0-9ACF-4A1A-A644-0D2708439C73}" type="datetimeFigureOut">
               <a:rPr lang="ko-KR" altLang="en-US" smtClean="0"/>
-              <a:t>2016-05-12</a:t>
+              <a:t>2017-04-20</a:t>
             </a:fld>
             <a:endParaRPr lang="ko-KR" altLang="en-US"/>
           </a:p>
@@ -3259,8 +3259,8 @@
           </a:p>
           <a:p>
             <a:r>
-              <a:rPr lang="en-US" altLang="ko-KR" dirty="0" smtClean="0"/>
-              <a:t>interquartile(</a:t>
+              <a:rPr lang="en-US" altLang="ko-KR" smtClean="0"/>
+              <a:t>interquartile_range(</a:t>
             </a:r>
             <a:r>
               <a:rPr lang="en-US" altLang="ko-KR" dirty="0" err="1" smtClean="0"/>
@@ -4863,12 +4863,16 @@
               <a:t>print </a:t>
             </a:r>
             <a:r>
-              <a:rPr lang="en-US" altLang="ko-KR" dirty="0" err="1" smtClean="0"/>
-              <a:t>corrcoef</a:t>
-            </a:r>
-            <a:r>
-              <a:rPr lang="en-US" altLang="ko-KR" dirty="0" smtClean="0"/>
-              <a:t>(x[0], x[1])</a:t>
+              <a:rPr lang="en-US" altLang="ko-KR" smtClean="0"/>
+              <a:t>np.corrcoef</a:t>
+            </a:r>
+            <a:r>
+              <a:rPr lang="en-US" altLang="ko-KR" dirty="0" smtClean="0"/>
+              <a:t>(x[0</a:t>
+            </a:r>
+            <a:r>
+              <a:rPr lang="en-US" altLang="ko-KR" dirty="0" smtClean="0"/>
+              <a:t>], x[1])</a:t>
             </a:r>
           </a:p>
           <a:p>

--- a/ppt/Python_8_Statistics.pptx
+++ b/ppt/Python_8_Statistics.pptx
@@ -260,7 +260,7 @@
           <a:p>
             <a:fld id="{48AB2AB0-9ACF-4A1A-A644-0D2708439C73}" type="datetimeFigureOut">
               <a:rPr lang="ko-KR" altLang="en-US" smtClean="0"/>
-              <a:t>2017-04-20</a:t>
+              <a:t>2017-05-15</a:t>
             </a:fld>
             <a:endParaRPr lang="ko-KR" altLang="en-US"/>
           </a:p>
@@ -430,7 +430,7 @@
           <a:p>
             <a:fld id="{48AB2AB0-9ACF-4A1A-A644-0D2708439C73}" type="datetimeFigureOut">
               <a:rPr lang="ko-KR" altLang="en-US" smtClean="0"/>
-              <a:t>2017-04-20</a:t>
+              <a:t>2017-05-15</a:t>
             </a:fld>
             <a:endParaRPr lang="ko-KR" altLang="en-US"/>
           </a:p>
@@ -610,7 +610,7 @@
           <a:p>
             <a:fld id="{48AB2AB0-9ACF-4A1A-A644-0D2708439C73}" type="datetimeFigureOut">
               <a:rPr lang="ko-KR" altLang="en-US" smtClean="0"/>
-              <a:t>2017-04-20</a:t>
+              <a:t>2017-05-15</a:t>
             </a:fld>
             <a:endParaRPr lang="ko-KR" altLang="en-US"/>
           </a:p>
@@ -780,7 +780,7 @@
           <a:p>
             <a:fld id="{48AB2AB0-9ACF-4A1A-A644-0D2708439C73}" type="datetimeFigureOut">
               <a:rPr lang="ko-KR" altLang="en-US" smtClean="0"/>
-              <a:t>2017-04-20</a:t>
+              <a:t>2017-05-15</a:t>
             </a:fld>
             <a:endParaRPr lang="ko-KR" altLang="en-US"/>
           </a:p>
@@ -1026,7 +1026,7 @@
           <a:p>
             <a:fld id="{48AB2AB0-9ACF-4A1A-A644-0D2708439C73}" type="datetimeFigureOut">
               <a:rPr lang="ko-KR" altLang="en-US" smtClean="0"/>
-              <a:t>2017-04-20</a:t>
+              <a:t>2017-05-15</a:t>
             </a:fld>
             <a:endParaRPr lang="ko-KR" altLang="en-US"/>
           </a:p>
@@ -1258,7 +1258,7 @@
           <a:p>
             <a:fld id="{48AB2AB0-9ACF-4A1A-A644-0D2708439C73}" type="datetimeFigureOut">
               <a:rPr lang="ko-KR" altLang="en-US" smtClean="0"/>
-              <a:t>2017-04-20</a:t>
+              <a:t>2017-05-15</a:t>
             </a:fld>
             <a:endParaRPr lang="ko-KR" altLang="en-US"/>
           </a:p>
@@ -1625,7 +1625,7 @@
           <a:p>
             <a:fld id="{48AB2AB0-9ACF-4A1A-A644-0D2708439C73}" type="datetimeFigureOut">
               <a:rPr lang="ko-KR" altLang="en-US" smtClean="0"/>
-              <a:t>2017-04-20</a:t>
+              <a:t>2017-05-15</a:t>
             </a:fld>
             <a:endParaRPr lang="ko-KR" altLang="en-US"/>
           </a:p>
@@ -1743,7 +1743,7 @@
           <a:p>
             <a:fld id="{48AB2AB0-9ACF-4A1A-A644-0D2708439C73}" type="datetimeFigureOut">
               <a:rPr lang="ko-KR" altLang="en-US" smtClean="0"/>
-              <a:t>2017-04-20</a:t>
+              <a:t>2017-05-15</a:t>
             </a:fld>
             <a:endParaRPr lang="ko-KR" altLang="en-US"/>
           </a:p>
@@ -1838,7 +1838,7 @@
           <a:p>
             <a:fld id="{48AB2AB0-9ACF-4A1A-A644-0D2708439C73}" type="datetimeFigureOut">
               <a:rPr lang="ko-KR" altLang="en-US" smtClean="0"/>
-              <a:t>2017-04-20</a:t>
+              <a:t>2017-05-15</a:t>
             </a:fld>
             <a:endParaRPr lang="ko-KR" altLang="en-US"/>
           </a:p>
@@ -2115,7 +2115,7 @@
           <a:p>
             <a:fld id="{48AB2AB0-9ACF-4A1A-A644-0D2708439C73}" type="datetimeFigureOut">
               <a:rPr lang="ko-KR" altLang="en-US" smtClean="0"/>
-              <a:t>2017-04-20</a:t>
+              <a:t>2017-05-15</a:t>
             </a:fld>
             <a:endParaRPr lang="ko-KR" altLang="en-US"/>
           </a:p>
@@ -2368,7 +2368,7 @@
           <a:p>
             <a:fld id="{48AB2AB0-9ACF-4A1A-A644-0D2708439C73}" type="datetimeFigureOut">
               <a:rPr lang="ko-KR" altLang="en-US" smtClean="0"/>
-              <a:t>2017-04-20</a:t>
+              <a:t>2017-05-15</a:t>
             </a:fld>
             <a:endParaRPr lang="ko-KR" altLang="en-US"/>
           </a:p>
@@ -2581,7 +2581,7 @@
           <a:p>
             <a:fld id="{48AB2AB0-9ACF-4A1A-A644-0D2708439C73}" type="datetimeFigureOut">
               <a:rPr lang="ko-KR" altLang="en-US" smtClean="0"/>
-              <a:t>2017-04-20</a:t>
+              <a:t>2017-05-15</a:t>
             </a:fld>
             <a:endParaRPr lang="ko-KR" altLang="en-US"/>
           </a:p>
@@ -4868,11 +4868,7 @@
             </a:r>
             <a:r>
               <a:rPr lang="en-US" altLang="ko-KR" dirty="0" smtClean="0"/>
-              <a:t>(x[0</a:t>
-            </a:r>
-            <a:r>
-              <a:rPr lang="en-US" altLang="ko-KR" dirty="0" smtClean="0"/>
-              <a:t>], x[1])</a:t>
+              <a:t>(x[0], x[1])</a:t>
             </a:r>
           </a:p>
           <a:p>
@@ -5495,7 +5491,9 @@
         </p:nvSpPr>
         <p:spPr/>
         <p:txBody>
-          <a:bodyPr/>
+          <a:bodyPr>
+            <a:normAutofit fontScale="92500" lnSpcReduction="10000"/>
+          </a:bodyPr>
           <a:lstStyle/>
           <a:p>
             <a:endParaRPr lang="en-US" altLang="ko-KR" dirty="0" smtClean="0"/>
@@ -5529,8 +5527,74 @@
             </a:r>
             <a:r>
               <a:rPr lang="en-US" altLang="ko-KR" dirty="0" smtClean="0"/>
-              <a:t>(x)</a:t>
-            </a:r>
+              <a:t>(x</a:t>
+            </a:r>
+            <a:r>
+              <a:rPr lang="en-US" altLang="ko-KR" dirty="0" smtClean="0"/>
+              <a:t>)</a:t>
+            </a:r>
+          </a:p>
+          <a:p>
+            <a:endParaRPr lang="en-US" altLang="ko-KR" dirty="0" smtClean="0"/>
+          </a:p>
+          <a:p>
+            <a:r>
+              <a:rPr lang="en-US" altLang="ko-KR" dirty="0" smtClean="0"/>
+              <a:t># </a:t>
+            </a:r>
+            <a:r>
+              <a:rPr lang="en-US" altLang="ko-KR" dirty="0"/>
+              <a:t>from __future__ import </a:t>
+            </a:r>
+            <a:r>
+              <a:rPr lang="en-US" altLang="ko-KR" dirty="0" smtClean="0"/>
+              <a:t>division</a:t>
+            </a:r>
+            <a:r>
+              <a:rPr lang="ko-KR" altLang="en-US" dirty="0" smtClean="0"/>
+              <a:t>을 하지 않을 경우</a:t>
+            </a:r>
+            <a:r>
+              <a:rPr lang="en-US" altLang="ko-KR" dirty="0"/>
+              <a:t/>
+            </a:r>
+            <a:br>
+              <a:rPr lang="en-US" altLang="ko-KR" dirty="0"/>
+            </a:br>
+            <a:r>
+              <a:rPr lang="en-US" altLang="ko-KR" dirty="0" err="1"/>
+              <a:t>def</a:t>
+            </a:r>
+            <a:r>
+              <a:rPr lang="en-US" altLang="ko-KR" dirty="0"/>
+              <a:t> mean(x):</a:t>
+            </a:r>
+            <a:br>
+              <a:rPr lang="en-US" altLang="ko-KR" dirty="0"/>
+            </a:br>
+            <a:r>
+              <a:rPr lang="en-US" altLang="ko-KR" dirty="0"/>
+              <a:t>	return sum(x</a:t>
+            </a:r>
+            <a:r>
+              <a:rPr lang="en-US" altLang="ko-KR" dirty="0" smtClean="0"/>
+              <a:t>)/float(</a:t>
+            </a:r>
+            <a:r>
+              <a:rPr lang="en-US" altLang="ko-KR" dirty="0" err="1" smtClean="0"/>
+              <a:t>len</a:t>
+            </a:r>
+            <a:r>
+              <a:rPr lang="en-US" altLang="ko-KR" dirty="0" smtClean="0"/>
+              <a:t>(x))</a:t>
+            </a:r>
+            <a:endParaRPr lang="en-US" altLang="ko-KR" dirty="0"/>
+          </a:p>
+          <a:p>
+            <a:endParaRPr lang="en-US" altLang="ko-KR" dirty="0"/>
+          </a:p>
+          <a:p>
+            <a:endParaRPr lang="en-US" altLang="ko-KR" dirty="0" smtClean="0"/>
           </a:p>
           <a:p>
             <a:r>
@@ -5543,22 +5607,13 @@
             </a:r>
             <a:r>
               <a:rPr lang="en-US" altLang="ko-KR" dirty="0" smtClean="0"/>
-              <a:t>)    #7.333333</a:t>
-            </a:r>
-          </a:p>
-          <a:p>
-            <a:r>
-              <a:rPr lang="ko-KR" altLang="en-US" dirty="0" err="1" smtClean="0"/>
-              <a:t>중간값</a:t>
-            </a:r>
-            <a:r>
-              <a:rPr lang="en-US" altLang="ko-KR" dirty="0" smtClean="0"/>
-              <a:t/>
-            </a:r>
-            <a:br>
-              <a:rPr lang="en-US" altLang="ko-KR" dirty="0" smtClean="0"/>
-            </a:br>
-            <a:endParaRPr lang="ko-KR" altLang="en-US" dirty="0"/>
+              <a:t>)    #</a:t>
+            </a:r>
+            <a:r>
+              <a:rPr lang="en-US" altLang="ko-KR" dirty="0" smtClean="0"/>
+              <a:t>7.333333</a:t>
+            </a:r>
+            <a:endParaRPr lang="en-US" altLang="ko-KR" dirty="0" smtClean="0"/>
           </a:p>
         </p:txBody>
       </p:sp>
@@ -5755,7 +5810,19 @@
             </a:r>
             <a:r>
               <a:rPr lang="en-US" altLang="ko-KR" dirty="0"/>
-              <a:t># if odd, return the middle </a:t>
+              <a:t># if </a:t>
+            </a:r>
+            <a:r>
+              <a:rPr lang="en-US" altLang="ko-KR" dirty="0">
+                <a:solidFill>
+                  <a:schemeClr val="accent5"/>
+                </a:solidFill>
+              </a:rPr>
+              <a:t>odd</a:t>
+            </a:r>
+            <a:r>
+              <a:rPr lang="en-US" altLang="ko-KR" dirty="0"/>
+              <a:t>, return the middle </a:t>
             </a:r>
             <a:r>
               <a:rPr lang="en-US" altLang="ko-KR" dirty="0" smtClean="0"/>
@@ -5808,7 +5875,19 @@
             </a:r>
             <a:r>
               <a:rPr lang="en-US" altLang="ko-KR" dirty="0"/>
-              <a:t># if even, return the average of the middle </a:t>
+              <a:t># if </a:t>
+            </a:r>
+            <a:r>
+              <a:rPr lang="en-US" altLang="ko-KR" dirty="0">
+                <a:solidFill>
+                  <a:schemeClr val="accent5"/>
+                </a:solidFill>
+              </a:rPr>
+              <a:t>even</a:t>
+            </a:r>
+            <a:r>
+              <a:rPr lang="en-US" altLang="ko-KR" dirty="0"/>
+              <a:t>, return the average of the middle </a:t>
             </a:r>
             <a:r>
               <a:rPr lang="en-US" altLang="ko-KR" dirty="0" smtClean="0"/>
@@ -5987,8 +6066,13 @@
             </a:r>
             <a:r>
               <a:rPr lang="en-US" altLang="ko-KR" dirty="0"/>
-              <a:t>-percentile value in x"""</a:t>
-            </a:r>
+              <a:t>-percentile value in </a:t>
+            </a:r>
+            <a:r>
+              <a:rPr lang="en-US" altLang="ko-KR" dirty="0" smtClean="0"/>
+              <a:t>x, 0&lt;=p&lt;1"""</a:t>
+            </a:r>
+            <a:endParaRPr lang="en-US" altLang="ko-KR" dirty="0"/>
           </a:p>
           <a:p>
             <a:pPr marL="0" indent="0">

--- a/ppt/Python_8_Statistics.pptx
+++ b/ppt/Python_8_Statistics.pptx
@@ -260,7 +260,7 @@
           <a:p>
             <a:fld id="{48AB2AB0-9ACF-4A1A-A644-0D2708439C73}" type="datetimeFigureOut">
               <a:rPr lang="ko-KR" altLang="en-US" smtClean="0"/>
-              <a:t>2017-05-15</a:t>
+              <a:t>2017-05-18</a:t>
             </a:fld>
             <a:endParaRPr lang="ko-KR" altLang="en-US"/>
           </a:p>
@@ -430,7 +430,7 @@
           <a:p>
             <a:fld id="{48AB2AB0-9ACF-4A1A-A644-0D2708439C73}" type="datetimeFigureOut">
               <a:rPr lang="ko-KR" altLang="en-US" smtClean="0"/>
-              <a:t>2017-05-15</a:t>
+              <a:t>2017-05-18</a:t>
             </a:fld>
             <a:endParaRPr lang="ko-KR" altLang="en-US"/>
           </a:p>
@@ -610,7 +610,7 @@
           <a:p>
             <a:fld id="{48AB2AB0-9ACF-4A1A-A644-0D2708439C73}" type="datetimeFigureOut">
               <a:rPr lang="ko-KR" altLang="en-US" smtClean="0"/>
-              <a:t>2017-05-15</a:t>
+              <a:t>2017-05-18</a:t>
             </a:fld>
             <a:endParaRPr lang="ko-KR" altLang="en-US"/>
           </a:p>
@@ -780,7 +780,7 @@
           <a:p>
             <a:fld id="{48AB2AB0-9ACF-4A1A-A644-0D2708439C73}" type="datetimeFigureOut">
               <a:rPr lang="ko-KR" altLang="en-US" smtClean="0"/>
-              <a:t>2017-05-15</a:t>
+              <a:t>2017-05-18</a:t>
             </a:fld>
             <a:endParaRPr lang="ko-KR" altLang="en-US"/>
           </a:p>
@@ -1026,7 +1026,7 @@
           <a:p>
             <a:fld id="{48AB2AB0-9ACF-4A1A-A644-0D2708439C73}" type="datetimeFigureOut">
               <a:rPr lang="ko-KR" altLang="en-US" smtClean="0"/>
-              <a:t>2017-05-15</a:t>
+              <a:t>2017-05-18</a:t>
             </a:fld>
             <a:endParaRPr lang="ko-KR" altLang="en-US"/>
           </a:p>
@@ -1258,7 +1258,7 @@
           <a:p>
             <a:fld id="{48AB2AB0-9ACF-4A1A-A644-0D2708439C73}" type="datetimeFigureOut">
               <a:rPr lang="ko-KR" altLang="en-US" smtClean="0"/>
-              <a:t>2017-05-15</a:t>
+              <a:t>2017-05-18</a:t>
             </a:fld>
             <a:endParaRPr lang="ko-KR" altLang="en-US"/>
           </a:p>
@@ -1625,7 +1625,7 @@
           <a:p>
             <a:fld id="{48AB2AB0-9ACF-4A1A-A644-0D2708439C73}" type="datetimeFigureOut">
               <a:rPr lang="ko-KR" altLang="en-US" smtClean="0"/>
-              <a:t>2017-05-15</a:t>
+              <a:t>2017-05-18</a:t>
             </a:fld>
             <a:endParaRPr lang="ko-KR" altLang="en-US"/>
           </a:p>
@@ -1743,7 +1743,7 @@
           <a:p>
             <a:fld id="{48AB2AB0-9ACF-4A1A-A644-0D2708439C73}" type="datetimeFigureOut">
               <a:rPr lang="ko-KR" altLang="en-US" smtClean="0"/>
-              <a:t>2017-05-15</a:t>
+              <a:t>2017-05-18</a:t>
             </a:fld>
             <a:endParaRPr lang="ko-KR" altLang="en-US"/>
           </a:p>
@@ -1838,7 +1838,7 @@
           <a:p>
             <a:fld id="{48AB2AB0-9ACF-4A1A-A644-0D2708439C73}" type="datetimeFigureOut">
               <a:rPr lang="ko-KR" altLang="en-US" smtClean="0"/>
-              <a:t>2017-05-15</a:t>
+              <a:t>2017-05-18</a:t>
             </a:fld>
             <a:endParaRPr lang="ko-KR" altLang="en-US"/>
           </a:p>
@@ -2115,7 +2115,7 @@
           <a:p>
             <a:fld id="{48AB2AB0-9ACF-4A1A-A644-0D2708439C73}" type="datetimeFigureOut">
               <a:rPr lang="ko-KR" altLang="en-US" smtClean="0"/>
-              <a:t>2017-05-15</a:t>
+              <a:t>2017-05-18</a:t>
             </a:fld>
             <a:endParaRPr lang="ko-KR" altLang="en-US"/>
           </a:p>
@@ -2368,7 +2368,7 @@
           <a:p>
             <a:fld id="{48AB2AB0-9ACF-4A1A-A644-0D2708439C73}" type="datetimeFigureOut">
               <a:rPr lang="ko-KR" altLang="en-US" smtClean="0"/>
-              <a:t>2017-05-15</a:t>
+              <a:t>2017-05-18</a:t>
             </a:fld>
             <a:endParaRPr lang="ko-KR" altLang="en-US"/>
           </a:p>
@@ -2581,7 +2581,7 @@
           <a:p>
             <a:fld id="{48AB2AB0-9ACF-4A1A-A644-0D2708439C73}" type="datetimeFigureOut">
               <a:rPr lang="ko-KR" altLang="en-US" smtClean="0"/>
-              <a:t>2017-05-15</a:t>
+              <a:t>2017-05-18</a:t>
             </a:fld>
             <a:endParaRPr lang="ko-KR" altLang="en-US"/>
           </a:p>
@@ -3532,16 +3532,24 @@
               <a:rPr lang="en-US" altLang="ko-KR" dirty="0"/>
               <a:t>correlation(x, y):</a:t>
             </a:r>
+            <a:r>
+              <a:rPr lang="en-US" altLang="ko-KR"/>
+              <a:t/>
+            </a:r>
             <a:br>
-              <a:rPr lang="en-US" altLang="ko-KR" dirty="0"/>
+              <a:rPr lang="en-US" altLang="ko-KR"/>
             </a:br>
             <a:r>
-              <a:rPr lang="en-US" altLang="ko-KR" dirty="0" err="1"/>
-              <a:t>stdev_x</a:t>
-            </a:r>
-            <a:r>
-              <a:rPr lang="en-US" altLang="ko-KR" dirty="0"/>
-              <a:t> = </a:t>
+              <a:rPr lang="en-US" altLang="ko-KR" smtClean="0"/>
+              <a:t>    stdev_x</a:t>
+            </a:r>
+            <a:r>
+              <a:rPr lang="en-US" altLang="ko-KR" dirty="0" smtClean="0"/>
+              <a:t> </a:t>
+            </a:r>
+            <a:r>
+              <a:rPr lang="en-US" altLang="ko-KR" dirty="0"/>
+              <a:t>= </a:t>
             </a:r>
             <a:r>
               <a:rPr lang="en-US" altLang="ko-KR" dirty="0" err="1"/>
@@ -5527,11 +5535,7 @@
             </a:r>
             <a:r>
               <a:rPr lang="en-US" altLang="ko-KR" dirty="0" smtClean="0"/>
-              <a:t>(x</a:t>
-            </a:r>
-            <a:r>
-              <a:rPr lang="en-US" altLang="ko-KR" dirty="0" smtClean="0"/>
-              <a:t>)</a:t>
+              <a:t>(x)</a:t>
             </a:r>
           </a:p>
           <a:p>
@@ -5607,13 +5611,8 @@
             </a:r>
             <a:r>
               <a:rPr lang="en-US" altLang="ko-KR" dirty="0" smtClean="0"/>
-              <a:t>)    #</a:t>
-            </a:r>
-            <a:r>
-              <a:rPr lang="en-US" altLang="ko-KR" dirty="0" smtClean="0"/>
-              <a:t>7.333333</a:t>
-            </a:r>
-            <a:endParaRPr lang="en-US" altLang="ko-KR" dirty="0" smtClean="0"/>
+              <a:t>)    #7.333333</a:t>
+            </a:r>
           </a:p>
         </p:txBody>
       </p:sp>
@@ -6591,8 +6590,8 @@
               <a:buNone/>
             </a:pPr>
             <a:r>
-              <a:rPr lang="en-US" altLang="ko-KR" smtClean="0"/>
-              <a:t>#from </a:t>
+              <a:rPr lang="en-US" altLang="ko-KR" dirty="0" smtClean="0"/>
+              <a:t>from </a:t>
             </a:r>
             <a:r>
               <a:rPr lang="en-US" altLang="ko-KR" dirty="0" err="1"/>
@@ -6608,8 +6607,29 @@
             </a:r>
             <a:r>
               <a:rPr lang="en-US" altLang="ko-KR" dirty="0"/>
-              <a:t>, dot</a:t>
-            </a:r>
+              <a:t>, </a:t>
+            </a:r>
+            <a:r>
+              <a:rPr lang="en-US" altLang="ko-KR" dirty="0" smtClean="0"/>
+              <a:t>dot    #</a:t>
+            </a:r>
+            <a:r>
+              <a:rPr lang="en-US" altLang="ko-KR" dirty="0" smtClean="0"/>
+              <a:t>linear_algebra.py </a:t>
+            </a:r>
+            <a:r>
+              <a:rPr lang="ko-KR" altLang="en-US" dirty="0" smtClean="0"/>
+              <a:t>파일을 현재 </a:t>
+            </a:r>
+            <a:r>
+              <a:rPr lang="en-US" altLang="ko-KR" dirty="0" smtClean="0"/>
+              <a:t>directory</a:t>
+            </a:r>
+            <a:r>
+              <a:rPr lang="ko-KR" altLang="en-US" dirty="0" smtClean="0"/>
+              <a:t>에 저장</a:t>
+            </a:r>
+            <a:endParaRPr lang="en-US" altLang="ko-KR" dirty="0"/>
           </a:p>
           <a:p>
             <a:pPr marL="0" indent="0">

--- a/ppt/Python_8_Statistics.pptx
+++ b/ppt/Python_8_Statistics.pptx
@@ -18,11 +18,12 @@
     <p:sldId id="266" r:id="rId12"/>
     <p:sldId id="267" r:id="rId13"/>
     <p:sldId id="268" r:id="rId14"/>
-    <p:sldId id="269" r:id="rId15"/>
-    <p:sldId id="270" r:id="rId16"/>
-    <p:sldId id="271" r:id="rId17"/>
-    <p:sldId id="272" r:id="rId18"/>
-    <p:sldId id="273" r:id="rId19"/>
+    <p:sldId id="274" r:id="rId15"/>
+    <p:sldId id="269" r:id="rId16"/>
+    <p:sldId id="270" r:id="rId17"/>
+    <p:sldId id="271" r:id="rId18"/>
+    <p:sldId id="272" r:id="rId19"/>
+    <p:sldId id="273" r:id="rId20"/>
   </p:sldIdLst>
   <p:sldSz cx="12192000" cy="6858000"/>
   <p:notesSz cx="6858000" cy="9144000"/>
@@ -3204,7 +3205,7 @@
           <a:p>
             <a:r>
               <a:rPr lang="ko-KR" altLang="en-US" dirty="0" smtClean="0"/>
-              <a:t>사분위수 </a:t>
+              <a:t>사분범위 </a:t>
             </a:r>
             <a:r>
               <a:rPr lang="en-US" altLang="ko-KR" dirty="0" smtClean="0"/>
@@ -3718,7 +3719,11 @@
           <a:p>
             <a:r>
               <a:rPr lang="en-US" altLang="ko-KR" dirty="0" smtClean="0"/>
-              <a:t>Outlier</a:t>
+              <a:t>scatter plot</a:t>
+            </a:r>
+            <a:r>
+              <a:rPr lang="ko-KR" altLang="en-US" dirty="0" smtClean="0"/>
+              <a:t>으로 데이터 확인</a:t>
             </a:r>
             <a:endParaRPr lang="ko-KR" altLang="en-US" dirty="0"/>
           </a:p>
@@ -3741,87 +3746,30 @@
           <a:p>
             <a:r>
               <a:rPr lang="en-US" altLang="ko-KR" dirty="0" smtClean="0"/>
-              <a:t>100</a:t>
-            </a:r>
-            <a:r>
-              <a:rPr lang="ko-KR" altLang="en-US" dirty="0" smtClean="0"/>
-              <a:t>명의 친구를 가진 사람은 </a:t>
-            </a:r>
-            <a:r>
-              <a:rPr lang="en-US" altLang="ko-KR" dirty="0" smtClean="0"/>
-              <a:t>outlier</a:t>
-            </a:r>
-            <a:r>
-              <a:rPr lang="ko-KR" altLang="en-US" dirty="0" smtClean="0"/>
-              <a:t>라고 간주해 보자</a:t>
-            </a:r>
-            <a:r>
-              <a:rPr lang="en-US" altLang="ko-KR" dirty="0" smtClean="0"/>
-              <a:t>.</a:t>
-            </a:r>
-          </a:p>
-          <a:p>
-            <a:pPr lvl="1"/>
-            <a:r>
-              <a:rPr lang="ko-KR" altLang="en-US" dirty="0" smtClean="0"/>
-              <a:t>상관관계</a:t>
-            </a:r>
-            <a:r>
-              <a:rPr lang="en-US" altLang="ko-KR" dirty="0" smtClean="0"/>
-              <a:t>(correlation)</a:t>
-            </a:r>
-            <a:r>
-              <a:rPr lang="ko-KR" altLang="en-US" dirty="0"/>
-              <a:t>는</a:t>
-            </a:r>
-            <a:r>
-              <a:rPr lang="ko-KR" altLang="en-US" dirty="0" smtClean="0"/>
-              <a:t> </a:t>
-            </a:r>
-            <a:r>
-              <a:rPr lang="en-US" altLang="ko-KR" dirty="0" smtClean="0"/>
-              <a:t>outlier</a:t>
-            </a:r>
-            <a:r>
-              <a:rPr lang="ko-KR" altLang="en-US" dirty="0" smtClean="0"/>
-              <a:t>에 민감함</a:t>
-            </a:r>
-            <a:r>
-              <a:rPr lang="en-US" altLang="ko-KR" dirty="0" smtClean="0"/>
-              <a:t>.</a:t>
-            </a:r>
-          </a:p>
-          <a:p>
-            <a:r>
-              <a:rPr lang="en-US" altLang="ko-KR" dirty="0" smtClean="0"/>
-              <a:t>outlier = </a:t>
-            </a:r>
-            <a:r>
-              <a:rPr lang="en-US" altLang="ko-KR" dirty="0" err="1" smtClean="0"/>
-              <a:t>num_friends.index</a:t>
-            </a:r>
-            <a:r>
-              <a:rPr lang="en-US" altLang="ko-KR" dirty="0" smtClean="0"/>
-              <a:t>(100)</a:t>
-            </a:r>
-            <a:br>
-              <a:rPr lang="en-US" altLang="ko-KR" dirty="0" smtClean="0"/>
-            </a:br>
-            <a:r>
-              <a:rPr lang="en-US" altLang="ko-KR" dirty="0" err="1" smtClean="0"/>
-              <a:t>num_friends_good</a:t>
-            </a:r>
-            <a:r>
-              <a:rPr lang="en-US" altLang="ko-KR" dirty="0" smtClean="0"/>
-              <a:t> = [x for </a:t>
-            </a:r>
-            <a:r>
-              <a:rPr lang="en-US" altLang="ko-KR" dirty="0" err="1" smtClean="0"/>
-              <a:t>i</a:t>
-            </a:r>
-            <a:r>
-              <a:rPr lang="en-US" altLang="ko-KR" dirty="0" smtClean="0"/>
-              <a:t>, x in enumerate(</a:t>
+              <a:t>import </a:t>
+            </a:r>
+            <a:r>
+              <a:rPr lang="en-US" altLang="ko-KR" dirty="0" err="1" smtClean="0"/>
+              <a:t>matplotlib.pyplot</a:t>
+            </a:r>
+            <a:r>
+              <a:rPr lang="en-US" altLang="ko-KR" dirty="0" smtClean="0"/>
+              <a:t> as </a:t>
+            </a:r>
+            <a:r>
+              <a:rPr lang="en-US" altLang="ko-KR" dirty="0" err="1" smtClean="0"/>
+              <a:t>plt</a:t>
+            </a:r>
+            <a:endParaRPr lang="en-US" altLang="ko-KR" dirty="0" smtClean="0"/>
+          </a:p>
+          <a:p>
+            <a:r>
+              <a:rPr lang="en-US" altLang="ko-KR" dirty="0" err="1" smtClean="0"/>
+              <a:t>plt.scatter</a:t>
+            </a:r>
+            <a:r>
+              <a:rPr lang="en-US" altLang="ko-KR" dirty="0" smtClean="0"/>
+              <a:t>(</a:t>
             </a:r>
             <a:r>
               <a:rPr lang="en-US" altLang="ko-KR" dirty="0" err="1" smtClean="0"/>
@@ -3829,119 +3777,87 @@
             </a:r>
             <a:r>
               <a:rPr lang="en-US" altLang="ko-KR" dirty="0" smtClean="0"/>
+              <a:t>, </a:t>
+            </a:r>
+            <a:r>
+              <a:rPr lang="en-US" altLang="ko-KR" dirty="0" err="1" smtClean="0"/>
+              <a:t>daily_minutes</a:t>
+            </a:r>
+            <a:r>
+              <a:rPr lang="en-US" altLang="ko-KR" dirty="0" smtClean="0"/>
               <a:t>)</a:t>
             </a:r>
-            <a:br>
-              <a:rPr lang="en-US" altLang="ko-KR" dirty="0" smtClean="0"/>
-            </a:br>
-            <a:r>
-              <a:rPr lang="en-US" altLang="ko-KR" dirty="0" smtClean="0"/>
-              <a:t>					if </a:t>
-            </a:r>
-            <a:r>
-              <a:rPr lang="en-US" altLang="ko-KR" dirty="0" err="1" smtClean="0"/>
-              <a:t>i</a:t>
-            </a:r>
-            <a:r>
-              <a:rPr lang="en-US" altLang="ko-KR" dirty="0" smtClean="0"/>
-              <a:t> != outlier]</a:t>
-            </a:r>
-            <a:br>
-              <a:rPr lang="en-US" altLang="ko-KR" dirty="0" smtClean="0"/>
-            </a:br>
-            <a:r>
-              <a:rPr lang="en-US" altLang="ko-KR" dirty="0" err="1" smtClean="0"/>
-              <a:t>daily_minutes_good</a:t>
-            </a:r>
-            <a:r>
-              <a:rPr lang="en-US" altLang="ko-KR" dirty="0" smtClean="0"/>
-              <a:t> = </a:t>
-            </a:r>
-            <a:r>
-              <a:rPr lang="en-US" altLang="ko-KR" dirty="0"/>
-              <a:t>[x for </a:t>
-            </a:r>
-            <a:r>
-              <a:rPr lang="en-US" altLang="ko-KR" dirty="0" err="1"/>
-              <a:t>i</a:t>
-            </a:r>
-            <a:r>
-              <a:rPr lang="en-US" altLang="ko-KR" dirty="0"/>
-              <a:t>, x in </a:t>
-            </a:r>
-            <a:r>
-              <a:rPr lang="en-US" altLang="ko-KR" dirty="0" smtClean="0"/>
-              <a:t>enumerate(</a:t>
-            </a:r>
-            <a:r>
-              <a:rPr lang="en-US" altLang="ko-KR" dirty="0" err="1" smtClean="0"/>
-              <a:t>daily_minutes</a:t>
-            </a:r>
-            <a:r>
-              <a:rPr lang="en-US" altLang="ko-KR" dirty="0" smtClean="0"/>
-              <a:t>)</a:t>
-            </a:r>
-            <a:r>
-              <a:rPr lang="en-US" altLang="ko-KR" dirty="0"/>
-              <a:t/>
-            </a:r>
-            <a:br>
-              <a:rPr lang="en-US" altLang="ko-KR" dirty="0"/>
-            </a:br>
-            <a:r>
-              <a:rPr lang="en-US" altLang="ko-KR" dirty="0"/>
-              <a:t>					if </a:t>
-            </a:r>
-            <a:r>
-              <a:rPr lang="en-US" altLang="ko-KR" dirty="0" err="1"/>
-              <a:t>i</a:t>
-            </a:r>
-            <a:r>
-              <a:rPr lang="en-US" altLang="ko-KR" dirty="0"/>
-              <a:t> != outlier</a:t>
-            </a:r>
-            <a:r>
-              <a:rPr lang="en-US" altLang="ko-KR" dirty="0" smtClean="0"/>
-              <a:t>]</a:t>
-            </a:r>
-            <a:br>
-              <a:rPr lang="en-US" altLang="ko-KR" dirty="0" smtClean="0"/>
-            </a:br>
-            <a:r>
-              <a:rPr lang="en-US" altLang="ko-KR" dirty="0" smtClean="0"/>
-              <a:t>correlation(</a:t>
-            </a:r>
-            <a:r>
-              <a:rPr lang="en-US" altLang="ko-KR" dirty="0" err="1" smtClean="0"/>
-              <a:t>num_friends_good</a:t>
-            </a:r>
-            <a:r>
-              <a:rPr lang="en-US" altLang="ko-KR" dirty="0" smtClean="0"/>
-              <a:t>, </a:t>
-            </a:r>
-            <a:r>
-              <a:rPr lang="en-US" altLang="ko-KR" dirty="0" err="1" smtClean="0"/>
-              <a:t>daily_minutes_good</a:t>
-            </a:r>
-            <a:r>
-              <a:rPr lang="en-US" altLang="ko-KR" dirty="0" smtClean="0"/>
-              <a:t>)   # 0.57</a:t>
-            </a:r>
-            <a:r>
-              <a:rPr lang="en-US" altLang="ko-KR" dirty="0"/>
-              <a:t/>
-            </a:r>
-            <a:br>
-              <a:rPr lang="en-US" altLang="ko-KR" dirty="0"/>
-            </a:br>
-            <a:endParaRPr lang="en-US" altLang="ko-KR" dirty="0" smtClean="0"/>
-          </a:p>
-        </p:txBody>
-      </p:sp>
+            <a:endParaRPr lang="ko-KR" altLang="en-US" dirty="0"/>
+          </a:p>
+        </p:txBody>
+      </p:sp>
+      <p:sp>
+        <p:nvSpPr>
+          <p:cNvPr id="4" name="AutoShape 2" descr="data:image/png;base64,iVBORw0KGgoAAAANSUhEUgAAAXQAAAD8CAYAAABn919SAAAABHNCSVQICAgIfAhkiAAAAAlwSFlzAAALEgAACxIB0t1+/AAAG+pJREFUeJzt3X9s3Pd93/HnW6eTfVSznNRwgkRblTEYMuJ4Jmu2daehiO04SuLEIpzMsjEP2mBA/2xdrBZsqbaYnWFANGhN1D+2YkKSVmgyV46t0KqdRVVlBUWNxi0V0lEUS1OaRLZp/WAT0Wmsc3wm3/vjvkcdT/e9+x7ve7zvfe/1AATefe975OdLy6/76P39/DB3R0REut+KTjdARETioUAXEUkJBbqISEoo0EVEUkKBLiKSEgp0EZGUUKCLiKSEAl1EJCUU6CIiKbFyOX/Y+973Pt+0adNy/kgRka534sSJf3T3/kbnLWugb9q0iYmJieX8kSIiXc/MzkU5TyUXEZGUaBjoZrbZzKYq/vzUzB4zs7VmdtTMzgZf1yxHg0VEpLaGge7uZ9x90N0HgTuAK8DXgDHgmLvfDBwLnouISIc0W3K5B/gHdz8HbAMOBMcPACNxNkxERJrTbKA/BDwZPF7n7ueDxxeAdbG1SkREmhZ5lIuZrQLuB3ZXv+bubmY1d8ows53AToCNGzcusZki8RifnGbvkTO8MVtgQz7H6NbNjAwNdLpZIrFopof+UeDb7n4xeH7RzNYDBF8v1XqTu+9392F3H+7vbziMUqRtxien2X3oJNOzBRyYni2w+9BJxienO900kVg0E+gPc7XcAnAY2BE83gE8G1ejRNph75EzFIpzi44VinPsPXKmQy0SiVekQDez1cC9wKGKw3uAe83sLPCh4LlIYr0xW2jquEi3iVRDd/e3gF+sOvZjSqNeRLrChnyO6RrhvSGf60BrROKnmaLSM0a3biaXzSw6lstmGN26uUMtEonXsq7lItJJ5dEsGuUiaaVAl54yMjSgAJfUUslFRCQlFOgiIimhQBcRSQkFuohISijQRURSQoEuIpISCnQRkZRQoIuIpIQCXUQkJRToIiIpoUAXEUkJBbqISEoo0EVEUkKBLiKSEgp0EZGUUKCLiKSEAl1EJCUiBbqZ5c3saTM7bWavmNmvm9laMztqZmeDr2va3VgREQkXtYf+R8A33P0W4HbgFWAMOObuNwPHguciItIhDQPdzN4L/AbwRQB3f8fdZ4FtwIHgtAPASLsaKSIijUXpod8EzAB/YmaTZvYFM1sNrHP388E5F4B17WqkiIg0FiXQVwK/DPyxuw8Bb1FVXnF3B7zWm81sp5lNmNnEzMxMq+0VEZEQUQL9deB1d38peP40pYC/aGbrAYKvl2q92d33u/uwuw/39/fH0WYREamhYaC7+wXgNTPbHBy6B/gecBjYERzbATzblhaKiEgkKyOe95vAV8xsFfAD4D9Q+jB4ysweBc4BD7aniSIiEkWkQHf3KWC4xkv3xNscERFZqqg9dFlm45PT7D1yhjdmC2zI5xjdupmRoYFON0tEEkyBnkDjk9PsPnSSQnEOgOnZArsPnQRQqItIKK3lkkB7j5xZCPOyQnGOvUfOdKhFItINFOgJ9MZsoanjIiKgQE+kDflcU8dFRECBnkijWzeTy2YWHctlM4xu3RzyDhER3RRNpPKNT41yEZFmKNATamRoQAEuIk1RyUVEJCXUQ28TTQwSkeWmQG8DTQwSkU5QyaUNNDFIRDpBgd4GmhgkIp2gQG8DTQwSkU5QoLeBJgaJSCfopmgbaGJQdBoNJBIfBXqbaGJQYxoNJBIvlVw6bHxymi17XuCmsefZsucFxienO92kZRM2Guixg1M997sQiYN66B3U6z3UeqN+eu13IRIH9dA7qNfHqzca9dNLvwuROEQKdDP7kZmdNLMpM5sIjq01s6Nmdjb4uqa9TU2fXh+vXms0ULVe+V2IxKGZHvpd7j7o7sPB8zHgmLvfDBwLnksTen28+sjQAJ994DYG6lxvr/wuROLQSsllG3AgeHwAGGm9Ob1F49VLof7i2N3s2z7Y878LkVZFvSnqwF+Z2Rzwv919P7DO3c8Hr18A1rWjgWmm8epX6Xch0jpz98YnmQ24+7SZ/XPgKPCbwGF3z1ecc9ndr6mjm9lOYCfAxo0b7zh37lxsjU8aTZIRkXYwsxMV5e5QkXro7j4dfL1kZl8DfhW4aGbr3f28ma0HLoW8dz+wH2B4eLjxp0cXqBXcQE8PQRSRzmtYQzez1Wb2nvJj4MPAd4HDwI7gtB3As+1qZJKUx45PzxZwrgb3E4dP9fQQRBHpvCg99HXA18ysfP7/cfdvmNnfA0+Z2aPAOeDB9jUzOcLGjlcfK9OwOxFZLg0D3d1/ANxe4/iPgXva0agkazagNexORJaLZoo2KSygV6+qPUHmrlv629kcEZEFWsuFxTc5831Z3OHNQrHmSJXRrZsX3fyE0njpbGYFcG3Z5fjpmeW4BBER9dCrb3JevlJktlBcdMOzctW/kaEBPnnHAJnSPQUyZnzyjgHeLBRrfn/V0EVkufR8oNe6yVmpeqTK+OQ0z5yYZi4Yvz/nzjMnpnlvLlvz/aqhi8hy6flAj9KDrjwnbJSLGZq6LiId1fOBHqUHXXlO2AfA7JXiwkJTBgzkc3z2gds0qUhElk3P3xStdZOzUnUve0M+x3SNUN+Qz2nbORHpqJ7voVcu4WrAmr4s+Vw2tJetFRJFJKl6qocetnhWMz3r5VoVUAt9iUizUh/o5WCcni1glNYBhtYWz2p3aaXX9xoVkaVJXaBXTxL62dvvUpwvxXj1Uo/lIYlJC8l6e40mra0ikhypCvTqnu3lK7Un+1RK4sSfXt9rVESWJlU3RRtNEqoliRN/en2vURFZmlQFerM92KSOTtFIGhFZilSVXMLGiFcq3xgdSPDIEe2vKSJLkapArzVJKJsxVq9aGbp6YlJpkpKINCtVJZfqSUID+Rzbf+VGVl+Xqs8tEZGaUpd0lT3bbhjPrQlEIhKX1AV6peUYz91KIHfDB46IdI9UlVyqtXs8d/XmGLU2xKin3geOiEizUt1Dz/dla04uyvct3oziD8ZP8uRLrzHnzgqD61au4O3ifMMed6v/AtAEIhGJU+QeupllzGzSzJ4Lnq81s6Nmdjb4uqZ9zVwar57rX+P4H4yf5MvfenVhB6J5h0JxPlKPu9VA1gQiEYlTMyWXTwOvVDwfA465+83AseB5osyG7PNZefzJl16r+z3qlUBaDWRNIBKROEUKdDO7AbgP+ELF4W3AgeDxAWAk3qa1boU1Pj4X1o2vEDZZqdVArjXMUrscichSRa2h7wN+B3hPxbF17n4+eHwBWFfrjWa2E9gJsHHjxiU2c2nmQ7K68njGrGGoZ6z2J0McMzo1gUhE4tIw0M3s48Aldz9hZh+sdY67u5nVTEV33w/sBxgeHm7cHV5mD//ajXz5W6/WPade4FePe9975Ay7Dk5pTLmILLsoPfQtwP1m9jHgeuCfmdmXgYtmtt7dz5vZeuBSOxtardUJOZXvX70qw5V35q5ZL71sIEJNvNNjyjVBSUQa1tDdfbe73+Dum4CHgBfc/RHgMLAjOG0H8GzbWlkl6vjvNVXDE8tWr8ow+vTLC+9/6505VmaMR+7cuOSaeCfHlLc6Hl5E0qGViUV7gHvN7CzwoeD5sggLz8cOTrFlzwsLQfb4J24lm1lc/85mDHenOLe4P16cc57/zvkl36Ts5JhyTVASEWhyYpG7fxP4ZvD4x8A98TepsXohWavUUV2KeOzgVM33Xr5SXPJNyrCle5djTLkmKIkIdOnU/0YhWdk7HRka4MWxu/nhnvt4cezuttWVOzmmXBOURAS6NNBrhWe16dnCovJLpZBRiACh7wkzPjnNlj0vsOvgFNdnV5DPZZd9TLkmKIkIdOlaLpWllHo7FIWNNKk37Hx6tsCug1M8dnCq4a5GtTalzmUzfH774LKOMNEORyICYB5hpmRchoeHfWJiItbvuWns+YbnZMyYd18Ius/8xamai3bVkstmQnvaW/a8UPMDZSCf48WxuyN9fxGRRszshLsPNzqvK0suzZpzXxjO91tPTfGzt6OFOdQeLVIus4T960A3I0WkE7qq5FK5zG3GjId/7camv8e8hy8JEKYyoKvLLLXoZqSIdELXBHp5mduyOfeGU/bjsiGfW5iJWa9mD41vRmpGp4i0S9cEeqNlbtsll81w1y39DXvlQNM3UbXlnIjEqWtq6FGWua30yJ2tr+xYHnp4/PRMpDBvNM5dMzpFpJ26JtDreeTOjQtL3GastCbLfxu5Lbbv3+gmZ9Qx35rRKSLtlPiSS7nmXM/x0zP84YO3L6lsYRY+Lr1cEnlvLhu6+1GjMkulTi4PICLpl+hAH5+c5reemmo4KqWyFj1x7icLI2EayWaM7b9yI8+cmA4tqRSKc1yfXUEum1l0Tr3x6WFGt26+phavGZ0iEpdEB/rvHfpO5CGG5dUWo6rsWQ//0tq6I1hmrxT5t3duXDRk8pN3NL+Il2Z0ikg7JXqmaJRZoM0oj10Pq6+HTRZa05fl7eJ8yz10EZGl0EzRGubc+cq3XmXT2POLFuGqnPlZvW5XLpvBHY1OEZHES3TJpR3K/x6Zni0w+tWXmTj3k0U1dAcs+Fouy+wKKeVodIqIJElP9dCrFedLPfbq3nd1EUrrjYtIN0h0oIftCRqnencQyr34u27pj2298XJ556aqso+ISKsSHehvN5idWctAPse+7YP8aM997Ns+2HAjjEaK885zLy99r9FK2sxZRNop0TX0QnE+8rnZjLH3U4snF0XdCKOR2cLS9xqtVG/qv0bLiEirGvbQzex6M/s7M3vZzE6Z2WeC42vN7KiZnQ2+rml/c2sbyOeuCfOy8p6i+7YPks3U2XtuGWjqv4i0U5Qe+s+Bu939Z2aWBf7GzP4v8ABwzN33mNkYMAb8bhvbGmp062b2HjnDroNT5PuyuMObheKiiTut9NZXxPQ5oKn/ItJODXvoXvKz4Gk2+OPANuBAcPwAMBJ34/K5aDdFdx2cWqhLX75SZLZQrFmjLvfWM/V2ia6h2Q0xwmgzZxFpp0g3Rc0sY2ZTwCXgqLu/BKxz9/PBKReAdSHv3WlmE2Y2MTMz01Tjnrj/VrIRusf18rbWBKBml+IdiKkHPTI0EMvNVRGRWiLdFHX3OWDQzPLA18zsA1Wvu5nVTEl33w/sh9LU/2YaV732SbmcErbyYZhyjTrKyo3V4u5Bx3FzVUSklqZGubj7rJkdBz4CXDSz9e5+3szWU+q9x64yAMuB3Gygl7eQi7LrUKVmlsYVEem0hoFuZv1AMQjzHHAv8N+Bw8AOYE/w9dl2NnQpgQxXe9i1hgzWU96BKKwtWjFRRJImSg99PXDAzDKUau5PuftzZva3wFNm9ihwDniwHQ2MujlzLZXL3IatxxLmrlv6Q9sTti8oaGlcEemcRC+fOz45zejTL1OcW3obVwCf2z64pA+FWiUXLbErIsstFcvnfuYvTrUU5gDzwO5D36k5ZLCRWlPzwyYBXb5S1BK7ItJRiQ70y1eau/kZplCcv2bI4Jq+bKRx7tWh3OwkIM0CFZHlkuhAb6e+VSt54v5bI63oWBnKYZODwj4cNAtURJZLohfnitOmsecXNq6Aq+WUKCNfnFLtvLKeXn3zE9AG0CLSUYkO9DV92djKLnDtjNJmhjFWjmapNzlIo1xEpFNSP8olbvXGp4uItEMqRrmMDA2w91O3L1r7ZN/2wdjWVlkK3eQUkaRKdMkFak/9b2WzilbpJqeIJFXiA70yxCtvanaCbnKKSJIlOtDHJ6cZ/erLFIMFyTsZ5lqoS0SSLtGB/sThUwth3klr+rK6ESoiiZfom6LNLpPbLnEOnRQRaZdEB3ocVlj0rexERLpZ1wZ6eS0Wq/N4IJ/jcw8OMvX4h9m3fbDpxblERLpJomvo9Tz+iVvZe+QMb1aVZfpWrax587J6yn7fqgxX3pmLdKM1ynovIiKdluiZojeNPR8auLlsJnTqfnl4Y9jIlGZ2P8qsMP7w39yu0S0i0jGpmCla76OmXhhXL8BVuZ450NR2dIn+BYmIVEh0XsVR6qi1yUQz0/eL865NKkSkKyQ60MOqQdbk96kO8HyTHxRav0VEukGiA736hmeZ01yoVwd4s7cNtH6LiHSDhoFuZjea2XEz+56ZnTKzTwfH15rZUTM7G3xdE3fj6gVpZSY32k7u7ap6edgHRZi7bulv6nwRkU6IMmzxXeC33f3bZvYe4ISZHQX+PXDM3feY2RgwBvxunI0b3bq54WiUfC7L5H/5MFDalaiWQnGem8aeJ9+Xxb35NWGOn55p8h0iIsuvYaC7+3ngfPD4n8zsFWAA2AZ8MDjtAPBNYg70yrHjYUvmzhaKCysy1uMsfQq/augi0g2aqqGb2SZgCHgJWBeEPcAFYF3Ie3aa2YSZTczMNN/THRkaaLgw1q6DUy2tkd6oHq8auoh0g8iBbma/ADwDPObuP618zUuzk2pWMtx9v7sPu/twf397atGtTo2q936tgS4i3SJSoJtZllKYf8XdDwWHL5rZ+uD19cCl9jSxpBPT7wfyOT77wG2aJSoiXSHKKBcDvgi84u6fq3jpMLAjeLwDeDb+5l31+CduJbOi2RHojYV9x3yutAa6wlxEukWUUS5bgH8HnDSzqeDY7wF7gKfM7FHgHPBge5p41Qog2oT9aLIZI7vCuFKcv+Y1i/+zQ0SkraKMcvkbwjuy98TbnGu1a2Po8sJduw5O1Xx9VptaiEiXSfRM0fKqiHGHeaWwESwa2SIi3SbRgd7MqojNKq/EeNct/ddsfKGRLSLSjRId6FEn9FTXg3LZDPu2D7Jv+yDZTHgxvFCc4/jpGT77wG0M5HMLuxxpZIuIdKNE71i0IZ+rW27JZoy9n7oduLoT0YaKTS3GJ6eZm6s/Sv2N2QIjQwMKcBHpeokO9EZruRTnSmuVhw0vfOLwKa4dv7KYauUikhaJLrmMDA0slEPC1CvLzDZYVdEo1dK37Hnhml2NRES6TaJ76FE4MPRf/xL30rK4G0L2Ea1W3ncUrt4gBVR6EZGulehAj7qZc+UqipXhvMJgPqSEXn24vFWdAl1EulWiSy5LHbZYDuewMA+jZXJFpJslOtBbCdjp2ULo9P2wgYy6QSoi3SzRgd7sZs7VwvYO7VuV0WQiEUmdRAd6s5s5R/XWO3Ncn11BPpfVZCIRSY1E3xRtdjPnZly+UiSXzfD57YMKchFJhUT30Ntd0y7fPBURSYNEB/ro1s3X1Lqblc0Y+Vx4LV4jW0QkLRId6FFmilZb05ddVBvf+6nbmXr8w6HfQyNbRCQtEl1DBxYWzvoXu7/OXMhd0oEIs0NrrQujkS0ikiaJD/SysDAHeHHs7obvL4d9rVUZRUTSoGsCfSBkKd1myjFaJldE0izRNfRKtW6QqmQiInJVwx66mX0J+Dhwyd0/EBxbCxwENgE/Ah5098vtaGB5k+g3Zgvk+7Jct3JFU6sqioj0iig99D8FPlJ1bAw45u43A8eC57Ebn5xm9KsvMz1bwClNBnrr5+/y+e2DoZtaiIj0qoaB7u5/Dfyk6vA24EDw+AAwEnO7gNKOQ8WqJROL884Th0+148eJiHS1pdbQ17n7+eDxBWBdTO1ZJGzHodlCUbsMiYhUafmmqLs71+4XscDMdprZhJlNzMzMtPrjFpQ3slCoi4iULDXQL5rZeoDg66WwE919v7sPu/twf39/Uz9kTYPlc7UWi4jIVUsN9MPAjuDxDuDZeJqz2H3/cn3Dc7QWi4hIScNAN7Mngb8FNpvZ62b2KLAHuNfMzgIfCp7H7vjpxiUarcUiIlLScBy6uz8c8tI9MbflGo1635pYJCJyVaJnitbrfWuXIRGRxRId6GHT/fdpYpGIyDUSvTiXVkgUEYku0YEOWiFRRCSqRJdcREQkOgW6iEhKKNBFRFJCgS4ikhIKdBGRlFCgi4ikhAJdRCQlFOgiIimhQBcRSQkFuohISijQRURSQoEuIpISCnQRkZRQoIuIpETil88VEelm45PTy7angwJdRKRNxien2X3oJIXiHADTswV2HzoJ0JZQb6nkYmYfMbMzZvZ9MxuLq1EiImmw98iZhTAvKxTn2HvkTFt+3pID3cwywP8EPgq8H3jYzN4fV8NERLrdG7OFpo63qpUe+q8C33f3H7j7O8CfA9viaZaISPfbkM81dbxVrQT6APBaxfPXg2MiIgKMbt1MLptZdCyXzTC6dXNbfl7bb4qa2U5gJ8DGjRvb/eNERBKjfOOzG0a5TAM3Vjy/ITi2iLvvB/YDDA8Pews/T0Sk64wMDbQtwKu1UnL5e+BmM7vJzFYBDwGH42mWiIg0a8k9dHd/18z+E3AEyABfcvdTsbVMRESa0lIN3d2/Dnw9praIiEgLtJaLiEhKKNBFRFLC3Jdv4ImZzQDnmnjL+4B/bFNzkqwXr7sXrxl687p78Zqhtev+JXfvb3TSsgZ6s8xswt2HO92O5daL192L1wy9ed29eM2wPNetkouISEoo0EVEUiLpgb6/0w3okF687l68ZujN6+7Fa4ZluO5E19BFRCS6pPfQRUQkosQGei/shmRmN5rZcTP7npmdMrNPB8fXmtlRMzsbfF3T6bbGzcwyZjZpZs8Fz3vhmvNm9rSZnTazV8zs19N+3Wa2K/i7/V0ze9LMrk/jNZvZl8zskpl9t+JY6HWa2e4g286Y2da42pHIQO+h3ZDeBX7b3d8P3An8x+A6x4Bj7n4zcCx4njafBl6peN4L1/xHwDfc/RbgdkrXn9rrNrMB4D8Dw+7+AUprPj1EOq/5T4GPVB2reZ3B/+MPAbcG7/lfQea1LJGBTo/shuTu593928Hjf6L0P/gApWs9EJx2ABjpTAvbw8xuAO4DvlBxOO3X/F7gN4AvArj7O+4+S8qvm9J6UTkzWwn0AW+Qwmt2978GflJ1OOw6twF/7u4/d/cfAt+nlHktS2qg99xuSGa2CRgCXgLWufv54KULwLoONatd9gG/A8xXHEv7Nd8EzAB/EpSavmBmq0nxdbv7NPA/gFeB88Cb7v6XpPiaq4RdZ9vyLamB3lPM7BeAZ4DH3P2nla95aRhSaoYimdnHgUvufiLsnLRdc2Al8MvAH7v7EPAWVaWGtF13UDPeRunDbAOw2sweqTwnbdccZrmuM6mBHmk3pDQwsyylMP+Kux8KDl80s/XB6+uBS51qXxtsAe43sx9RKqXdbWZfJt3XDKVe2Ovu/lLw/GlKAZ/m6/4Q8EN3n3H3InAI+Fek+5orhV1n2/ItqYHeE7shmZlRqqm+4u6fq3jpMLAjeLwDeHa529Yu7r7b3W9w902U/ru+4O6PkOJrBnD3C8BrZlbeHfge4Huk+7pfBe40s77g7/o9lO4TpfmaK4Vd52HgITO7zsxuAm4G/i6Wn+juifwDfAz4f8A/AL/f6fa06Rr/NaV/hn0HmAr+fAz4RUp3xc8CfwWs7XRb23T9HwSeCx6n/pqBQWAi+O89DqxJ+3UDnwFOA98F/gy4Lo3XDDxJ6T5BkdK/xh6td53A7wfZdgb4aFzt0ExREZGUSGrJRUREmqRAFxFJCQW6iEhKKNBFRFJCgS4ikhIKdBGRlFCgi4ikhAJdRCQl/j/E7bu1xa6V8AAAAABJRU5ErkJggg=="/>
+          <p:cNvSpPr>
+            <a:spLocks noChangeAspect="1" noChangeArrowheads="1"/>
+          </p:cNvSpPr>
+          <p:nvPr/>
+        </p:nvSpPr>
+        <p:spPr bwMode="auto">
+          <a:xfrm>
+            <a:off x="155575" y="-144463"/>
+            <a:ext cx="304800" cy="304801"/>
+          </a:xfrm>
+          <a:prstGeom prst="rect">
+            <a:avLst/>
+          </a:prstGeom>
+          <a:noFill/>
+          <a:extLst>
+            <a:ext uri="{909E8E84-426E-40DD-AFC4-6F175D3DCCD1}">
+              <a14:hiddenFill xmlns:a14="http://schemas.microsoft.com/office/drawing/2010/main">
+                <a:solidFill>
+                  <a:srgbClr val="FFFFFF"/>
+                </a:solidFill>
+              </a14:hiddenFill>
+            </a:ext>
+          </a:extLst>
+        </p:spPr>
+        <p:txBody>
+          <a:bodyPr vert="horz" wrap="square" lIns="91440" tIns="45720" rIns="91440" bIns="45720" numCol="1" anchor="t" anchorCtr="0" compatLnSpc="1">
+            <a:prstTxWarp prst="textNoShape">
+              <a:avLst/>
+            </a:prstTxWarp>
+          </a:bodyPr>
+          <a:lstStyle/>
+          <a:p>
+            <a:endParaRPr lang="ko-KR" altLang="en-US"/>
+          </a:p>
+        </p:txBody>
+      </p:sp>
+      <p:pic>
+        <p:nvPicPr>
+          <p:cNvPr id="7" name="그림 6"/>
+          <p:cNvPicPr>
+            <a:picLocks noChangeAspect="1"/>
+          </p:cNvPicPr>
+          <p:nvPr/>
+        </p:nvPicPr>
+        <p:blipFill>
+          <a:blip r:embed="rId2"/>
+          <a:stretch>
+            <a:fillRect/>
+          </a:stretch>
+        </p:blipFill>
+        <p:spPr>
+          <a:xfrm>
+            <a:off x="2405448" y="2883869"/>
+            <a:ext cx="4844621" cy="3140950"/>
+          </a:xfrm>
+          <a:prstGeom prst="rect">
+            <a:avLst/>
+          </a:prstGeom>
+        </p:spPr>
+      </p:pic>
     </p:spTree>
     <p:extLst>
       <p:ext uri="{BB962C8B-B14F-4D97-AF65-F5344CB8AC3E}">
-        <p14:creationId xmlns:p14="http://schemas.microsoft.com/office/powerpoint/2010/main" val="3513947596"/>
+        <p14:creationId xmlns:p14="http://schemas.microsoft.com/office/powerpoint/2010/main" val="237577288"/>
       </p:ext>
     </p:extLst>
   </p:cSld>
@@ -3984,6 +3900,273 @@
           <a:lstStyle/>
           <a:p>
             <a:r>
+              <a:rPr lang="en-US" altLang="ko-KR" dirty="0" smtClean="0"/>
+              <a:t>Outlier</a:t>
+            </a:r>
+            <a:endParaRPr lang="ko-KR" altLang="en-US" dirty="0"/>
+          </a:p>
+        </p:txBody>
+      </p:sp>
+      <p:sp>
+        <p:nvSpPr>
+          <p:cNvPr id="3" name="내용 개체 틀 2"/>
+          <p:cNvSpPr>
+            <a:spLocks noGrp="1"/>
+          </p:cNvSpPr>
+          <p:nvPr>
+            <p:ph idx="1"/>
+          </p:nvPr>
+        </p:nvSpPr>
+        <p:spPr/>
+        <p:txBody>
+          <a:bodyPr/>
+          <a:lstStyle/>
+          <a:p>
+            <a:r>
+              <a:rPr lang="en-US" altLang="ko-KR" dirty="0" smtClean="0"/>
+              <a:t>100</a:t>
+            </a:r>
+            <a:r>
+              <a:rPr lang="ko-KR" altLang="en-US" dirty="0" smtClean="0"/>
+              <a:t>명의 친구를 가진 사람은 </a:t>
+            </a:r>
+            <a:r>
+              <a:rPr lang="en-US" altLang="ko-KR" dirty="0" smtClean="0"/>
+              <a:t>outlier</a:t>
+            </a:r>
+            <a:r>
+              <a:rPr lang="ko-KR" altLang="en-US" dirty="0" smtClean="0"/>
+              <a:t>라고 간주해 보자</a:t>
+            </a:r>
+            <a:r>
+              <a:rPr lang="en-US" altLang="ko-KR" dirty="0" smtClean="0"/>
+              <a:t>.</a:t>
+            </a:r>
+          </a:p>
+          <a:p>
+            <a:pPr lvl="1"/>
+            <a:r>
+              <a:rPr lang="ko-KR" altLang="en-US" dirty="0" smtClean="0"/>
+              <a:t>상관관계</a:t>
+            </a:r>
+            <a:r>
+              <a:rPr lang="en-US" altLang="ko-KR" dirty="0" smtClean="0"/>
+              <a:t>(correlation)</a:t>
+            </a:r>
+            <a:r>
+              <a:rPr lang="ko-KR" altLang="en-US" dirty="0"/>
+              <a:t>는</a:t>
+            </a:r>
+            <a:r>
+              <a:rPr lang="ko-KR" altLang="en-US" dirty="0" smtClean="0"/>
+              <a:t> </a:t>
+            </a:r>
+            <a:r>
+              <a:rPr lang="en-US" altLang="ko-KR" dirty="0" smtClean="0"/>
+              <a:t>outlier</a:t>
+            </a:r>
+            <a:r>
+              <a:rPr lang="ko-KR" altLang="en-US" dirty="0" smtClean="0"/>
+              <a:t>에 민감함</a:t>
+            </a:r>
+            <a:r>
+              <a:rPr lang="en-US" altLang="ko-KR" dirty="0" smtClean="0"/>
+              <a:t>.</a:t>
+            </a:r>
+          </a:p>
+          <a:p>
+            <a:r>
+              <a:rPr lang="en-US" altLang="ko-KR" dirty="0" smtClean="0"/>
+              <a:t>outlier = </a:t>
+            </a:r>
+            <a:r>
+              <a:rPr lang="en-US" altLang="ko-KR" dirty="0" err="1" smtClean="0"/>
+              <a:t>num_friends.index</a:t>
+            </a:r>
+            <a:r>
+              <a:rPr lang="en-US" altLang="ko-KR" dirty="0" smtClean="0"/>
+              <a:t>(100)</a:t>
+            </a:r>
+            <a:br>
+              <a:rPr lang="en-US" altLang="ko-KR" dirty="0" smtClean="0"/>
+            </a:br>
+            <a:r>
+              <a:rPr lang="en-US" altLang="ko-KR" dirty="0" err="1" smtClean="0"/>
+              <a:t>num_friends_good</a:t>
+            </a:r>
+            <a:r>
+              <a:rPr lang="en-US" altLang="ko-KR" dirty="0" smtClean="0"/>
+              <a:t> = [x for </a:t>
+            </a:r>
+            <a:r>
+              <a:rPr lang="en-US" altLang="ko-KR" dirty="0" err="1" smtClean="0"/>
+              <a:t>i</a:t>
+            </a:r>
+            <a:r>
+              <a:rPr lang="en-US" altLang="ko-KR" dirty="0" smtClean="0"/>
+              <a:t>, x in enumerate(</a:t>
+            </a:r>
+            <a:r>
+              <a:rPr lang="en-US" altLang="ko-KR" dirty="0" err="1" smtClean="0"/>
+              <a:t>num_friends</a:t>
+            </a:r>
+            <a:r>
+              <a:rPr lang="en-US" altLang="ko-KR" dirty="0" smtClean="0"/>
+              <a:t>)</a:t>
+            </a:r>
+            <a:br>
+              <a:rPr lang="en-US" altLang="ko-KR" dirty="0" smtClean="0"/>
+            </a:br>
+            <a:r>
+              <a:rPr lang="en-US" altLang="ko-KR" dirty="0" smtClean="0"/>
+              <a:t>					if </a:t>
+            </a:r>
+            <a:r>
+              <a:rPr lang="en-US" altLang="ko-KR" dirty="0" err="1" smtClean="0"/>
+              <a:t>i</a:t>
+            </a:r>
+            <a:r>
+              <a:rPr lang="en-US" altLang="ko-KR" dirty="0" smtClean="0"/>
+              <a:t> != outlier]</a:t>
+            </a:r>
+            <a:br>
+              <a:rPr lang="en-US" altLang="ko-KR" dirty="0" smtClean="0"/>
+            </a:br>
+            <a:r>
+              <a:rPr lang="en-US" altLang="ko-KR" dirty="0" err="1" smtClean="0"/>
+              <a:t>daily_minutes_good</a:t>
+            </a:r>
+            <a:r>
+              <a:rPr lang="en-US" altLang="ko-KR" dirty="0" smtClean="0"/>
+              <a:t> = </a:t>
+            </a:r>
+            <a:r>
+              <a:rPr lang="en-US" altLang="ko-KR" dirty="0"/>
+              <a:t>[x for </a:t>
+            </a:r>
+            <a:r>
+              <a:rPr lang="en-US" altLang="ko-KR" dirty="0" err="1"/>
+              <a:t>i</a:t>
+            </a:r>
+            <a:r>
+              <a:rPr lang="en-US" altLang="ko-KR" dirty="0"/>
+              <a:t>, x in </a:t>
+            </a:r>
+            <a:r>
+              <a:rPr lang="en-US" altLang="ko-KR" dirty="0" smtClean="0"/>
+              <a:t>enumerate(</a:t>
+            </a:r>
+            <a:r>
+              <a:rPr lang="en-US" altLang="ko-KR" dirty="0" err="1" smtClean="0"/>
+              <a:t>daily_minutes</a:t>
+            </a:r>
+            <a:r>
+              <a:rPr lang="en-US" altLang="ko-KR" dirty="0" smtClean="0"/>
+              <a:t>)</a:t>
+            </a:r>
+            <a:r>
+              <a:rPr lang="en-US" altLang="ko-KR" dirty="0"/>
+              <a:t/>
+            </a:r>
+            <a:br>
+              <a:rPr lang="en-US" altLang="ko-KR" dirty="0"/>
+            </a:br>
+            <a:r>
+              <a:rPr lang="en-US" altLang="ko-KR" dirty="0"/>
+              <a:t>					if </a:t>
+            </a:r>
+            <a:r>
+              <a:rPr lang="en-US" altLang="ko-KR" dirty="0" err="1"/>
+              <a:t>i</a:t>
+            </a:r>
+            <a:r>
+              <a:rPr lang="en-US" altLang="ko-KR" dirty="0"/>
+              <a:t> != outlier</a:t>
+            </a:r>
+            <a:r>
+              <a:rPr lang="en-US" altLang="ko-KR" dirty="0" smtClean="0"/>
+              <a:t>]</a:t>
+            </a:r>
+            <a:br>
+              <a:rPr lang="en-US" altLang="ko-KR" dirty="0" smtClean="0"/>
+            </a:br>
+            <a:r>
+              <a:rPr lang="en-US" altLang="ko-KR" dirty="0" smtClean="0"/>
+              <a:t>correlation(</a:t>
+            </a:r>
+            <a:r>
+              <a:rPr lang="en-US" altLang="ko-KR" dirty="0" err="1" smtClean="0"/>
+              <a:t>num_friends_good</a:t>
+            </a:r>
+            <a:r>
+              <a:rPr lang="en-US" altLang="ko-KR" dirty="0" smtClean="0"/>
+              <a:t>, </a:t>
+            </a:r>
+            <a:r>
+              <a:rPr lang="en-US" altLang="ko-KR" dirty="0" err="1" smtClean="0"/>
+              <a:t>daily_minutes_good</a:t>
+            </a:r>
+            <a:r>
+              <a:rPr lang="en-US" altLang="ko-KR" dirty="0" smtClean="0"/>
+              <a:t>)   # 0.57</a:t>
+            </a:r>
+            <a:r>
+              <a:rPr lang="en-US" altLang="ko-KR" dirty="0"/>
+              <a:t/>
+            </a:r>
+            <a:br>
+              <a:rPr lang="en-US" altLang="ko-KR" dirty="0"/>
+            </a:br>
+            <a:endParaRPr lang="en-US" altLang="ko-KR" dirty="0" smtClean="0"/>
+          </a:p>
+        </p:txBody>
+      </p:sp>
+    </p:spTree>
+    <p:extLst>
+      <p:ext uri="{BB962C8B-B14F-4D97-AF65-F5344CB8AC3E}">
+        <p14:creationId xmlns:p14="http://schemas.microsoft.com/office/powerpoint/2010/main" val="3513947596"/>
+      </p:ext>
+    </p:extLst>
+  </p:cSld>
+  <p:clrMapOvr>
+    <a:masterClrMapping/>
+  </p:clrMapOvr>
+</p:sld>
+</file>
+
+<file path=ppt/slides/slide16.xml><?xml version="1.0" encoding="utf-8"?>
+<p:sld xmlns:a="http://schemas.openxmlformats.org/drawingml/2006/main" xmlns:r="http://schemas.openxmlformats.org/officeDocument/2006/relationships" xmlns:p="http://schemas.openxmlformats.org/presentationml/2006/main">
+  <p:cSld>
+    <p:spTree>
+      <p:nvGrpSpPr>
+        <p:cNvPr id="1" name=""/>
+        <p:cNvGrpSpPr/>
+        <p:nvPr/>
+      </p:nvGrpSpPr>
+      <p:grpSpPr>
+        <a:xfrm>
+          <a:off x="0" y="0"/>
+          <a:ext cx="0" cy="0"/>
+          <a:chOff x="0" y="0"/>
+          <a:chExt cx="0" cy="0"/>
+        </a:xfrm>
+      </p:grpSpPr>
+      <p:sp>
+        <p:nvSpPr>
+          <p:cNvPr id="2" name="제목 1"/>
+          <p:cNvSpPr>
+            <a:spLocks noGrp="1"/>
+          </p:cNvSpPr>
+          <p:nvPr>
+            <p:ph type="title"/>
+          </p:nvPr>
+        </p:nvSpPr>
+        <p:spPr/>
+        <p:txBody>
+          <a:bodyPr/>
+          <a:lstStyle/>
+          <a:p>
+            <a:r>
               <a:rPr lang="en-US" altLang="ko-KR" dirty="0" err="1" smtClean="0"/>
               <a:t>numpy</a:t>
             </a:r>
@@ -4191,7 +4374,7 @@
 </p:sld>
 </file>
 
-<file path=ppt/slides/slide16.xml><?xml version="1.0" encoding="utf-8"?>
+<file path=ppt/slides/slide17.xml><?xml version="1.0" encoding="utf-8"?>
 <p:sld xmlns:a="http://schemas.openxmlformats.org/drawingml/2006/main" xmlns:r="http://schemas.openxmlformats.org/officeDocument/2006/relationships" xmlns:p="http://schemas.openxmlformats.org/presentationml/2006/main">
   <p:cSld>
     <p:spTree>
@@ -4443,7 +4626,7 @@
 </p:sld>
 </file>
 
-<file path=ppt/slides/slide17.xml><?xml version="1.0" encoding="utf-8"?>
+<file path=ppt/slides/slide18.xml><?xml version="1.0" encoding="utf-8"?>
 <p:sld xmlns:a="http://schemas.openxmlformats.org/drawingml/2006/main" xmlns:r="http://schemas.openxmlformats.org/officeDocument/2006/relationships" xmlns:p="http://schemas.openxmlformats.org/presentationml/2006/main">
   <p:cSld>
     <p:spTree>
@@ -4675,7 +4858,7 @@
 </p:sld>
 </file>
 
-<file path=ppt/slides/slide18.xml><?xml version="1.0" encoding="utf-8"?>
+<file path=ppt/slides/slide19.xml><?xml version="1.0" encoding="utf-8"?>
 <p:sld xmlns:a="http://schemas.openxmlformats.org/drawingml/2006/main" xmlns:r="http://schemas.openxmlformats.org/officeDocument/2006/relationships" xmlns:p="http://schemas.openxmlformats.org/presentationml/2006/main">
   <p:cSld>
     <p:spTree>
@@ -5670,8 +5853,8 @@
               <a:t>- </a:t>
             </a:r>
             <a:r>
-              <a:rPr lang="ko-KR" altLang="en-US" dirty="0" err="1" smtClean="0"/>
-              <a:t>중간값</a:t>
+              <a:rPr lang="ko-KR" altLang="en-US" dirty="0" smtClean="0"/>
+              <a:t>중앙값</a:t>
             </a:r>
             <a:endParaRPr lang="ko-KR" altLang="en-US" dirty="0"/>
           </a:p>
@@ -6611,11 +6794,7 @@
             </a:r>
             <a:r>
               <a:rPr lang="en-US" altLang="ko-KR" dirty="0" smtClean="0"/>
-              <a:t>dot    #</a:t>
-            </a:r>
-            <a:r>
-              <a:rPr lang="en-US" altLang="ko-KR" dirty="0" smtClean="0"/>
-              <a:t>linear_algebra.py </a:t>
+              <a:t>dot    #linear_algebra.py </a:t>
             </a:r>
             <a:r>
               <a:rPr lang="ko-KR" altLang="en-US" dirty="0" smtClean="0"/>

--- a/ppt/Python_8_Statistics.pptx
+++ b/ppt/Python_8_Statistics.pptx
@@ -261,7 +261,7 @@
           <a:p>
             <a:fld id="{48AB2AB0-9ACF-4A1A-A644-0D2708439C73}" type="datetimeFigureOut">
               <a:rPr lang="ko-KR" altLang="en-US" smtClean="0"/>
-              <a:t>2017-05-18</a:t>
+              <a:t>2018-02-28</a:t>
             </a:fld>
             <a:endParaRPr lang="ko-KR" altLang="en-US"/>
           </a:p>
@@ -431,7 +431,7 @@
           <a:p>
             <a:fld id="{48AB2AB0-9ACF-4A1A-A644-0D2708439C73}" type="datetimeFigureOut">
               <a:rPr lang="ko-KR" altLang="en-US" smtClean="0"/>
-              <a:t>2017-05-18</a:t>
+              <a:t>2018-02-28</a:t>
             </a:fld>
             <a:endParaRPr lang="ko-KR" altLang="en-US"/>
           </a:p>
@@ -611,7 +611,7 @@
           <a:p>
             <a:fld id="{48AB2AB0-9ACF-4A1A-A644-0D2708439C73}" type="datetimeFigureOut">
               <a:rPr lang="ko-KR" altLang="en-US" smtClean="0"/>
-              <a:t>2017-05-18</a:t>
+              <a:t>2018-02-28</a:t>
             </a:fld>
             <a:endParaRPr lang="ko-KR" altLang="en-US"/>
           </a:p>
@@ -781,7 +781,7 @@
           <a:p>
             <a:fld id="{48AB2AB0-9ACF-4A1A-A644-0D2708439C73}" type="datetimeFigureOut">
               <a:rPr lang="ko-KR" altLang="en-US" smtClean="0"/>
-              <a:t>2017-05-18</a:t>
+              <a:t>2018-02-28</a:t>
             </a:fld>
             <a:endParaRPr lang="ko-KR" altLang="en-US"/>
           </a:p>
@@ -1027,7 +1027,7 @@
           <a:p>
             <a:fld id="{48AB2AB0-9ACF-4A1A-A644-0D2708439C73}" type="datetimeFigureOut">
               <a:rPr lang="ko-KR" altLang="en-US" smtClean="0"/>
-              <a:t>2017-05-18</a:t>
+              <a:t>2018-02-28</a:t>
             </a:fld>
             <a:endParaRPr lang="ko-KR" altLang="en-US"/>
           </a:p>
@@ -1259,7 +1259,7 @@
           <a:p>
             <a:fld id="{48AB2AB0-9ACF-4A1A-A644-0D2708439C73}" type="datetimeFigureOut">
               <a:rPr lang="ko-KR" altLang="en-US" smtClean="0"/>
-              <a:t>2017-05-18</a:t>
+              <a:t>2018-02-28</a:t>
             </a:fld>
             <a:endParaRPr lang="ko-KR" altLang="en-US"/>
           </a:p>
@@ -1626,7 +1626,7 @@
           <a:p>
             <a:fld id="{48AB2AB0-9ACF-4A1A-A644-0D2708439C73}" type="datetimeFigureOut">
               <a:rPr lang="ko-KR" altLang="en-US" smtClean="0"/>
-              <a:t>2017-05-18</a:t>
+              <a:t>2018-02-28</a:t>
             </a:fld>
             <a:endParaRPr lang="ko-KR" altLang="en-US"/>
           </a:p>
@@ -1744,7 +1744,7 @@
           <a:p>
             <a:fld id="{48AB2AB0-9ACF-4A1A-A644-0D2708439C73}" type="datetimeFigureOut">
               <a:rPr lang="ko-KR" altLang="en-US" smtClean="0"/>
-              <a:t>2017-05-18</a:t>
+              <a:t>2018-02-28</a:t>
             </a:fld>
             <a:endParaRPr lang="ko-KR" altLang="en-US"/>
           </a:p>
@@ -1839,7 +1839,7 @@
           <a:p>
             <a:fld id="{48AB2AB0-9ACF-4A1A-A644-0D2708439C73}" type="datetimeFigureOut">
               <a:rPr lang="ko-KR" altLang="en-US" smtClean="0"/>
-              <a:t>2017-05-18</a:t>
+              <a:t>2018-02-28</a:t>
             </a:fld>
             <a:endParaRPr lang="ko-KR" altLang="en-US"/>
           </a:p>
@@ -2116,7 +2116,7 @@
           <a:p>
             <a:fld id="{48AB2AB0-9ACF-4A1A-A644-0D2708439C73}" type="datetimeFigureOut">
               <a:rPr lang="ko-KR" altLang="en-US" smtClean="0"/>
-              <a:t>2017-05-18</a:t>
+              <a:t>2018-02-28</a:t>
             </a:fld>
             <a:endParaRPr lang="ko-KR" altLang="en-US"/>
           </a:p>
@@ -2369,7 +2369,7 @@
           <a:p>
             <a:fld id="{48AB2AB0-9ACF-4A1A-A644-0D2708439C73}" type="datetimeFigureOut">
               <a:rPr lang="ko-KR" altLang="en-US" smtClean="0"/>
-              <a:t>2017-05-18</a:t>
+              <a:t>2018-02-28</a:t>
             </a:fld>
             <a:endParaRPr lang="ko-KR" altLang="en-US"/>
           </a:p>
@@ -2582,7 +2582,7 @@
           <a:p>
             <a:fld id="{48AB2AB0-9ACF-4A1A-A644-0D2708439C73}" type="datetimeFigureOut">
               <a:rPr lang="ko-KR" altLang="en-US" smtClean="0"/>
-              <a:t>2017-05-18</a:t>
+              <a:t>2018-02-28</a:t>
             </a:fld>
             <a:endParaRPr lang="ko-KR" altLang="en-US"/>
           </a:p>
@@ -3522,153 +3522,231 @@
           <a:lstStyle/>
           <a:p>
             <a:r>
-              <a:rPr lang="en-US" altLang="ko-KR" dirty="0" err="1" smtClean="0"/>
+              <a:rPr lang="en-US" altLang="ko-KR" spc="-150" dirty="0" err="1" smtClean="0">
+                <a:latin typeface="Consolas" panose="020B0609020204030204" pitchFamily="49" charset="0"/>
+              </a:rPr>
               <a:t>def</a:t>
             </a:r>
             <a:r>
-              <a:rPr lang="en-US" altLang="ko-KR" dirty="0" smtClean="0"/>
+              <a:rPr lang="en-US" altLang="ko-KR" spc="-150" dirty="0" smtClean="0">
+                <a:latin typeface="Consolas" panose="020B0609020204030204" pitchFamily="49" charset="0"/>
+              </a:rPr>
               <a:t> </a:t>
             </a:r>
             <a:r>
-              <a:rPr lang="en-US" altLang="ko-KR" dirty="0"/>
+              <a:rPr lang="en-US" altLang="ko-KR" spc="-150" dirty="0">
+                <a:latin typeface="Consolas" panose="020B0609020204030204" pitchFamily="49" charset="0"/>
+              </a:rPr>
               <a:t>correlation(x, y):</a:t>
             </a:r>
-            <a:r>
-              <a:rPr lang="en-US" altLang="ko-KR"/>
+            <a:br>
+              <a:rPr lang="en-US" altLang="ko-KR" spc="-150" dirty="0">
+                <a:latin typeface="Consolas" panose="020B0609020204030204" pitchFamily="49" charset="0"/>
+              </a:rPr>
+            </a:br>
+            <a:r>
+              <a:rPr lang="en-US" altLang="ko-KR" spc="-150" dirty="0" smtClean="0">
+                <a:latin typeface="Consolas" panose="020B0609020204030204" pitchFamily="49" charset="0"/>
+              </a:rPr>
+              <a:t>    </a:t>
+            </a:r>
+            <a:r>
+              <a:rPr lang="en-US" altLang="ko-KR" spc="-150" dirty="0" err="1" smtClean="0">
+                <a:latin typeface="Consolas" panose="020B0609020204030204" pitchFamily="49" charset="0"/>
+              </a:rPr>
+              <a:t>stdev_x</a:t>
+            </a:r>
+            <a:r>
+              <a:rPr lang="en-US" altLang="ko-KR" spc="-150" dirty="0" smtClean="0">
+                <a:latin typeface="Consolas" panose="020B0609020204030204" pitchFamily="49" charset="0"/>
+              </a:rPr>
+              <a:t> </a:t>
+            </a:r>
+            <a:r>
+              <a:rPr lang="en-US" altLang="ko-KR" spc="-150" dirty="0">
+                <a:latin typeface="Consolas" panose="020B0609020204030204" pitchFamily="49" charset="0"/>
+              </a:rPr>
+              <a:t>= </a:t>
+            </a:r>
+            <a:r>
+              <a:rPr lang="en-US" altLang="ko-KR" spc="-150" dirty="0" err="1">
+                <a:latin typeface="Consolas" panose="020B0609020204030204" pitchFamily="49" charset="0"/>
+              </a:rPr>
+              <a:t>standard_deviation</a:t>
+            </a:r>
+            <a:r>
+              <a:rPr lang="en-US" altLang="ko-KR" spc="-150" dirty="0">
+                <a:latin typeface="Consolas" panose="020B0609020204030204" pitchFamily="49" charset="0"/>
+              </a:rPr>
+              <a:t>(x)</a:t>
+            </a:r>
+            <a:br>
+              <a:rPr lang="en-US" altLang="ko-KR" spc="-150" dirty="0">
+                <a:latin typeface="Consolas" panose="020B0609020204030204" pitchFamily="49" charset="0"/>
+              </a:rPr>
+            </a:br>
+            <a:r>
+              <a:rPr lang="en-US" altLang="ko-KR" spc="-150" dirty="0">
+                <a:latin typeface="Consolas" panose="020B0609020204030204" pitchFamily="49" charset="0"/>
+              </a:rPr>
+              <a:t>    </a:t>
+            </a:r>
+            <a:r>
+              <a:rPr lang="en-US" altLang="ko-KR" spc="-150" dirty="0" err="1">
+                <a:latin typeface="Consolas" panose="020B0609020204030204" pitchFamily="49" charset="0"/>
+              </a:rPr>
+              <a:t>stdev_y</a:t>
+            </a:r>
+            <a:r>
+              <a:rPr lang="en-US" altLang="ko-KR" spc="-150" dirty="0">
+                <a:latin typeface="Consolas" panose="020B0609020204030204" pitchFamily="49" charset="0"/>
+              </a:rPr>
+              <a:t> = </a:t>
+            </a:r>
+            <a:r>
+              <a:rPr lang="en-US" altLang="ko-KR" spc="-150" dirty="0" err="1">
+                <a:latin typeface="Consolas" panose="020B0609020204030204" pitchFamily="49" charset="0"/>
+              </a:rPr>
+              <a:t>standard_deviation</a:t>
+            </a:r>
+            <a:r>
+              <a:rPr lang="en-US" altLang="ko-KR" spc="-150" dirty="0">
+                <a:latin typeface="Consolas" panose="020B0609020204030204" pitchFamily="49" charset="0"/>
+              </a:rPr>
+              <a:t>(y)</a:t>
+            </a:r>
+            <a:br>
+              <a:rPr lang="en-US" altLang="ko-KR" spc="-150" dirty="0">
+                <a:latin typeface="Consolas" panose="020B0609020204030204" pitchFamily="49" charset="0"/>
+              </a:rPr>
+            </a:br>
+            <a:r>
+              <a:rPr lang="en-US" altLang="ko-KR" spc="-150" dirty="0">
+                <a:latin typeface="Consolas" panose="020B0609020204030204" pitchFamily="49" charset="0"/>
+              </a:rPr>
+              <a:t>    if </a:t>
+            </a:r>
+            <a:r>
+              <a:rPr lang="en-US" altLang="ko-KR" spc="-150" dirty="0" err="1">
+                <a:latin typeface="Consolas" panose="020B0609020204030204" pitchFamily="49" charset="0"/>
+              </a:rPr>
+              <a:t>stdev_x</a:t>
+            </a:r>
+            <a:r>
+              <a:rPr lang="en-US" altLang="ko-KR" spc="-150" dirty="0">
+                <a:latin typeface="Consolas" panose="020B0609020204030204" pitchFamily="49" charset="0"/>
+              </a:rPr>
+              <a:t> &gt; 0 and </a:t>
+            </a:r>
+            <a:r>
+              <a:rPr lang="en-US" altLang="ko-KR" spc="-150" dirty="0" err="1">
+                <a:latin typeface="Consolas" panose="020B0609020204030204" pitchFamily="49" charset="0"/>
+              </a:rPr>
+              <a:t>stdev_y</a:t>
+            </a:r>
+            <a:r>
+              <a:rPr lang="en-US" altLang="ko-KR" spc="-150" dirty="0">
+                <a:latin typeface="Consolas" panose="020B0609020204030204" pitchFamily="49" charset="0"/>
+              </a:rPr>
+              <a:t> &gt; 0:</a:t>
+            </a:r>
+            <a:br>
+              <a:rPr lang="en-US" altLang="ko-KR" spc="-150" dirty="0">
+                <a:latin typeface="Consolas" panose="020B0609020204030204" pitchFamily="49" charset="0"/>
+              </a:rPr>
+            </a:br>
+            <a:r>
+              <a:rPr lang="en-US" altLang="ko-KR" spc="-150" dirty="0">
+                <a:latin typeface="Consolas" panose="020B0609020204030204" pitchFamily="49" charset="0"/>
+              </a:rPr>
+              <a:t>        return covariance(x, y) / </a:t>
+            </a:r>
+            <a:r>
+              <a:rPr lang="en-US" altLang="ko-KR" spc="-150" dirty="0" err="1">
+                <a:latin typeface="Consolas" panose="020B0609020204030204" pitchFamily="49" charset="0"/>
+              </a:rPr>
+              <a:t>stdev_x</a:t>
+            </a:r>
+            <a:r>
+              <a:rPr lang="en-US" altLang="ko-KR" spc="-150" dirty="0">
+                <a:latin typeface="Consolas" panose="020B0609020204030204" pitchFamily="49" charset="0"/>
+              </a:rPr>
+              <a:t> / </a:t>
+            </a:r>
+            <a:r>
+              <a:rPr lang="en-US" altLang="ko-KR" spc="-150" dirty="0" err="1">
+                <a:latin typeface="Consolas" panose="020B0609020204030204" pitchFamily="49" charset="0"/>
+              </a:rPr>
+              <a:t>stdev_y</a:t>
+            </a:r>
+            <a:r>
+              <a:rPr lang="en-US" altLang="ko-KR" spc="-150" dirty="0">
+                <a:latin typeface="Consolas" panose="020B0609020204030204" pitchFamily="49" charset="0"/>
+              </a:rPr>
               <a:t/>
             </a:r>
             <a:br>
-              <a:rPr lang="en-US" altLang="ko-KR"/>
+              <a:rPr lang="en-US" altLang="ko-KR" spc="-150" dirty="0">
+                <a:latin typeface="Consolas" panose="020B0609020204030204" pitchFamily="49" charset="0"/>
+              </a:rPr>
             </a:br>
             <a:r>
-              <a:rPr lang="en-US" altLang="ko-KR" smtClean="0"/>
-              <a:t>    stdev_x</a:t>
-            </a:r>
-            <a:r>
-              <a:rPr lang="en-US" altLang="ko-KR" dirty="0" smtClean="0"/>
-              <a:t> </a:t>
-            </a:r>
-            <a:r>
-              <a:rPr lang="en-US" altLang="ko-KR" dirty="0"/>
-              <a:t>= </a:t>
-            </a:r>
-            <a:r>
-              <a:rPr lang="en-US" altLang="ko-KR" dirty="0" err="1"/>
-              <a:t>standard_deviation</a:t>
-            </a:r>
-            <a:r>
-              <a:rPr lang="en-US" altLang="ko-KR" dirty="0"/>
-              <a:t>(x)</a:t>
+              <a:rPr lang="en-US" altLang="ko-KR" spc="-150" dirty="0">
+                <a:latin typeface="Consolas" panose="020B0609020204030204" pitchFamily="49" charset="0"/>
+              </a:rPr>
+              <a:t>    else:</a:t>
             </a:r>
             <a:br>
-              <a:rPr lang="en-US" altLang="ko-KR" dirty="0"/>
+              <a:rPr lang="en-US" altLang="ko-KR" spc="-150" dirty="0">
+                <a:latin typeface="Consolas" panose="020B0609020204030204" pitchFamily="49" charset="0"/>
+              </a:rPr>
             </a:br>
             <a:r>
-              <a:rPr lang="en-US" altLang="ko-KR" dirty="0"/>
-              <a:t>    </a:t>
-            </a:r>
-            <a:r>
-              <a:rPr lang="en-US" altLang="ko-KR" dirty="0" err="1"/>
-              <a:t>stdev_y</a:t>
-            </a:r>
-            <a:r>
-              <a:rPr lang="en-US" altLang="ko-KR" dirty="0"/>
-              <a:t> = </a:t>
-            </a:r>
-            <a:r>
-              <a:rPr lang="en-US" altLang="ko-KR" dirty="0" err="1"/>
-              <a:t>standard_deviation</a:t>
-            </a:r>
-            <a:r>
-              <a:rPr lang="en-US" altLang="ko-KR" dirty="0"/>
-              <a:t>(y)</a:t>
-            </a:r>
-            <a:br>
-              <a:rPr lang="en-US" altLang="ko-KR" dirty="0"/>
-            </a:br>
-            <a:r>
-              <a:rPr lang="en-US" altLang="ko-KR" dirty="0"/>
-              <a:t>    if </a:t>
-            </a:r>
-            <a:r>
-              <a:rPr lang="en-US" altLang="ko-KR" dirty="0" err="1"/>
-              <a:t>stdev_x</a:t>
-            </a:r>
-            <a:r>
-              <a:rPr lang="en-US" altLang="ko-KR" dirty="0"/>
-              <a:t> &gt; 0 and </a:t>
-            </a:r>
-            <a:r>
-              <a:rPr lang="en-US" altLang="ko-KR" dirty="0" err="1"/>
-              <a:t>stdev_y</a:t>
-            </a:r>
-            <a:r>
-              <a:rPr lang="en-US" altLang="ko-KR" dirty="0"/>
-              <a:t> &gt; 0:</a:t>
-            </a:r>
-            <a:br>
-              <a:rPr lang="en-US" altLang="ko-KR" dirty="0"/>
-            </a:br>
-            <a:r>
-              <a:rPr lang="en-US" altLang="ko-KR" dirty="0"/>
-              <a:t>        return covariance(x, y) / </a:t>
-            </a:r>
-            <a:r>
-              <a:rPr lang="en-US" altLang="ko-KR" dirty="0" err="1"/>
-              <a:t>stdev_x</a:t>
-            </a:r>
-            <a:r>
-              <a:rPr lang="en-US" altLang="ko-KR" dirty="0"/>
-              <a:t> / </a:t>
-            </a:r>
-            <a:r>
-              <a:rPr lang="en-US" altLang="ko-KR" dirty="0" err="1"/>
-              <a:t>stdev_y</a:t>
-            </a:r>
-            <a:r>
-              <a:rPr lang="en-US" altLang="ko-KR" dirty="0"/>
-              <a:t/>
-            </a:r>
-            <a:br>
-              <a:rPr lang="en-US" altLang="ko-KR" dirty="0"/>
-            </a:br>
-            <a:r>
-              <a:rPr lang="en-US" altLang="ko-KR" dirty="0"/>
-              <a:t>    else:</a:t>
-            </a:r>
-            <a:br>
-              <a:rPr lang="en-US" altLang="ko-KR" dirty="0"/>
-            </a:br>
-            <a:r>
-              <a:rPr lang="en-US" altLang="ko-KR" dirty="0"/>
+              <a:rPr lang="en-US" altLang="ko-KR" spc="-150" dirty="0">
+                <a:latin typeface="Consolas" panose="020B0609020204030204" pitchFamily="49" charset="0"/>
+              </a:rPr>
               <a:t>        return 0      # if no variation, correlation is zero</a:t>
             </a:r>
           </a:p>
           <a:p>
-            <a:endParaRPr lang="en-US" altLang="ko-KR" dirty="0" smtClean="0"/>
-          </a:p>
-          <a:p>
-            <a:r>
-              <a:rPr lang="en-US" altLang="ko-KR" dirty="0" smtClean="0"/>
+            <a:endParaRPr lang="en-US" altLang="ko-KR" spc="-150" dirty="0" smtClean="0">
+              <a:latin typeface="Consolas" panose="020B0609020204030204" pitchFamily="49" charset="0"/>
+            </a:endParaRPr>
+          </a:p>
+          <a:p>
+            <a:r>
+              <a:rPr lang="en-US" altLang="ko-KR" spc="-150" dirty="0" smtClean="0">
+                <a:latin typeface="Consolas" panose="020B0609020204030204" pitchFamily="49" charset="0"/>
+              </a:rPr>
               <a:t>correlation(</a:t>
             </a:r>
             <a:r>
-              <a:rPr lang="en-US" altLang="ko-KR" dirty="0" err="1" smtClean="0"/>
+              <a:rPr lang="en-US" altLang="ko-KR" spc="-150" dirty="0" err="1" smtClean="0">
+                <a:latin typeface="Consolas" panose="020B0609020204030204" pitchFamily="49" charset="0"/>
+              </a:rPr>
               <a:t>num_friends</a:t>
             </a:r>
             <a:r>
-              <a:rPr lang="en-US" altLang="ko-KR" dirty="0" smtClean="0"/>
+              <a:rPr lang="en-US" altLang="ko-KR" spc="-150" dirty="0" smtClean="0">
+                <a:latin typeface="Consolas" panose="020B0609020204030204" pitchFamily="49" charset="0"/>
+              </a:rPr>
               <a:t>, </a:t>
             </a:r>
             <a:r>
-              <a:rPr lang="en-US" altLang="ko-KR" dirty="0" err="1" smtClean="0"/>
+              <a:rPr lang="en-US" altLang="ko-KR" spc="-150" dirty="0" err="1" smtClean="0">
+                <a:latin typeface="Consolas" panose="020B0609020204030204" pitchFamily="49" charset="0"/>
+              </a:rPr>
               <a:t>daily_minutes</a:t>
             </a:r>
             <a:r>
-              <a:rPr lang="en-US" altLang="ko-KR" dirty="0" smtClean="0"/>
+              <a:rPr lang="en-US" altLang="ko-KR" spc="-150" dirty="0" smtClean="0">
+                <a:latin typeface="Consolas" panose="020B0609020204030204" pitchFamily="49" charset="0"/>
+              </a:rPr>
               <a:t>)  # 0.25</a:t>
             </a:r>
-            <a:endParaRPr lang="ko-KR" altLang="en-US" dirty="0"/>
+            <a:endParaRPr lang="ko-KR" altLang="en-US" spc="-150" dirty="0">
+              <a:latin typeface="Consolas" panose="020B0609020204030204" pitchFamily="49" charset="0"/>
+            </a:endParaRPr>
           </a:p>
         </p:txBody>
       </p:sp>
@@ -3745,49 +3823,73 @@
           <a:lstStyle/>
           <a:p>
             <a:r>
-              <a:rPr lang="en-US" altLang="ko-KR" dirty="0" smtClean="0"/>
+              <a:rPr lang="en-US" altLang="ko-KR" spc="-150" dirty="0" smtClean="0">
+                <a:latin typeface="Consolas" panose="020B0609020204030204" pitchFamily="49" charset="0"/>
+              </a:rPr>
               <a:t>import </a:t>
             </a:r>
             <a:r>
-              <a:rPr lang="en-US" altLang="ko-KR" dirty="0" err="1" smtClean="0"/>
+              <a:rPr lang="en-US" altLang="ko-KR" spc="-150" dirty="0" err="1" smtClean="0">
+                <a:latin typeface="Consolas" panose="020B0609020204030204" pitchFamily="49" charset="0"/>
+              </a:rPr>
               <a:t>matplotlib.pyplot</a:t>
             </a:r>
             <a:r>
-              <a:rPr lang="en-US" altLang="ko-KR" dirty="0" smtClean="0"/>
+              <a:rPr lang="en-US" altLang="ko-KR" spc="-150" dirty="0" smtClean="0">
+                <a:latin typeface="Consolas" panose="020B0609020204030204" pitchFamily="49" charset="0"/>
+              </a:rPr>
               <a:t> as </a:t>
             </a:r>
             <a:r>
-              <a:rPr lang="en-US" altLang="ko-KR" dirty="0" err="1" smtClean="0"/>
+              <a:rPr lang="en-US" altLang="ko-KR" spc="-150" dirty="0" err="1" smtClean="0">
+                <a:latin typeface="Consolas" panose="020B0609020204030204" pitchFamily="49" charset="0"/>
+              </a:rPr>
               <a:t>plt</a:t>
             </a:r>
-            <a:endParaRPr lang="en-US" altLang="ko-KR" dirty="0" smtClean="0"/>
-          </a:p>
-          <a:p>
-            <a:r>
-              <a:rPr lang="en-US" altLang="ko-KR" dirty="0" err="1" smtClean="0"/>
+            <a:endParaRPr lang="en-US" altLang="ko-KR" spc="-150" dirty="0" smtClean="0">
+              <a:latin typeface="Consolas" panose="020B0609020204030204" pitchFamily="49" charset="0"/>
+            </a:endParaRPr>
+          </a:p>
+          <a:p>
+            <a:r>
+              <a:rPr lang="en-US" altLang="ko-KR" spc="-150" dirty="0" err="1" smtClean="0">
+                <a:latin typeface="Consolas" panose="020B0609020204030204" pitchFamily="49" charset="0"/>
+              </a:rPr>
               <a:t>plt.scatter</a:t>
             </a:r>
             <a:r>
-              <a:rPr lang="en-US" altLang="ko-KR" dirty="0" smtClean="0"/>
+              <a:rPr lang="en-US" altLang="ko-KR" spc="-150" dirty="0" smtClean="0">
+                <a:latin typeface="Consolas" panose="020B0609020204030204" pitchFamily="49" charset="0"/>
+              </a:rPr>
               <a:t>(</a:t>
             </a:r>
             <a:r>
-              <a:rPr lang="en-US" altLang="ko-KR" dirty="0" err="1" smtClean="0"/>
+              <a:rPr lang="en-US" altLang="ko-KR" spc="-150" dirty="0" err="1" smtClean="0">
+                <a:latin typeface="Consolas" panose="020B0609020204030204" pitchFamily="49" charset="0"/>
+              </a:rPr>
               <a:t>num_friends</a:t>
             </a:r>
             <a:r>
-              <a:rPr lang="en-US" altLang="ko-KR" dirty="0" smtClean="0"/>
+              <a:rPr lang="en-US" altLang="ko-KR" spc="-150" dirty="0" smtClean="0">
+                <a:latin typeface="Consolas" panose="020B0609020204030204" pitchFamily="49" charset="0"/>
+              </a:rPr>
               <a:t>, </a:t>
             </a:r>
             <a:r>
-              <a:rPr lang="en-US" altLang="ko-KR" dirty="0" err="1" smtClean="0"/>
+              <a:rPr lang="en-US" altLang="ko-KR" spc="-150" dirty="0" err="1" smtClean="0">
+                <a:latin typeface="Consolas" panose="020B0609020204030204" pitchFamily="49" charset="0"/>
+              </a:rPr>
               <a:t>daily_minutes</a:t>
             </a:r>
             <a:r>
-              <a:rPr lang="en-US" altLang="ko-KR" dirty="0" smtClean="0"/>
+              <a:rPr lang="en-US" altLang="ko-KR" spc="-150" dirty="0" smtClean="0">
+                <a:latin typeface="Consolas" panose="020B0609020204030204" pitchFamily="49" charset="0"/>
+              </a:rPr>
               <a:t>)</a:t>
             </a:r>
-            <a:endParaRPr lang="ko-KR" altLang="en-US" dirty="0"/>
+            <a:endParaRPr lang="ko-KR" altLang="en-US" spc="-150" dirty="0">
+              <a:latin typeface="Consolas" panose="020B0609020204030204" pitchFamily="49" charset="0"/>
+            </a:endParaRPr>
           </a:p>
         </p:txBody>
       </p:sp>
@@ -3919,7 +4021,9 @@
         </p:nvSpPr>
         <p:spPr/>
         <p:txBody>
-          <a:bodyPr/>
+          <a:bodyPr>
+            <a:normAutofit/>
+          </a:bodyPr>
           <a:lstStyle/>
           <a:p>
             <a:r>
@@ -3976,139 +4080,221 @@
           </a:p>
           <a:p>
             <a:r>
-              <a:rPr lang="en-US" altLang="ko-KR" dirty="0" smtClean="0"/>
+              <a:rPr lang="en-US" altLang="ko-KR" spc="-150" dirty="0" smtClean="0">
+                <a:latin typeface="Consolas" panose="020B0609020204030204" pitchFamily="49" charset="0"/>
+              </a:rPr>
               <a:t>outlier = </a:t>
             </a:r>
             <a:r>
-              <a:rPr lang="en-US" altLang="ko-KR" dirty="0" err="1" smtClean="0"/>
+              <a:rPr lang="en-US" altLang="ko-KR" spc="-150" dirty="0" err="1" smtClean="0">
+                <a:latin typeface="Consolas" panose="020B0609020204030204" pitchFamily="49" charset="0"/>
+              </a:rPr>
               <a:t>num_friends.index</a:t>
             </a:r>
             <a:r>
-              <a:rPr lang="en-US" altLang="ko-KR" dirty="0" smtClean="0"/>
+              <a:rPr lang="en-US" altLang="ko-KR" spc="-150" dirty="0" smtClean="0">
+                <a:latin typeface="Consolas" panose="020B0609020204030204" pitchFamily="49" charset="0"/>
+              </a:rPr>
               <a:t>(100)</a:t>
             </a:r>
             <a:br>
-              <a:rPr lang="en-US" altLang="ko-KR" dirty="0" smtClean="0"/>
+              <a:rPr lang="en-US" altLang="ko-KR" spc="-150" dirty="0" smtClean="0">
+                <a:latin typeface="Consolas" panose="020B0609020204030204" pitchFamily="49" charset="0"/>
+              </a:rPr>
             </a:br>
             <a:r>
-              <a:rPr lang="en-US" altLang="ko-KR" dirty="0" err="1" smtClean="0"/>
+              <a:rPr lang="en-US" altLang="ko-KR" spc="-150" dirty="0" err="1" smtClean="0">
+                <a:latin typeface="Consolas" panose="020B0609020204030204" pitchFamily="49" charset="0"/>
+              </a:rPr>
               <a:t>num_friends_good</a:t>
             </a:r>
             <a:r>
-              <a:rPr lang="en-US" altLang="ko-KR" dirty="0" smtClean="0"/>
+              <a:rPr lang="en-US" altLang="ko-KR" spc="-150" dirty="0" smtClean="0">
+                <a:latin typeface="Consolas" panose="020B0609020204030204" pitchFamily="49" charset="0"/>
+              </a:rPr>
               <a:t> = [x for </a:t>
             </a:r>
             <a:r>
-              <a:rPr lang="en-US" altLang="ko-KR" dirty="0" err="1" smtClean="0"/>
+              <a:rPr lang="en-US" altLang="ko-KR" spc="-150" dirty="0" err="1" smtClean="0">
+                <a:latin typeface="Consolas" panose="020B0609020204030204" pitchFamily="49" charset="0"/>
+              </a:rPr>
               <a:t>i</a:t>
             </a:r>
             <a:r>
-              <a:rPr lang="en-US" altLang="ko-KR" dirty="0" smtClean="0"/>
+              <a:rPr lang="en-US" altLang="ko-KR" spc="-150" dirty="0" smtClean="0">
+                <a:latin typeface="Consolas" panose="020B0609020204030204" pitchFamily="49" charset="0"/>
+              </a:rPr>
               <a:t>, x in enumerate(</a:t>
             </a:r>
             <a:r>
-              <a:rPr lang="en-US" altLang="ko-KR" dirty="0" err="1" smtClean="0"/>
+              <a:rPr lang="en-US" altLang="ko-KR" spc="-150" dirty="0" err="1" smtClean="0">
+                <a:latin typeface="Consolas" panose="020B0609020204030204" pitchFamily="49" charset="0"/>
+              </a:rPr>
               <a:t>num_friends</a:t>
             </a:r>
             <a:r>
-              <a:rPr lang="en-US" altLang="ko-KR" dirty="0" smtClean="0"/>
+              <a:rPr lang="en-US" altLang="ko-KR" spc="-150" dirty="0" smtClean="0">
+                <a:latin typeface="Consolas" panose="020B0609020204030204" pitchFamily="49" charset="0"/>
+              </a:rPr>
               <a:t>)</a:t>
             </a:r>
             <a:br>
-              <a:rPr lang="en-US" altLang="ko-KR" dirty="0" smtClean="0"/>
+              <a:rPr lang="en-US" altLang="ko-KR" spc="-150" dirty="0" smtClean="0">
+                <a:latin typeface="Consolas" panose="020B0609020204030204" pitchFamily="49" charset="0"/>
+              </a:rPr>
             </a:br>
             <a:r>
-              <a:rPr lang="en-US" altLang="ko-KR" dirty="0" smtClean="0"/>
+              <a:rPr lang="en-US" altLang="ko-KR" spc="-150" dirty="0" smtClean="0">
+                <a:latin typeface="Consolas" panose="020B0609020204030204" pitchFamily="49" charset="0"/>
+              </a:rPr>
               <a:t>					if </a:t>
             </a:r>
             <a:r>
-              <a:rPr lang="en-US" altLang="ko-KR" dirty="0" err="1" smtClean="0"/>
+              <a:rPr lang="en-US" altLang="ko-KR" spc="-150" dirty="0" err="1" smtClean="0">
+                <a:latin typeface="Consolas" panose="020B0609020204030204" pitchFamily="49" charset="0"/>
+              </a:rPr>
               <a:t>i</a:t>
             </a:r>
             <a:r>
-              <a:rPr lang="en-US" altLang="ko-KR" dirty="0" smtClean="0"/>
+              <a:rPr lang="en-US" altLang="ko-KR" spc="-150" dirty="0" smtClean="0">
+                <a:latin typeface="Consolas" panose="020B0609020204030204" pitchFamily="49" charset="0"/>
+              </a:rPr>
               <a:t> != outlier]</a:t>
             </a:r>
             <a:br>
-              <a:rPr lang="en-US" altLang="ko-KR" dirty="0" smtClean="0"/>
+              <a:rPr lang="en-US" altLang="ko-KR" spc="-150" dirty="0" smtClean="0">
+                <a:latin typeface="Consolas" panose="020B0609020204030204" pitchFamily="49" charset="0"/>
+              </a:rPr>
             </a:br>
             <a:r>
-              <a:rPr lang="en-US" altLang="ko-KR" dirty="0" err="1" smtClean="0"/>
+              <a:rPr lang="en-US" altLang="ko-KR" spc="-150" dirty="0" err="1" smtClean="0">
+                <a:latin typeface="Consolas" panose="020B0609020204030204" pitchFamily="49" charset="0"/>
+              </a:rPr>
               <a:t>daily_minutes_good</a:t>
             </a:r>
             <a:r>
-              <a:rPr lang="en-US" altLang="ko-KR" dirty="0" smtClean="0"/>
+              <a:rPr lang="en-US" altLang="ko-KR" spc="-150" dirty="0" smtClean="0">
+                <a:latin typeface="Consolas" panose="020B0609020204030204" pitchFamily="49" charset="0"/>
+              </a:rPr>
               <a:t> = </a:t>
             </a:r>
             <a:r>
-              <a:rPr lang="en-US" altLang="ko-KR" dirty="0"/>
+              <a:rPr lang="en-US" altLang="ko-KR" spc="-150" dirty="0">
+                <a:latin typeface="Consolas" panose="020B0609020204030204" pitchFamily="49" charset="0"/>
+              </a:rPr>
               <a:t>[x for </a:t>
             </a:r>
             <a:r>
-              <a:rPr lang="en-US" altLang="ko-KR" dirty="0" err="1"/>
+              <a:rPr lang="en-US" altLang="ko-KR" spc="-150" dirty="0" err="1">
+                <a:latin typeface="Consolas" panose="020B0609020204030204" pitchFamily="49" charset="0"/>
+              </a:rPr>
               <a:t>i</a:t>
             </a:r>
             <a:r>
-              <a:rPr lang="en-US" altLang="ko-KR" dirty="0"/>
+              <a:rPr lang="en-US" altLang="ko-KR" spc="-150" dirty="0">
+                <a:latin typeface="Consolas" panose="020B0609020204030204" pitchFamily="49" charset="0"/>
+              </a:rPr>
               <a:t>, x in </a:t>
             </a:r>
             <a:r>
-              <a:rPr lang="en-US" altLang="ko-KR" dirty="0" smtClean="0"/>
+              <a:rPr lang="en-US" altLang="ko-KR" spc="-150" dirty="0" smtClean="0">
+                <a:latin typeface="Consolas" panose="020B0609020204030204" pitchFamily="49" charset="0"/>
+              </a:rPr>
               <a:t>enumerate(</a:t>
             </a:r>
             <a:r>
-              <a:rPr lang="en-US" altLang="ko-KR" dirty="0" err="1" smtClean="0"/>
+              <a:rPr lang="en-US" altLang="ko-KR" spc="-150" dirty="0" err="1" smtClean="0">
+                <a:latin typeface="Consolas" panose="020B0609020204030204" pitchFamily="49" charset="0"/>
+              </a:rPr>
               <a:t>daily_minutes</a:t>
             </a:r>
             <a:r>
-              <a:rPr lang="en-US" altLang="ko-KR" dirty="0" smtClean="0"/>
+              <a:rPr lang="en-US" altLang="ko-KR" spc="-150" dirty="0" smtClean="0">
+                <a:latin typeface="Consolas" panose="020B0609020204030204" pitchFamily="49" charset="0"/>
+              </a:rPr>
               <a:t>)</a:t>
             </a:r>
             <a:r>
-              <a:rPr lang="en-US" altLang="ko-KR" dirty="0"/>
+              <a:rPr lang="en-US" altLang="ko-KR" spc="-150" dirty="0">
+                <a:latin typeface="Consolas" panose="020B0609020204030204" pitchFamily="49" charset="0"/>
+              </a:rPr>
               <a:t/>
             </a:r>
             <a:br>
-              <a:rPr lang="en-US" altLang="ko-KR" dirty="0"/>
+              <a:rPr lang="en-US" altLang="ko-KR" spc="-150" dirty="0">
+                <a:latin typeface="Consolas" panose="020B0609020204030204" pitchFamily="49" charset="0"/>
+              </a:rPr>
             </a:br>
             <a:r>
-              <a:rPr lang="en-US" altLang="ko-KR" dirty="0"/>
+              <a:rPr lang="en-US" altLang="ko-KR" spc="-150" dirty="0">
+                <a:latin typeface="Consolas" panose="020B0609020204030204" pitchFamily="49" charset="0"/>
+              </a:rPr>
               <a:t>					if </a:t>
             </a:r>
             <a:r>
-              <a:rPr lang="en-US" altLang="ko-KR" dirty="0" err="1"/>
+              <a:rPr lang="en-US" altLang="ko-KR" spc="-150" dirty="0" err="1">
+                <a:latin typeface="Consolas" panose="020B0609020204030204" pitchFamily="49" charset="0"/>
+              </a:rPr>
               <a:t>i</a:t>
             </a:r>
             <a:r>
-              <a:rPr lang="en-US" altLang="ko-KR" dirty="0"/>
+              <a:rPr lang="en-US" altLang="ko-KR" spc="-150" dirty="0">
+                <a:latin typeface="Consolas" panose="020B0609020204030204" pitchFamily="49" charset="0"/>
+              </a:rPr>
               <a:t> != outlier</a:t>
             </a:r>
             <a:r>
-              <a:rPr lang="en-US" altLang="ko-KR" dirty="0" smtClean="0"/>
+              <a:rPr lang="en-US" altLang="ko-KR" spc="-150" dirty="0" smtClean="0">
+                <a:latin typeface="Consolas" panose="020B0609020204030204" pitchFamily="49" charset="0"/>
+              </a:rPr>
               <a:t>]</a:t>
             </a:r>
             <a:br>
-              <a:rPr lang="en-US" altLang="ko-KR" dirty="0" smtClean="0"/>
+              <a:rPr lang="en-US" altLang="ko-KR" spc="-150" dirty="0" smtClean="0">
+                <a:latin typeface="Consolas" panose="020B0609020204030204" pitchFamily="49" charset="0"/>
+              </a:rPr>
             </a:br>
             <a:r>
-              <a:rPr lang="en-US" altLang="ko-KR" dirty="0" smtClean="0"/>
+              <a:rPr lang="en-US" altLang="ko-KR" spc="-150" dirty="0" smtClean="0">
+                <a:latin typeface="Consolas" panose="020B0609020204030204" pitchFamily="49" charset="0"/>
+              </a:rPr>
               <a:t>correlation(</a:t>
             </a:r>
             <a:r>
-              <a:rPr lang="en-US" altLang="ko-KR" dirty="0" err="1" smtClean="0"/>
+              <a:rPr lang="en-US" altLang="ko-KR" spc="-150" dirty="0" err="1" smtClean="0">
+                <a:latin typeface="Consolas" panose="020B0609020204030204" pitchFamily="49" charset="0"/>
+              </a:rPr>
               <a:t>num_friends_good</a:t>
             </a:r>
             <a:r>
-              <a:rPr lang="en-US" altLang="ko-KR" dirty="0" smtClean="0"/>
+              <a:rPr lang="en-US" altLang="ko-KR" spc="-150" dirty="0" smtClean="0">
+                <a:latin typeface="Consolas" panose="020B0609020204030204" pitchFamily="49" charset="0"/>
+              </a:rPr>
               <a:t>, </a:t>
             </a:r>
             <a:r>
-              <a:rPr lang="en-US" altLang="ko-KR" dirty="0" err="1" smtClean="0"/>
+              <a:rPr lang="en-US" altLang="ko-KR" spc="-150" dirty="0" err="1" smtClean="0">
+                <a:latin typeface="Consolas" panose="020B0609020204030204" pitchFamily="49" charset="0"/>
+              </a:rPr>
               <a:t>daily_minutes_good</a:t>
             </a:r>
             <a:r>
-              <a:rPr lang="en-US" altLang="ko-KR" dirty="0" smtClean="0"/>
-              <a:t>)   # 0.57</a:t>
+              <a:rPr lang="en-US" altLang="ko-KR" spc="-150" smtClean="0">
+                <a:latin typeface="Consolas" panose="020B0609020204030204" pitchFamily="49" charset="0"/>
+              </a:rPr>
+              <a:t>) </a:t>
+            </a:r>
+            <a:r>
+              <a:rPr lang="en-US" altLang="ko-KR" spc="-150" smtClean="0">
+                <a:latin typeface="Consolas" panose="020B0609020204030204" pitchFamily="49" charset="0"/>
+              </a:rPr>
+              <a:t># </a:t>
+            </a:r>
+            <a:r>
+              <a:rPr lang="en-US" altLang="ko-KR" spc="-150" dirty="0" smtClean="0">
+                <a:latin typeface="Consolas" panose="020B0609020204030204" pitchFamily="49" charset="0"/>
+              </a:rPr>
+              <a:t>0.57</a:t>
             </a:r>
             <a:r>
               <a:rPr lang="en-US" altLang="ko-KR" dirty="0"/>
@@ -4223,61 +4409,103 @@
           </a:p>
           <a:p>
             <a:r>
-              <a:rPr lang="en-US" altLang="ko-KR" dirty="0" smtClean="0"/>
+              <a:rPr lang="en-US" altLang="ko-KR" spc="-150" dirty="0" smtClean="0">
+                <a:latin typeface="Consolas" panose="020B0609020204030204" pitchFamily="49" charset="0"/>
+              </a:rPr>
               <a:t>import </a:t>
             </a:r>
             <a:r>
-              <a:rPr lang="en-US" altLang="ko-KR" dirty="0" err="1" smtClean="0"/>
+              <a:rPr lang="en-US" altLang="ko-KR" spc="-150" dirty="0" err="1" smtClean="0">
+                <a:latin typeface="Consolas" panose="020B0609020204030204" pitchFamily="49" charset="0"/>
+              </a:rPr>
               <a:t>numpy</a:t>
             </a:r>
             <a:r>
-              <a:rPr lang="en-US" altLang="ko-KR" dirty="0" smtClean="0"/>
+              <a:rPr lang="en-US" altLang="ko-KR" spc="-150" dirty="0" smtClean="0">
+                <a:latin typeface="Consolas" panose="020B0609020204030204" pitchFamily="49" charset="0"/>
+              </a:rPr>
               <a:t> as np</a:t>
             </a:r>
             <a:br>
-              <a:rPr lang="en-US" altLang="ko-KR" dirty="0" smtClean="0"/>
+              <a:rPr lang="en-US" altLang="ko-KR" spc="-150" dirty="0" smtClean="0">
+                <a:latin typeface="Consolas" panose="020B0609020204030204" pitchFamily="49" charset="0"/>
+              </a:rPr>
             </a:br>
             <a:r>
-              <a:rPr lang="en-US" altLang="ko-KR" dirty="0" smtClean="0"/>
+              <a:rPr lang="en-US" altLang="ko-KR" spc="-150" dirty="0" smtClean="0">
+                <a:latin typeface="Consolas" panose="020B0609020204030204" pitchFamily="49" charset="0"/>
+              </a:rPr>
               <a:t>x = </a:t>
             </a:r>
             <a:r>
-              <a:rPr lang="en-US" altLang="ko-KR" dirty="0" err="1" smtClean="0"/>
+              <a:rPr lang="en-US" altLang="ko-KR" spc="-150" dirty="0" err="1" smtClean="0">
+                <a:latin typeface="Consolas" panose="020B0609020204030204" pitchFamily="49" charset="0"/>
+              </a:rPr>
               <a:t>np.arange</a:t>
             </a:r>
             <a:r>
-              <a:rPr lang="en-US" altLang="ko-KR" dirty="0" smtClean="0"/>
+              <a:rPr lang="en-US" altLang="ko-KR" spc="-150" dirty="0" smtClean="0">
+                <a:latin typeface="Consolas" panose="020B0609020204030204" pitchFamily="49" charset="0"/>
+              </a:rPr>
               <a:t>(10)</a:t>
             </a:r>
             <a:br>
-              <a:rPr lang="en-US" altLang="ko-KR" dirty="0" smtClean="0"/>
+              <a:rPr lang="en-US" altLang="ko-KR" spc="-150" dirty="0" smtClean="0">
+                <a:latin typeface="Consolas" panose="020B0609020204030204" pitchFamily="49" charset="0"/>
+              </a:rPr>
             </a:br>
             <a:r>
-              <a:rPr lang="en-US" altLang="ko-KR" dirty="0" smtClean="0"/>
-              <a:t>print </a:t>
-            </a:r>
-            <a:r>
-              <a:rPr lang="en-US" altLang="ko-KR" dirty="0" err="1" smtClean="0"/>
+              <a:rPr lang="en-US" altLang="ko-KR" spc="-150" dirty="0" smtClean="0">
+                <a:latin typeface="Consolas" panose="020B0609020204030204" pitchFamily="49" charset="0"/>
+              </a:rPr>
+              <a:t>print(</a:t>
+            </a:r>
+            <a:r>
+              <a:rPr lang="en-US" altLang="ko-KR" spc="-150" dirty="0" err="1" smtClean="0">
+                <a:latin typeface="Consolas" panose="020B0609020204030204" pitchFamily="49" charset="0"/>
+              </a:rPr>
               <a:t>x.mean</a:t>
             </a:r>
             <a:r>
-              <a:rPr lang="en-US" altLang="ko-KR" dirty="0" smtClean="0"/>
-              <a:t>()                 #4.5</a:t>
+              <a:rPr lang="en-US" altLang="ko-KR" spc="-150" dirty="0" smtClean="0">
+                <a:latin typeface="Consolas" panose="020B0609020204030204" pitchFamily="49" charset="0"/>
+              </a:rPr>
+              <a:t>())                 </a:t>
+            </a:r>
+            <a:r>
+              <a:rPr lang="en-US" altLang="ko-KR" spc="-150" dirty="0" smtClean="0">
+                <a:latin typeface="Consolas" panose="020B0609020204030204" pitchFamily="49" charset="0"/>
+              </a:rPr>
+              <a:t>#4.5</a:t>
             </a:r>
             <a:br>
-              <a:rPr lang="en-US" altLang="ko-KR" dirty="0" smtClean="0"/>
+              <a:rPr lang="en-US" altLang="ko-KR" spc="-150" dirty="0" smtClean="0">
+                <a:latin typeface="Consolas" panose="020B0609020204030204" pitchFamily="49" charset="0"/>
+              </a:rPr>
             </a:br>
             <a:r>
-              <a:rPr lang="en-US" altLang="ko-KR" dirty="0" smtClean="0"/>
-              <a:t>print </a:t>
-            </a:r>
-            <a:r>
-              <a:rPr lang="en-US" altLang="ko-KR" dirty="0" err="1" smtClean="0"/>
+              <a:rPr lang="en-US" altLang="ko-KR" spc="-150" dirty="0" smtClean="0">
+                <a:latin typeface="Consolas" panose="020B0609020204030204" pitchFamily="49" charset="0"/>
+              </a:rPr>
+              <a:t>print(</a:t>
+            </a:r>
+            <a:r>
+              <a:rPr lang="en-US" altLang="ko-KR" spc="-150" dirty="0" err="1" smtClean="0">
+                <a:latin typeface="Consolas" panose="020B0609020204030204" pitchFamily="49" charset="0"/>
+              </a:rPr>
               <a:t>np.mean</a:t>
             </a:r>
             <a:r>
-              <a:rPr lang="en-US" altLang="ko-KR" dirty="0" smtClean="0"/>
-              <a:t>(x)              #4.5</a:t>
+              <a:rPr lang="en-US" altLang="ko-KR" spc="-150" dirty="0" smtClean="0">
+                <a:latin typeface="Consolas" panose="020B0609020204030204" pitchFamily="49" charset="0"/>
+              </a:rPr>
+              <a:t>(x))              </a:t>
+            </a:r>
+            <a:r>
+              <a:rPr lang="en-US" altLang="ko-KR" spc="-150" dirty="0" smtClean="0">
+                <a:latin typeface="Consolas" panose="020B0609020204030204" pitchFamily="49" charset="0"/>
+              </a:rPr>
+              <a:t>#4.5</a:t>
             </a:r>
           </a:p>
           <a:p>
@@ -4295,66 +4523,113 @@
           </a:p>
           <a:p>
             <a:r>
-              <a:rPr lang="en-US" altLang="ko-KR" dirty="0"/>
+              <a:rPr lang="en-US" altLang="ko-KR" spc="-150" dirty="0">
+                <a:latin typeface="Consolas" panose="020B0609020204030204" pitchFamily="49" charset="0"/>
+              </a:rPr>
               <a:t>b = </a:t>
             </a:r>
             <a:r>
-              <a:rPr lang="en-US" altLang="ko-KR" dirty="0" err="1"/>
+              <a:rPr lang="en-US" altLang="ko-KR" spc="-150" dirty="0" err="1">
+                <a:latin typeface="Consolas" panose="020B0609020204030204" pitchFamily="49" charset="0"/>
+              </a:rPr>
               <a:t>np.array</a:t>
             </a:r>
             <a:r>
-              <a:rPr lang="en-US" altLang="ko-KR" dirty="0"/>
+              <a:rPr lang="en-US" altLang="ko-KR" spc="-150" dirty="0">
+                <a:latin typeface="Consolas" panose="020B0609020204030204" pitchFamily="49" charset="0"/>
+              </a:rPr>
               <a:t>([[0,1,2], [3,4,5</a:t>
             </a:r>
             <a:r>
-              <a:rPr lang="en-US" altLang="ko-KR" dirty="0" smtClean="0"/>
+              <a:rPr lang="en-US" altLang="ko-KR" spc="-150" dirty="0" smtClean="0">
+                <a:latin typeface="Consolas" panose="020B0609020204030204" pitchFamily="49" charset="0"/>
+              </a:rPr>
               <a:t>]])</a:t>
             </a:r>
             <a:br>
-              <a:rPr lang="en-US" altLang="ko-KR" dirty="0" smtClean="0"/>
+              <a:rPr lang="en-US" altLang="ko-KR" spc="-150" dirty="0" smtClean="0">
+                <a:latin typeface="Consolas" panose="020B0609020204030204" pitchFamily="49" charset="0"/>
+              </a:rPr>
             </a:br>
             <a:r>
-              <a:rPr lang="en-US" altLang="ko-KR" dirty="0" smtClean="0"/>
-              <a:t>print </a:t>
-            </a:r>
-            <a:r>
-              <a:rPr lang="en-US" altLang="ko-KR" dirty="0" err="1" smtClean="0"/>
+              <a:rPr lang="en-US" altLang="ko-KR" spc="-150" dirty="0" smtClean="0">
+                <a:latin typeface="Consolas" panose="020B0609020204030204" pitchFamily="49" charset="0"/>
+              </a:rPr>
+              <a:t>print(</a:t>
+            </a:r>
+            <a:r>
+              <a:rPr lang="en-US" altLang="ko-KR" spc="-150" dirty="0" err="1" smtClean="0">
+                <a:latin typeface="Consolas" panose="020B0609020204030204" pitchFamily="49" charset="0"/>
+              </a:rPr>
               <a:t>b.mean</a:t>
             </a:r>
             <a:r>
-              <a:rPr lang="en-US" altLang="ko-KR" dirty="0" smtClean="0"/>
-              <a:t>()</a:t>
+              <a:rPr lang="en-US" altLang="ko-KR" spc="-150" dirty="0" smtClean="0">
+                <a:latin typeface="Consolas" panose="020B0609020204030204" pitchFamily="49" charset="0"/>
+              </a:rPr>
+              <a:t>())</a:t>
+            </a:r>
+            <a:r>
+              <a:rPr lang="en-US" altLang="ko-KR" spc="-150" dirty="0" smtClean="0">
+                <a:latin typeface="Consolas" panose="020B0609020204030204" pitchFamily="49" charset="0"/>
+              </a:rPr>
+              <a:t/>
             </a:r>
             <a:br>
-              <a:rPr lang="en-US" altLang="ko-KR" dirty="0" smtClean="0"/>
+              <a:rPr lang="en-US" altLang="ko-KR" spc="-150" dirty="0" smtClean="0">
+                <a:latin typeface="Consolas" panose="020B0609020204030204" pitchFamily="49" charset="0"/>
+              </a:rPr>
             </a:br>
             <a:r>
-              <a:rPr lang="en-US" altLang="ko-KR" dirty="0" smtClean="0"/>
-              <a:t>print </a:t>
-            </a:r>
-            <a:r>
-              <a:rPr lang="en-US" altLang="ko-KR" dirty="0" err="1" smtClean="0"/>
+              <a:rPr lang="en-US" altLang="ko-KR" spc="-150" dirty="0" smtClean="0">
+                <a:latin typeface="Consolas" panose="020B0609020204030204" pitchFamily="49" charset="0"/>
+              </a:rPr>
+              <a:t>print(</a:t>
+            </a:r>
+            <a:r>
+              <a:rPr lang="en-US" altLang="ko-KR" spc="-150" dirty="0" err="1" smtClean="0">
+                <a:latin typeface="Consolas" panose="020B0609020204030204" pitchFamily="49" charset="0"/>
+              </a:rPr>
               <a:t>b.mean</a:t>
             </a:r>
             <a:r>
-              <a:rPr lang="en-US" altLang="ko-KR" dirty="0" smtClean="0"/>
-              <a:t>(0)</a:t>
+              <a:rPr lang="en-US" altLang="ko-KR" spc="-150" dirty="0" smtClean="0">
+                <a:latin typeface="Consolas" panose="020B0609020204030204" pitchFamily="49" charset="0"/>
+              </a:rPr>
+              <a:t>(0))</a:t>
+            </a:r>
+            <a:r>
+              <a:rPr lang="en-US" altLang="ko-KR" spc="-150" dirty="0" smtClean="0">
+                <a:latin typeface="Consolas" panose="020B0609020204030204" pitchFamily="49" charset="0"/>
+              </a:rPr>
+              <a:t/>
             </a:r>
             <a:br>
-              <a:rPr lang="en-US" altLang="ko-KR" dirty="0" smtClean="0"/>
+              <a:rPr lang="en-US" altLang="ko-KR" spc="-150" dirty="0" smtClean="0">
+                <a:latin typeface="Consolas" panose="020B0609020204030204" pitchFamily="49" charset="0"/>
+              </a:rPr>
             </a:br>
             <a:r>
-              <a:rPr lang="en-US" altLang="ko-KR" dirty="0" smtClean="0"/>
-              <a:t>print </a:t>
-            </a:r>
-            <a:r>
-              <a:rPr lang="en-US" altLang="ko-KR" dirty="0" err="1" smtClean="0"/>
+              <a:rPr lang="en-US" altLang="ko-KR" spc="-150" dirty="0" smtClean="0">
+                <a:latin typeface="Consolas" panose="020B0609020204030204" pitchFamily="49" charset="0"/>
+              </a:rPr>
+              <a:t>print(</a:t>
+            </a:r>
+            <a:r>
+              <a:rPr lang="en-US" altLang="ko-KR" spc="-150" dirty="0" err="1" smtClean="0">
+                <a:latin typeface="Consolas" panose="020B0609020204030204" pitchFamily="49" charset="0"/>
+              </a:rPr>
               <a:t>b.mean</a:t>
             </a:r>
             <a:r>
-              <a:rPr lang="en-US" altLang="ko-KR" dirty="0" smtClean="0"/>
-              <a:t>(1)</a:t>
-            </a:r>
+              <a:rPr lang="en-US" altLang="ko-KR" spc="-150" dirty="0" smtClean="0">
+                <a:latin typeface="Consolas" panose="020B0609020204030204" pitchFamily="49" charset="0"/>
+              </a:rPr>
+              <a:t>(1))</a:t>
+            </a:r>
+            <a:endParaRPr lang="en-US" altLang="ko-KR" spc="-150" dirty="0" smtClean="0">
+              <a:latin typeface="Consolas" panose="020B0609020204030204" pitchFamily="49" charset="0"/>
+            </a:endParaRPr>
           </a:p>
           <a:p>
             <a:endParaRPr lang="ko-KR" altLang="en-US" dirty="0"/>
@@ -4418,8 +4693,8 @@
           </a:p>
         </p:txBody>
       </p:sp>
-      <mc:AlternateContent xmlns:mc="http://schemas.openxmlformats.org/markup-compatibility/2006" xmlns:a14="http://schemas.microsoft.com/office/drawing/2010/main">
-        <mc:Choice Requires="a14">
+      <mc:AlternateContent xmlns:mc="http://schemas.openxmlformats.org/markup-compatibility/2006">
+        <mc:Choice xmlns:a14="http://schemas.microsoft.com/office/drawing/2010/main" Requires="a14">
           <p:sp>
             <p:nvSpPr>
               <p:cNvPr id="3" name="내용 개체 틀 2"/>
@@ -4436,7 +4711,9 @@
               <a:lstStyle/>
               <a:p>
                 <a:r>
-                  <a:rPr lang="en-US" altLang="ko-KR" dirty="0" err="1" smtClean="0"/>
+                  <a:rPr lang="en-US" altLang="ko-KR" spc="-150" dirty="0" err="1" smtClean="0">
+                    <a:latin typeface="Consolas" panose="020B0609020204030204" pitchFamily="49" charset="0"/>
+                  </a:rPr>
                   <a:t>np.median</a:t>
                 </a:r>
                 <a:r>
@@ -4450,74 +4727,137 @@
               </a:p>
               <a:p>
                 <a:r>
-                  <a:rPr lang="en-US" altLang="ko-KR" dirty="0" smtClean="0"/>
+                  <a:rPr lang="en-US" altLang="ko-KR" spc="-150" dirty="0" smtClean="0">
+                    <a:latin typeface="Consolas" panose="020B0609020204030204" pitchFamily="49" charset="0"/>
+                  </a:rPr>
                   <a:t>x = </a:t>
                 </a:r>
                 <a:r>
-                  <a:rPr lang="en-US" altLang="ko-KR" dirty="0" err="1" smtClean="0"/>
+                  <a:rPr lang="en-US" altLang="ko-KR" spc="-150" dirty="0" err="1" smtClean="0">
+                    <a:latin typeface="Consolas" panose="020B0609020204030204" pitchFamily="49" charset="0"/>
+                  </a:rPr>
                   <a:t>np.random.randn</a:t>
                 </a:r>
                 <a:r>
-                  <a:rPr lang="en-US" altLang="ko-KR" dirty="0" smtClean="0"/>
+                  <a:rPr lang="en-US" altLang="ko-KR" spc="-150" dirty="0" smtClean="0">
+                    <a:latin typeface="Consolas" panose="020B0609020204030204" pitchFamily="49" charset="0"/>
+                  </a:rPr>
                   <a:t>(4, 5)</a:t>
                 </a:r>
                 <a:br>
-                  <a:rPr lang="en-US" altLang="ko-KR" dirty="0" smtClean="0"/>
+                  <a:rPr lang="en-US" altLang="ko-KR" spc="-150" dirty="0" smtClean="0">
+                    <a:latin typeface="Consolas" panose="020B0609020204030204" pitchFamily="49" charset="0"/>
+                  </a:rPr>
                 </a:br>
                 <a:r>
-                  <a:rPr lang="en-US" altLang="ko-KR" dirty="0" smtClean="0"/>
-                  <a:t>print </a:t>
+                  <a:rPr lang="en-US" altLang="ko-KR" spc="-150" dirty="0" smtClean="0">
+                    <a:latin typeface="Consolas" panose="020B0609020204030204" pitchFamily="49" charset="0"/>
+                  </a:rPr>
+                  <a:t>print(</a:t>
                 </a:r>
                 <a:r>
-                  <a:rPr lang="en-US" altLang="ko-KR" dirty="0" err="1" smtClean="0"/>
+                  <a:rPr lang="en-US" altLang="ko-KR" spc="-150" dirty="0" err="1" smtClean="0">
+                    <a:latin typeface="Consolas" panose="020B0609020204030204" pitchFamily="49" charset="0"/>
+                  </a:rPr>
                   <a:t>np.median</a:t>
                 </a:r>
                 <a:r>
-                  <a:rPr lang="en-US" altLang="ko-KR" dirty="0" smtClean="0"/>
-                  <a:t>(x)</a:t>
+                  <a:rPr lang="en-US" altLang="ko-KR" spc="-150" dirty="0" smtClean="0">
+                    <a:latin typeface="Consolas" panose="020B0609020204030204" pitchFamily="49" charset="0"/>
+                  </a:rPr>
+                  <a:t>(x))</a:t>
+                </a:r>
+                <a:r>
+                  <a:rPr lang="en-US" altLang="ko-KR" spc="-150" dirty="0" smtClean="0">
+                    <a:latin typeface="Consolas" panose="020B0609020204030204" pitchFamily="49" charset="0"/>
+                  </a:rPr>
+                  <a:t/>
                 </a:r>
                 <a:br>
-                  <a:rPr lang="en-US" altLang="ko-KR" dirty="0" smtClean="0"/>
+                  <a:rPr lang="en-US" altLang="ko-KR" spc="-150" dirty="0" smtClean="0">
+                    <a:latin typeface="Consolas" panose="020B0609020204030204" pitchFamily="49" charset="0"/>
+                  </a:rPr>
                 </a:br>
                 <a:r>
-                  <a:rPr lang="en-US" altLang="ko-KR" dirty="0" smtClean="0"/>
-                  <a:t>print </a:t>
+                  <a:rPr lang="en-US" altLang="ko-KR" spc="-150" dirty="0" smtClean="0">
+                    <a:latin typeface="Consolas" panose="020B0609020204030204" pitchFamily="49" charset="0"/>
+                  </a:rPr>
+                  <a:t>print(</a:t>
                 </a:r>
                 <a:r>
-                  <a:rPr lang="en-US" altLang="ko-KR" dirty="0" err="1" smtClean="0"/>
+                  <a:rPr lang="en-US" altLang="ko-KR" spc="-150" dirty="0" err="1" smtClean="0">
+                    <a:latin typeface="Consolas" panose="020B0609020204030204" pitchFamily="49" charset="0"/>
+                  </a:rPr>
                   <a:t>np.median</a:t>
                 </a:r>
                 <a:r>
-                  <a:rPr lang="en-US" altLang="ko-KR" dirty="0" smtClean="0"/>
+                  <a:rPr lang="en-US" altLang="ko-KR" spc="-150" dirty="0" smtClean="0">
+                    <a:latin typeface="Consolas" panose="020B0609020204030204" pitchFamily="49" charset="0"/>
+                  </a:rPr>
                   <a:t>(x</a:t>
                 </a:r>
                 <a:r>
-                  <a:rPr lang="en-US" altLang="ko-KR" dirty="0"/>
+                  <a:rPr lang="en-US" altLang="ko-KR" spc="-150" dirty="0">
+                    <a:latin typeface="Consolas" panose="020B0609020204030204" pitchFamily="49" charset="0"/>
+                  </a:rPr>
                   <a:t>, </a:t>
                 </a:r>
                 <a:r>
-                  <a:rPr lang="en-US" altLang="ko-KR" dirty="0" smtClean="0"/>
-                  <a:t>0)</a:t>
+                  <a:rPr lang="en-US" altLang="ko-KR" spc="-150" dirty="0" smtClean="0">
+                    <a:latin typeface="Consolas" panose="020B0609020204030204" pitchFamily="49" charset="0"/>
+                  </a:rPr>
+                  <a:t>0</a:t>
+                </a:r>
+                <a:r>
+                  <a:rPr lang="en-US" altLang="ko-KR" spc="-150" dirty="0" smtClean="0">
+                    <a:latin typeface="Consolas" panose="020B0609020204030204" pitchFamily="49" charset="0"/>
+                  </a:rPr>
+                  <a:t>))</a:t>
+                </a:r>
+                <a:r>
+                  <a:rPr lang="en-US" altLang="ko-KR" spc="-150" dirty="0" smtClean="0">
+                    <a:latin typeface="Consolas" panose="020B0609020204030204" pitchFamily="49" charset="0"/>
+                  </a:rPr>
+                  <a:t/>
                 </a:r>
                 <a:br>
-                  <a:rPr lang="en-US" altLang="ko-KR" dirty="0" smtClean="0"/>
+                  <a:rPr lang="en-US" altLang="ko-KR" spc="-150" dirty="0" smtClean="0">
+                    <a:latin typeface="Consolas" panose="020B0609020204030204" pitchFamily="49" charset="0"/>
+                  </a:rPr>
                 </a:br>
                 <a:r>
-                  <a:rPr lang="en-US" altLang="ko-KR" dirty="0" smtClean="0"/>
-                  <a:t>print </a:t>
+                  <a:rPr lang="en-US" altLang="ko-KR" spc="-150" dirty="0" smtClean="0">
+                    <a:latin typeface="Consolas" panose="020B0609020204030204" pitchFamily="49" charset="0"/>
+                  </a:rPr>
+                  <a:t>print(</a:t>
                 </a:r>
                 <a:r>
-                  <a:rPr lang="en-US" altLang="ko-KR" dirty="0" err="1" smtClean="0"/>
+                  <a:rPr lang="en-US" altLang="ko-KR" spc="-150" dirty="0" err="1" smtClean="0">
+                    <a:latin typeface="Consolas" panose="020B0609020204030204" pitchFamily="49" charset="0"/>
+                  </a:rPr>
                   <a:t>np.median</a:t>
                 </a:r>
                 <a:r>
-                  <a:rPr lang="en-US" altLang="ko-KR" dirty="0" smtClean="0"/>
+                  <a:rPr lang="en-US" altLang="ko-KR" spc="-150" dirty="0" smtClean="0">
+                    <a:latin typeface="Consolas" panose="020B0609020204030204" pitchFamily="49" charset="0"/>
+                  </a:rPr>
                   <a:t>(x</a:t>
                 </a:r>
                 <a:r>
-                  <a:rPr lang="en-US" altLang="ko-KR" dirty="0"/>
-                  <a:t>, 1)</a:t>
+                  <a:rPr lang="en-US" altLang="ko-KR" spc="-150" dirty="0">
+                    <a:latin typeface="Consolas" panose="020B0609020204030204" pitchFamily="49" charset="0"/>
+                  </a:rPr>
+                  <a:t>, 1</a:t>
                 </a:r>
+                <a:r>
+                  <a:rPr lang="en-US" altLang="ko-KR" spc="-150" dirty="0" smtClean="0">
+                    <a:latin typeface="Consolas" panose="020B0609020204030204" pitchFamily="49" charset="0"/>
+                  </a:rPr>
+                  <a:t>))</a:t>
+                </a:r>
+                <a:endParaRPr lang="en-US" altLang="ko-KR" spc="-150" dirty="0">
+                  <a:latin typeface="Consolas" panose="020B0609020204030204" pitchFamily="49" charset="0"/>
+                </a:endParaRPr>
               </a:p>
               <a:p>
                 <a:endParaRPr lang="en-US" altLang="ko-KR" dirty="0" smtClean="0"/>
@@ -4528,11 +4868,15 @@
                   <a:t>여기서 </a:t>
                 </a:r>
                 <a:r>
-                  <a:rPr lang="en-US" altLang="ko-KR" dirty="0" err="1" smtClean="0"/>
+                  <a:rPr lang="en-US" altLang="ko-KR" spc="-150" dirty="0" err="1" smtClean="0">
+                    <a:latin typeface="Consolas" panose="020B0609020204030204" pitchFamily="49" charset="0"/>
+                  </a:rPr>
                   <a:t>np.random.randn</a:t>
                 </a:r>
                 <a:r>
-                  <a:rPr lang="en-US" altLang="ko-KR" dirty="0" smtClean="0"/>
+                  <a:rPr lang="en-US" altLang="ko-KR" spc="-150" dirty="0" smtClean="0">
+                    <a:latin typeface="Consolas" panose="020B0609020204030204" pitchFamily="49" charset="0"/>
+                  </a:rPr>
                   <a:t>(4, 5)</a:t>
                 </a:r>
                 <a:r>
@@ -4579,7 +4923,7 @@
             </p:txBody>
           </p:sp>
         </mc:Choice>
-        <mc:Fallback xmlns="">
+        <mc:Fallback>
           <p:sp>
             <p:nvSpPr>
               <p:cNvPr id="3" name="내용 개체 틀 2"/>
@@ -4591,10 +4935,10 @@
               </p:nvPr>
             </p:nvSpPr>
             <p:spPr>
-              <a:blipFill rotWithShape="0">
+              <a:blipFill>
                 <a:blip r:embed="rId2"/>
                 <a:stretch>
-                  <a:fillRect l="-1043" t="-2381"/>
+                  <a:fillRect l="-1043" t="-2661"/>
                 </a:stretch>
               </a:blipFill>
             </p:spPr>
@@ -4707,66 +5051,137 @@
           </a:p>
           <a:p>
             <a:r>
-              <a:rPr lang="en-US" altLang="ko-KR" dirty="0"/>
+              <a:rPr lang="en-US" altLang="ko-KR" spc="-150" dirty="0">
+                <a:latin typeface="Consolas" panose="020B0609020204030204" pitchFamily="49" charset="0"/>
+              </a:rPr>
               <a:t>x = </a:t>
             </a:r>
             <a:r>
-              <a:rPr lang="en-US" altLang="ko-KR" dirty="0" err="1"/>
+              <a:rPr lang="en-US" altLang="ko-KR" spc="-150" dirty="0" err="1">
+                <a:latin typeface="Consolas" panose="020B0609020204030204" pitchFamily="49" charset="0"/>
+              </a:rPr>
               <a:t>np.random.randn</a:t>
             </a:r>
             <a:r>
-              <a:rPr lang="en-US" altLang="ko-KR" dirty="0"/>
+              <a:rPr lang="en-US" altLang="ko-KR" spc="-150" dirty="0">
+                <a:latin typeface="Consolas" panose="020B0609020204030204" pitchFamily="49" charset="0"/>
+              </a:rPr>
               <a:t>(4, </a:t>
             </a:r>
             <a:r>
-              <a:rPr lang="en-US" altLang="ko-KR" dirty="0" smtClean="0"/>
+              <a:rPr lang="en-US" altLang="ko-KR" spc="-150" dirty="0" smtClean="0">
+                <a:latin typeface="Consolas" panose="020B0609020204030204" pitchFamily="49" charset="0"/>
+              </a:rPr>
               <a:t>5)</a:t>
             </a:r>
             <a:br>
-              <a:rPr lang="en-US" altLang="ko-KR" dirty="0" smtClean="0"/>
+              <a:rPr lang="en-US" altLang="ko-KR" spc="-150" dirty="0" smtClean="0">
+                <a:latin typeface="Consolas" panose="020B0609020204030204" pitchFamily="49" charset="0"/>
+              </a:rPr>
             </a:br>
             <a:r>
-              <a:rPr lang="en-US" altLang="ko-KR" dirty="0" smtClean="0"/>
-              <a:t>print </a:t>
-            </a:r>
-            <a:r>
-              <a:rPr lang="en-US" altLang="ko-KR" dirty="0" err="1" smtClean="0"/>
+              <a:rPr lang="en-US" altLang="ko-KR" spc="-150" dirty="0" smtClean="0">
+                <a:latin typeface="Consolas" panose="020B0609020204030204" pitchFamily="49" charset="0"/>
+              </a:rPr>
+              <a:t>print(</a:t>
+            </a:r>
+            <a:r>
+              <a:rPr lang="en-US" altLang="ko-KR" spc="-150" dirty="0" err="1" smtClean="0">
+                <a:latin typeface="Consolas" panose="020B0609020204030204" pitchFamily="49" charset="0"/>
+              </a:rPr>
               <a:t>np.std</a:t>
             </a:r>
             <a:r>
-              <a:rPr lang="en-US" altLang="ko-KR" dirty="0" smtClean="0"/>
-              <a:t>(x)</a:t>
+              <a:rPr lang="en-US" altLang="ko-KR" spc="-150" dirty="0" smtClean="0">
+                <a:latin typeface="Consolas" panose="020B0609020204030204" pitchFamily="49" charset="0"/>
+              </a:rPr>
+              <a:t>(x))</a:t>
+            </a:r>
+            <a:r>
+              <a:rPr lang="en-US" altLang="ko-KR" spc="-150" dirty="0" smtClean="0">
+                <a:latin typeface="Consolas" panose="020B0609020204030204" pitchFamily="49" charset="0"/>
+              </a:rPr>
+              <a:t/>
             </a:r>
             <a:br>
-              <a:rPr lang="en-US" altLang="ko-KR" dirty="0" smtClean="0"/>
+              <a:rPr lang="en-US" altLang="ko-KR" spc="-150" dirty="0" smtClean="0">
+                <a:latin typeface="Consolas" panose="020B0609020204030204" pitchFamily="49" charset="0"/>
+              </a:rPr>
             </a:br>
             <a:r>
-              <a:rPr lang="en-US" altLang="ko-KR" dirty="0" smtClean="0"/>
-              <a:t>print </a:t>
-            </a:r>
-            <a:r>
-              <a:rPr lang="en-US" altLang="ko-KR" dirty="0" err="1" smtClean="0"/>
+              <a:rPr lang="en-US" altLang="ko-KR" spc="-150" dirty="0" smtClean="0">
+                <a:latin typeface="Consolas" panose="020B0609020204030204" pitchFamily="49" charset="0"/>
+              </a:rPr>
+              <a:t>print(</a:t>
+            </a:r>
+            <a:r>
+              <a:rPr lang="en-US" altLang="ko-KR" spc="-150" dirty="0" err="1" smtClean="0">
+                <a:latin typeface="Consolas" panose="020B0609020204030204" pitchFamily="49" charset="0"/>
+              </a:rPr>
               <a:t>np.std</a:t>
             </a:r>
             <a:r>
-              <a:rPr lang="en-US" altLang="ko-KR" dirty="0" smtClean="0"/>
-              <a:t>(x, 0)</a:t>
+              <a:rPr lang="en-US" altLang="ko-KR" spc="-150" dirty="0" smtClean="0">
+                <a:latin typeface="Consolas" panose="020B0609020204030204" pitchFamily="49" charset="0"/>
+              </a:rPr>
+              <a:t>(x</a:t>
+            </a:r>
+            <a:r>
+              <a:rPr lang="en-US" altLang="ko-KR" spc="-150" dirty="0" smtClean="0">
+                <a:latin typeface="Consolas" panose="020B0609020204030204" pitchFamily="49" charset="0"/>
+              </a:rPr>
+              <a:t>, 0</a:t>
+            </a:r>
+            <a:r>
+              <a:rPr lang="en-US" altLang="ko-KR" spc="-150" dirty="0" smtClean="0">
+                <a:latin typeface="Consolas" panose="020B0609020204030204" pitchFamily="49" charset="0"/>
+              </a:rPr>
+              <a:t>))</a:t>
+            </a:r>
+            <a:r>
+              <a:rPr lang="en-US" altLang="ko-KR" spc="-150" dirty="0" smtClean="0">
+                <a:latin typeface="Consolas" panose="020B0609020204030204" pitchFamily="49" charset="0"/>
+              </a:rPr>
+              <a:t/>
             </a:r>
             <a:br>
-              <a:rPr lang="en-US" altLang="ko-KR" dirty="0" smtClean="0"/>
+              <a:rPr lang="en-US" altLang="ko-KR" spc="-150" dirty="0" smtClean="0">
+                <a:latin typeface="Consolas" panose="020B0609020204030204" pitchFamily="49" charset="0"/>
+              </a:rPr>
             </a:br>
             <a:r>
-              <a:rPr lang="en-US" altLang="ko-KR" dirty="0" smtClean="0"/>
-              <a:t>print </a:t>
-            </a:r>
-            <a:r>
-              <a:rPr lang="en-US" altLang="ko-KR" dirty="0" err="1" smtClean="0"/>
+              <a:rPr lang="en-US" altLang="ko-KR" spc="-150" dirty="0" smtClean="0">
+                <a:latin typeface="Consolas" panose="020B0609020204030204" pitchFamily="49" charset="0"/>
+              </a:rPr>
+              <a:t>print(</a:t>
+            </a:r>
+            <a:r>
+              <a:rPr lang="en-US" altLang="ko-KR" spc="-150" dirty="0" err="1" smtClean="0">
+                <a:latin typeface="Consolas" panose="020B0609020204030204" pitchFamily="49" charset="0"/>
+              </a:rPr>
               <a:t>np.std</a:t>
             </a:r>
             <a:r>
-              <a:rPr lang="en-US" altLang="ko-KR" dirty="0" smtClean="0"/>
-              <a:t>(x, 1)</a:t>
-            </a:r>
+              <a:rPr lang="en-US" altLang="ko-KR" spc="-150" dirty="0" smtClean="0">
+                <a:latin typeface="Consolas" panose="020B0609020204030204" pitchFamily="49" charset="0"/>
+              </a:rPr>
+              <a:t>(x</a:t>
+            </a:r>
+            <a:r>
+              <a:rPr lang="en-US" altLang="ko-KR" spc="-150" dirty="0" smtClean="0">
+                <a:latin typeface="Consolas" panose="020B0609020204030204" pitchFamily="49" charset="0"/>
+              </a:rPr>
+              <a:t>, 1</a:t>
+            </a:r>
+            <a:r>
+              <a:rPr lang="en-US" altLang="ko-KR" spc="-150" dirty="0" smtClean="0">
+                <a:latin typeface="Consolas" panose="020B0609020204030204" pitchFamily="49" charset="0"/>
+              </a:rPr>
+              <a:t>))</a:t>
+            </a:r>
+            <a:endParaRPr lang="en-US" altLang="ko-KR" spc="-150" dirty="0" smtClean="0">
+              <a:latin typeface="Consolas" panose="020B0609020204030204" pitchFamily="49" charset="0"/>
+            </a:endParaRPr>
           </a:p>
           <a:p>
             <a:endParaRPr lang="en-US" altLang="ko-KR" dirty="0"/>
@@ -4803,24 +5218,38 @@
           </a:p>
           <a:p>
             <a:r>
-              <a:rPr lang="en-US" altLang="ko-KR" dirty="0" smtClean="0"/>
-              <a:t>print </a:t>
-            </a:r>
-            <a:r>
-              <a:rPr lang="en-US" altLang="ko-KR" dirty="0" err="1" smtClean="0"/>
+              <a:rPr lang="en-US" altLang="ko-KR" spc="-150" dirty="0" err="1" smtClean="0">
+                <a:latin typeface="Consolas" panose="020B0609020204030204" pitchFamily="49" charset="0"/>
+              </a:rPr>
               <a:t>np.std</a:t>
             </a:r>
             <a:r>
-              <a:rPr lang="en-US" altLang="ko-KR" dirty="0" smtClean="0"/>
-              <a:t>(x, </a:t>
-            </a:r>
-            <a:r>
-              <a:rPr lang="en-US" altLang="ko-KR" dirty="0" err="1" smtClean="0"/>
+              <a:rPr lang="en-US" altLang="ko-KR" spc="-150" dirty="0" smtClean="0">
+                <a:latin typeface="Consolas" panose="020B0609020204030204" pitchFamily="49" charset="0"/>
+              </a:rPr>
+              <a:t>(x</a:t>
+            </a:r>
+            <a:r>
+              <a:rPr lang="en-US" altLang="ko-KR" spc="-150" dirty="0" smtClean="0">
+                <a:latin typeface="Consolas" panose="020B0609020204030204" pitchFamily="49" charset="0"/>
+              </a:rPr>
+              <a:t>, </a:t>
+            </a:r>
+            <a:r>
+              <a:rPr lang="en-US" altLang="ko-KR" spc="-150" dirty="0" err="1" smtClean="0">
+                <a:latin typeface="Consolas" panose="020B0609020204030204" pitchFamily="49" charset="0"/>
+              </a:rPr>
               <a:t>ddof</a:t>
             </a:r>
             <a:r>
-              <a:rPr lang="en-US" altLang="ko-KR" dirty="0" smtClean="0"/>
-              <a:t>=1)   #</a:t>
+              <a:rPr lang="en-US" altLang="ko-KR" spc="-150" dirty="0" smtClean="0">
+                <a:latin typeface="Consolas" panose="020B0609020204030204" pitchFamily="49" charset="0"/>
+              </a:rPr>
+              <a:t>=1)   </a:t>
+            </a:r>
+            <a:r>
+              <a:rPr lang="en-US" altLang="ko-KR" dirty="0" smtClean="0"/>
+              <a:t>#</a:t>
             </a:r>
             <a:r>
               <a:rPr lang="ko-KR" altLang="en-US" dirty="0" smtClean="0"/>
@@ -4920,11 +5349,15 @@
           <a:lstStyle/>
           <a:p>
             <a:r>
-              <a:rPr lang="en-US" altLang="ko-KR" dirty="0" err="1" smtClean="0"/>
+              <a:rPr lang="en-US" altLang="ko-KR" spc="-150" dirty="0" err="1" smtClean="0">
+                <a:latin typeface="Consolas" panose="020B0609020204030204" pitchFamily="49" charset="0"/>
+              </a:rPr>
               <a:t>np.corrcoef</a:t>
             </a:r>
             <a:r>
-              <a:rPr lang="en-US" altLang="ko-KR" dirty="0" smtClean="0"/>
+              <a:rPr lang="en-US" altLang="ko-KR" spc="-150" dirty="0" smtClean="0">
+                <a:latin typeface="Consolas" panose="020B0609020204030204" pitchFamily="49" charset="0"/>
+              </a:rPr>
               <a:t>(x)</a:t>
             </a:r>
             <a:r>
@@ -4959,47 +5392,70 @@
           </a:p>
           <a:p>
             <a:r>
-              <a:rPr lang="en-US" altLang="ko-KR" dirty="0" smtClean="0"/>
+              <a:rPr lang="en-US" altLang="ko-KR" spc="-150" dirty="0" smtClean="0">
+                <a:latin typeface="Consolas" panose="020B0609020204030204" pitchFamily="49" charset="0"/>
+              </a:rPr>
               <a:t>x = </a:t>
             </a:r>
             <a:r>
-              <a:rPr lang="en-US" altLang="ko-KR" dirty="0" err="1" smtClean="0"/>
+              <a:rPr lang="en-US" altLang="ko-KR" spc="-150" dirty="0" err="1" smtClean="0">
+                <a:latin typeface="Consolas" panose="020B0609020204030204" pitchFamily="49" charset="0"/>
+              </a:rPr>
               <a:t>np.random.randn</a:t>
             </a:r>
             <a:r>
-              <a:rPr lang="en-US" altLang="ko-KR" dirty="0" smtClean="0"/>
+              <a:rPr lang="en-US" altLang="ko-KR" spc="-150" dirty="0" smtClean="0">
+                <a:latin typeface="Consolas" panose="020B0609020204030204" pitchFamily="49" charset="0"/>
+              </a:rPr>
               <a:t>(3, 4)</a:t>
             </a:r>
             <a:r>
-              <a:rPr lang="en-US" altLang="ko-KR" dirty="0"/>
+              <a:rPr lang="en-US" altLang="ko-KR" spc="-150" dirty="0">
+                <a:latin typeface="Consolas" panose="020B0609020204030204" pitchFamily="49" charset="0"/>
+              </a:rPr>
               <a:t/>
             </a:r>
             <a:br>
-              <a:rPr lang="en-US" altLang="ko-KR" dirty="0"/>
+              <a:rPr lang="en-US" altLang="ko-KR" spc="-150" dirty="0">
+                <a:latin typeface="Consolas" panose="020B0609020204030204" pitchFamily="49" charset="0"/>
+              </a:rPr>
             </a:br>
             <a:r>
-              <a:rPr lang="en-US" altLang="ko-KR" dirty="0" smtClean="0"/>
-              <a:t>print </a:t>
-            </a:r>
-            <a:r>
-              <a:rPr lang="en-US" altLang="ko-KR" dirty="0" err="1" smtClean="0"/>
+              <a:rPr lang="en-US" altLang="ko-KR" spc="-150" dirty="0" smtClean="0">
+                <a:latin typeface="Consolas" panose="020B0609020204030204" pitchFamily="49" charset="0"/>
+              </a:rPr>
+              <a:t>print(</a:t>
+            </a:r>
+            <a:r>
+              <a:rPr lang="en-US" altLang="ko-KR" spc="-150" dirty="0" err="1" smtClean="0">
+                <a:latin typeface="Consolas" panose="020B0609020204030204" pitchFamily="49" charset="0"/>
+              </a:rPr>
               <a:t>np.corrcoef</a:t>
             </a:r>
             <a:r>
-              <a:rPr lang="en-US" altLang="ko-KR" dirty="0" smtClean="0"/>
-              <a:t>(x)</a:t>
-            </a:r>
+              <a:rPr lang="en-US" altLang="ko-KR" spc="-150" dirty="0" smtClean="0">
+                <a:latin typeface="Consolas" panose="020B0609020204030204" pitchFamily="49" charset="0"/>
+              </a:rPr>
+              <a:t>(x))</a:t>
+            </a:r>
+            <a:endParaRPr lang="en-US" altLang="ko-KR" spc="-150" dirty="0" smtClean="0">
+              <a:latin typeface="Consolas" panose="020B0609020204030204" pitchFamily="49" charset="0"/>
+            </a:endParaRPr>
           </a:p>
           <a:p>
             <a:endParaRPr lang="en-US" altLang="ko-KR" dirty="0"/>
           </a:p>
           <a:p>
             <a:r>
-              <a:rPr lang="en-US" altLang="ko-KR" dirty="0" err="1" smtClean="0"/>
+              <a:rPr lang="en-US" altLang="ko-KR" spc="-150" dirty="0" err="1" smtClean="0">
+                <a:latin typeface="Consolas" panose="020B0609020204030204" pitchFamily="49" charset="0"/>
+              </a:rPr>
               <a:t>np.corrcoef</a:t>
             </a:r>
             <a:r>
-              <a:rPr lang="en-US" altLang="ko-KR" dirty="0" smtClean="0"/>
+              <a:rPr lang="en-US" altLang="ko-KR" spc="-150" dirty="0" smtClean="0">
+                <a:latin typeface="Consolas" panose="020B0609020204030204" pitchFamily="49" charset="0"/>
+              </a:rPr>
               <a:t>(x, y)</a:t>
             </a:r>
             <a:r>
@@ -5050,17 +5506,38 @@
           </a:p>
           <a:p>
             <a:r>
-              <a:rPr lang="en-US" altLang="ko-KR" dirty="0" smtClean="0"/>
-              <a:t>print </a:t>
-            </a:r>
-            <a:r>
-              <a:rPr lang="en-US" altLang="ko-KR" smtClean="0"/>
+              <a:rPr lang="en-US" altLang="ko-KR" spc="-150" dirty="0" smtClean="0">
+                <a:latin typeface="Consolas" panose="020B0609020204030204" pitchFamily="49" charset="0"/>
+              </a:rPr>
+              <a:t>print(</a:t>
+            </a:r>
+            <a:r>
+              <a:rPr lang="en-US" altLang="ko-KR" spc="-150" dirty="0" err="1" smtClean="0">
+                <a:latin typeface="Consolas" panose="020B0609020204030204" pitchFamily="49" charset="0"/>
+              </a:rPr>
               <a:t>np.corrcoef</a:t>
             </a:r>
             <a:r>
-              <a:rPr lang="en-US" altLang="ko-KR" dirty="0" smtClean="0"/>
-              <a:t>(x[0], x[1])</a:t>
-            </a:r>
+              <a:rPr lang="en-US" altLang="ko-KR" spc="-150" dirty="0" smtClean="0">
+                <a:latin typeface="Consolas" panose="020B0609020204030204" pitchFamily="49" charset="0"/>
+              </a:rPr>
+              <a:t>(x[0</a:t>
+            </a:r>
+            <a:r>
+              <a:rPr lang="en-US" altLang="ko-KR" spc="-150" dirty="0" smtClean="0">
+                <a:latin typeface="Consolas" panose="020B0609020204030204" pitchFamily="49" charset="0"/>
+              </a:rPr>
+              <a:t>], x[1</a:t>
+            </a:r>
+            <a:r>
+              <a:rPr lang="en-US" altLang="ko-KR" spc="-150" dirty="0" smtClean="0">
+                <a:latin typeface="Consolas" panose="020B0609020204030204" pitchFamily="49" charset="0"/>
+              </a:rPr>
+              <a:t>]))</a:t>
+            </a:r>
+            <a:endParaRPr lang="en-US" altLang="ko-KR" spc="-150" dirty="0" smtClean="0">
+              <a:latin typeface="Consolas" panose="020B0609020204030204" pitchFamily="49" charset="0"/>
+            </a:endParaRPr>
           </a:p>
           <a:p>
             <a:endParaRPr lang="en-US" altLang="ko-KR" dirty="0"/>
@@ -5075,11 +5552,15 @@
               <a:t> 행렬은 </a:t>
             </a:r>
             <a:r>
-              <a:rPr lang="en-US" altLang="ko-KR" dirty="0" err="1" smtClean="0"/>
+              <a:rPr lang="en-US" altLang="ko-KR" spc="-150" dirty="0" err="1" smtClean="0">
+                <a:latin typeface="Consolas" panose="020B0609020204030204" pitchFamily="49" charset="0"/>
+              </a:rPr>
               <a:t>np.cov</a:t>
             </a:r>
             <a:r>
-              <a:rPr lang="en-US" altLang="ko-KR" dirty="0" smtClean="0"/>
+              <a:rPr lang="en-US" altLang="ko-KR" spc="-150" dirty="0" smtClean="0">
+                <a:latin typeface="Consolas" panose="020B0609020204030204" pitchFamily="49" charset="0"/>
+              </a:rPr>
               <a:t>()</a:t>
             </a:r>
             <a:r>
@@ -5223,143 +5704,217 @@
           </a:p>
           <a:p>
             <a:r>
-              <a:rPr lang="en-US" altLang="ko-KR" dirty="0"/>
+              <a:rPr lang="en-US" altLang="ko-KR" spc="-150" dirty="0">
+                <a:latin typeface="Consolas" panose="020B0609020204030204" pitchFamily="49" charset="0"/>
+              </a:rPr>
               <a:t>from collections import </a:t>
             </a:r>
             <a:r>
-              <a:rPr lang="en-US" altLang="ko-KR" dirty="0" smtClean="0"/>
+              <a:rPr lang="en-US" altLang="ko-KR" spc="-150" dirty="0" smtClean="0">
+                <a:latin typeface="Consolas" panose="020B0609020204030204" pitchFamily="49" charset="0"/>
+              </a:rPr>
               <a:t>Counter</a:t>
             </a:r>
             <a:br>
-              <a:rPr lang="en-US" altLang="ko-KR" dirty="0" smtClean="0"/>
+              <a:rPr lang="en-US" altLang="ko-KR" spc="-150" dirty="0" smtClean="0">
+                <a:latin typeface="Consolas" panose="020B0609020204030204" pitchFamily="49" charset="0"/>
+              </a:rPr>
             </a:br>
             <a:r>
-              <a:rPr lang="en-US" altLang="ko-KR" dirty="0"/>
+              <a:rPr lang="en-US" altLang="ko-KR" spc="-150" dirty="0">
+                <a:latin typeface="Consolas" panose="020B0609020204030204" pitchFamily="49" charset="0"/>
+              </a:rPr>
               <a:t>from </a:t>
             </a:r>
             <a:r>
-              <a:rPr lang="en-US" altLang="ko-KR" dirty="0" err="1"/>
+              <a:rPr lang="en-US" altLang="ko-KR" spc="-150" dirty="0" err="1">
+                <a:latin typeface="Consolas" panose="020B0609020204030204" pitchFamily="49" charset="0"/>
+              </a:rPr>
               <a:t>matplotlib</a:t>
             </a:r>
             <a:r>
-              <a:rPr lang="en-US" altLang="ko-KR" dirty="0"/>
+              <a:rPr lang="en-US" altLang="ko-KR" spc="-150" dirty="0">
+                <a:latin typeface="Consolas" panose="020B0609020204030204" pitchFamily="49" charset="0"/>
+              </a:rPr>
               <a:t> import </a:t>
             </a:r>
             <a:r>
-              <a:rPr lang="en-US" altLang="ko-KR" dirty="0" err="1"/>
+              <a:rPr lang="en-US" altLang="ko-KR" spc="-150" dirty="0" err="1">
+                <a:latin typeface="Consolas" panose="020B0609020204030204" pitchFamily="49" charset="0"/>
+              </a:rPr>
               <a:t>pyplot</a:t>
             </a:r>
             <a:r>
-              <a:rPr lang="en-US" altLang="ko-KR" dirty="0"/>
+              <a:rPr lang="en-US" altLang="ko-KR" spc="-150" dirty="0">
+                <a:latin typeface="Consolas" panose="020B0609020204030204" pitchFamily="49" charset="0"/>
+              </a:rPr>
               <a:t> as </a:t>
             </a:r>
             <a:r>
-              <a:rPr lang="en-US" altLang="ko-KR" dirty="0" err="1"/>
+              <a:rPr lang="en-US" altLang="ko-KR" spc="-150" dirty="0" err="1">
+                <a:latin typeface="Consolas" panose="020B0609020204030204" pitchFamily="49" charset="0"/>
+              </a:rPr>
               <a:t>plt</a:t>
             </a:r>
             <a:r>
-              <a:rPr lang="en-US" altLang="ko-KR" dirty="0"/>
+              <a:rPr lang="en-US" altLang="ko-KR" spc="-150" dirty="0">
+                <a:latin typeface="Consolas" panose="020B0609020204030204" pitchFamily="49" charset="0"/>
+              </a:rPr>
               <a:t/>
             </a:r>
             <a:br>
-              <a:rPr lang="en-US" altLang="ko-KR" dirty="0"/>
+              <a:rPr lang="en-US" altLang="ko-KR" spc="-150" dirty="0">
+                <a:latin typeface="Consolas" panose="020B0609020204030204" pitchFamily="49" charset="0"/>
+              </a:rPr>
             </a:br>
             <a:r>
-              <a:rPr lang="en-US" altLang="ko-KR" dirty="0" smtClean="0"/>
+              <a:rPr lang="en-US" altLang="ko-KR" spc="-150" dirty="0" smtClean="0">
+                <a:latin typeface="Consolas" panose="020B0609020204030204" pitchFamily="49" charset="0"/>
+              </a:rPr>
               <a:t/>
             </a:r>
             <a:br>
-              <a:rPr lang="en-US" altLang="ko-KR" dirty="0" smtClean="0"/>
+              <a:rPr lang="en-US" altLang="ko-KR" spc="-150" dirty="0" smtClean="0">
+                <a:latin typeface="Consolas" panose="020B0609020204030204" pitchFamily="49" charset="0"/>
+              </a:rPr>
             </a:br>
             <a:r>
-              <a:rPr lang="en-US" altLang="ko-KR" dirty="0" err="1" smtClean="0"/>
+              <a:rPr lang="en-US" altLang="ko-KR" spc="-150" dirty="0" err="1" smtClean="0">
+                <a:latin typeface="Consolas" panose="020B0609020204030204" pitchFamily="49" charset="0"/>
+              </a:rPr>
               <a:t>friend_counts</a:t>
             </a:r>
             <a:r>
-              <a:rPr lang="en-US" altLang="ko-KR" dirty="0" smtClean="0"/>
+              <a:rPr lang="en-US" altLang="ko-KR" spc="-150" dirty="0" smtClean="0">
+                <a:latin typeface="Consolas" panose="020B0609020204030204" pitchFamily="49" charset="0"/>
+              </a:rPr>
               <a:t> = Counter(</a:t>
             </a:r>
             <a:r>
-              <a:rPr lang="en-US" altLang="ko-KR" dirty="0" err="1" smtClean="0"/>
+              <a:rPr lang="en-US" altLang="ko-KR" spc="-150" dirty="0" err="1" smtClean="0">
+                <a:latin typeface="Consolas" panose="020B0609020204030204" pitchFamily="49" charset="0"/>
+              </a:rPr>
               <a:t>num_friends</a:t>
             </a:r>
             <a:r>
-              <a:rPr lang="en-US" altLang="ko-KR" dirty="0" smtClean="0"/>
+              <a:rPr lang="en-US" altLang="ko-KR" spc="-150" dirty="0" smtClean="0">
+                <a:latin typeface="Consolas" panose="020B0609020204030204" pitchFamily="49" charset="0"/>
+              </a:rPr>
               <a:t>)</a:t>
             </a:r>
             <a:br>
-              <a:rPr lang="en-US" altLang="ko-KR" dirty="0" smtClean="0"/>
+              <a:rPr lang="en-US" altLang="ko-KR" spc="-150" dirty="0" smtClean="0">
+                <a:latin typeface="Consolas" panose="020B0609020204030204" pitchFamily="49" charset="0"/>
+              </a:rPr>
             </a:br>
             <a:r>
-              <a:rPr lang="en-US" altLang="ko-KR" dirty="0" err="1" smtClean="0"/>
+              <a:rPr lang="en-US" altLang="ko-KR" spc="-150" dirty="0" err="1" smtClean="0">
+                <a:latin typeface="Consolas" panose="020B0609020204030204" pitchFamily="49" charset="0"/>
+              </a:rPr>
               <a:t>xs</a:t>
             </a:r>
             <a:r>
-              <a:rPr lang="en-US" altLang="ko-KR" dirty="0" smtClean="0"/>
+              <a:rPr lang="en-US" altLang="ko-KR" spc="-150" dirty="0" smtClean="0">
+                <a:latin typeface="Consolas" panose="020B0609020204030204" pitchFamily="49" charset="0"/>
+              </a:rPr>
               <a:t> = range(101)</a:t>
             </a:r>
             <a:r>
-              <a:rPr lang="en-US" altLang="ko-KR" dirty="0"/>
+              <a:rPr lang="en-US" altLang="ko-KR" spc="-150" dirty="0">
+                <a:latin typeface="Consolas" panose="020B0609020204030204" pitchFamily="49" charset="0"/>
+              </a:rPr>
               <a:t/>
             </a:r>
             <a:br>
-              <a:rPr lang="en-US" altLang="ko-KR" dirty="0"/>
+              <a:rPr lang="en-US" altLang="ko-KR" spc="-150" dirty="0">
+                <a:latin typeface="Consolas" panose="020B0609020204030204" pitchFamily="49" charset="0"/>
+              </a:rPr>
             </a:br>
             <a:r>
-              <a:rPr lang="en-US" altLang="ko-KR" dirty="0" err="1" smtClean="0"/>
+              <a:rPr lang="en-US" altLang="ko-KR" spc="-150" dirty="0" err="1" smtClean="0">
+                <a:latin typeface="Consolas" panose="020B0609020204030204" pitchFamily="49" charset="0"/>
+              </a:rPr>
               <a:t>ys</a:t>
             </a:r>
             <a:r>
-              <a:rPr lang="en-US" altLang="ko-KR" dirty="0" smtClean="0"/>
+              <a:rPr lang="en-US" altLang="ko-KR" spc="-150" dirty="0" smtClean="0">
+                <a:latin typeface="Consolas" panose="020B0609020204030204" pitchFamily="49" charset="0"/>
+              </a:rPr>
               <a:t> = [</a:t>
             </a:r>
             <a:r>
-              <a:rPr lang="en-US" altLang="ko-KR" dirty="0" err="1" smtClean="0"/>
+              <a:rPr lang="en-US" altLang="ko-KR" spc="-150" dirty="0" err="1" smtClean="0">
+                <a:latin typeface="Consolas" panose="020B0609020204030204" pitchFamily="49" charset="0"/>
+              </a:rPr>
               <a:t>friend_counts</a:t>
             </a:r>
             <a:r>
-              <a:rPr lang="en-US" altLang="ko-KR" dirty="0" smtClean="0"/>
+              <a:rPr lang="en-US" altLang="ko-KR" spc="-150" dirty="0" smtClean="0">
+                <a:latin typeface="Consolas" panose="020B0609020204030204" pitchFamily="49" charset="0"/>
+              </a:rPr>
               <a:t>[x] for x in </a:t>
             </a:r>
             <a:r>
-              <a:rPr lang="en-US" altLang="ko-KR" dirty="0" err="1" smtClean="0"/>
+              <a:rPr lang="en-US" altLang="ko-KR" spc="-150" dirty="0" err="1" smtClean="0">
+                <a:latin typeface="Consolas" panose="020B0609020204030204" pitchFamily="49" charset="0"/>
+              </a:rPr>
               <a:t>xs</a:t>
             </a:r>
             <a:r>
-              <a:rPr lang="en-US" altLang="ko-KR" dirty="0" smtClean="0"/>
+              <a:rPr lang="en-US" altLang="ko-KR" spc="-150" dirty="0" smtClean="0">
+                <a:latin typeface="Consolas" panose="020B0609020204030204" pitchFamily="49" charset="0"/>
+              </a:rPr>
               <a:t>]</a:t>
             </a:r>
             <a:br>
-              <a:rPr lang="en-US" altLang="ko-KR" dirty="0" smtClean="0"/>
+              <a:rPr lang="en-US" altLang="ko-KR" spc="-150" dirty="0" smtClean="0">
+                <a:latin typeface="Consolas" panose="020B0609020204030204" pitchFamily="49" charset="0"/>
+              </a:rPr>
             </a:br>
             <a:r>
-              <a:rPr lang="en-US" altLang="ko-KR" dirty="0" err="1" smtClean="0"/>
+              <a:rPr lang="en-US" altLang="ko-KR" spc="-150" dirty="0" err="1" smtClean="0">
+                <a:latin typeface="Consolas" panose="020B0609020204030204" pitchFamily="49" charset="0"/>
+              </a:rPr>
               <a:t>plt.bar</a:t>
             </a:r>
             <a:r>
-              <a:rPr lang="en-US" altLang="ko-KR" dirty="0" smtClean="0"/>
+              <a:rPr lang="en-US" altLang="ko-KR" spc="-150" dirty="0" smtClean="0">
+                <a:latin typeface="Consolas" panose="020B0609020204030204" pitchFamily="49" charset="0"/>
+              </a:rPr>
               <a:t>(</a:t>
             </a:r>
             <a:r>
-              <a:rPr lang="en-US" altLang="ko-KR" dirty="0" err="1" smtClean="0"/>
+              <a:rPr lang="en-US" altLang="ko-KR" spc="-150" dirty="0" err="1" smtClean="0">
+                <a:latin typeface="Consolas" panose="020B0609020204030204" pitchFamily="49" charset="0"/>
+              </a:rPr>
               <a:t>xs</a:t>
             </a:r>
             <a:r>
-              <a:rPr lang="en-US" altLang="ko-KR" dirty="0" smtClean="0"/>
+              <a:rPr lang="en-US" altLang="ko-KR" spc="-150" dirty="0" smtClean="0">
+                <a:latin typeface="Consolas" panose="020B0609020204030204" pitchFamily="49" charset="0"/>
+              </a:rPr>
               <a:t>, </a:t>
             </a:r>
             <a:r>
-              <a:rPr lang="en-US" altLang="ko-KR" dirty="0" err="1" smtClean="0"/>
+              <a:rPr lang="en-US" altLang="ko-KR" spc="-150" dirty="0" err="1" smtClean="0">
+                <a:latin typeface="Consolas" panose="020B0609020204030204" pitchFamily="49" charset="0"/>
+              </a:rPr>
               <a:t>ys</a:t>
             </a:r>
             <a:r>
-              <a:rPr lang="en-US" altLang="ko-KR" dirty="0" smtClean="0"/>
+              <a:rPr lang="en-US" altLang="ko-KR" spc="-150" dirty="0" smtClean="0">
+                <a:latin typeface="Consolas" panose="020B0609020204030204" pitchFamily="49" charset="0"/>
+              </a:rPr>
               <a:t>)</a:t>
             </a:r>
             <a:br>
-              <a:rPr lang="en-US" altLang="ko-KR" dirty="0" smtClean="0"/>
+              <a:rPr lang="en-US" altLang="ko-KR" spc="-150" dirty="0" smtClean="0">
+                <a:latin typeface="Consolas" panose="020B0609020204030204" pitchFamily="49" charset="0"/>
+              </a:rPr>
             </a:br>
-            <a:endParaRPr lang="en-US" altLang="ko-KR" dirty="0" smtClean="0"/>
+            <a:endParaRPr lang="en-US" altLang="ko-KR" spc="-150" dirty="0" smtClean="0">
+              <a:latin typeface="Consolas" panose="020B0609020204030204" pitchFamily="49" charset="0"/>
+            </a:endParaRPr>
           </a:p>
         </p:txBody>
       </p:sp>
@@ -5466,146 +6021,212 @@
           </a:p>
           <a:p>
             <a:r>
-              <a:rPr lang="en-US" altLang="ko-KR" dirty="0" err="1" smtClean="0"/>
+              <a:rPr lang="en-US" altLang="ko-KR" spc="-150" dirty="0" err="1" smtClean="0">
+                <a:latin typeface="Consolas" panose="020B0609020204030204" pitchFamily="49" charset="0"/>
+              </a:rPr>
               <a:t>num_points</a:t>
             </a:r>
             <a:r>
-              <a:rPr lang="en-US" altLang="ko-KR" dirty="0" smtClean="0"/>
+              <a:rPr lang="en-US" altLang="ko-KR" spc="-150" dirty="0" smtClean="0">
+                <a:latin typeface="Consolas" panose="020B0609020204030204" pitchFamily="49" charset="0"/>
+              </a:rPr>
               <a:t> = </a:t>
             </a:r>
             <a:r>
-              <a:rPr lang="en-US" altLang="ko-KR" dirty="0" err="1" smtClean="0"/>
+              <a:rPr lang="en-US" altLang="ko-KR" spc="-150" dirty="0" err="1" smtClean="0">
+                <a:latin typeface="Consolas" panose="020B0609020204030204" pitchFamily="49" charset="0"/>
+              </a:rPr>
               <a:t>len</a:t>
             </a:r>
             <a:r>
-              <a:rPr lang="en-US" altLang="ko-KR" dirty="0" smtClean="0"/>
+              <a:rPr lang="en-US" altLang="ko-KR" spc="-150" dirty="0" smtClean="0">
+                <a:latin typeface="Consolas" panose="020B0609020204030204" pitchFamily="49" charset="0"/>
+              </a:rPr>
               <a:t>(</a:t>
             </a:r>
             <a:r>
-              <a:rPr lang="en-US" altLang="ko-KR" dirty="0" err="1" smtClean="0"/>
+              <a:rPr lang="en-US" altLang="ko-KR" spc="-150" dirty="0" err="1" smtClean="0">
+                <a:latin typeface="Consolas" panose="020B0609020204030204" pitchFamily="49" charset="0"/>
+              </a:rPr>
               <a:t>num_friends</a:t>
             </a:r>
             <a:r>
-              <a:rPr lang="en-US" altLang="ko-KR" dirty="0" smtClean="0"/>
+              <a:rPr lang="en-US" altLang="ko-KR" spc="-150" dirty="0" smtClean="0">
+                <a:latin typeface="Consolas" panose="020B0609020204030204" pitchFamily="49" charset="0"/>
+              </a:rPr>
               <a:t>)     # 204</a:t>
             </a:r>
           </a:p>
           <a:p>
             <a:r>
-              <a:rPr lang="en-US" altLang="ko-KR" dirty="0" err="1" smtClean="0"/>
+              <a:rPr lang="en-US" altLang="ko-KR" spc="-150" dirty="0" err="1" smtClean="0">
+                <a:latin typeface="Consolas" panose="020B0609020204030204" pitchFamily="49" charset="0"/>
+              </a:rPr>
               <a:t>lagest_value</a:t>
             </a:r>
             <a:r>
-              <a:rPr lang="en-US" altLang="ko-KR" dirty="0" smtClean="0"/>
+              <a:rPr lang="en-US" altLang="ko-KR" spc="-150" dirty="0" smtClean="0">
+                <a:latin typeface="Consolas" panose="020B0609020204030204" pitchFamily="49" charset="0"/>
+              </a:rPr>
               <a:t> = max(</a:t>
             </a:r>
             <a:r>
-              <a:rPr lang="en-US" altLang="ko-KR" dirty="0" err="1" smtClean="0"/>
+              <a:rPr lang="en-US" altLang="ko-KR" spc="-150" dirty="0" err="1" smtClean="0">
+                <a:latin typeface="Consolas" panose="020B0609020204030204" pitchFamily="49" charset="0"/>
+              </a:rPr>
               <a:t>num_friends</a:t>
             </a:r>
             <a:r>
-              <a:rPr lang="en-US" altLang="ko-KR" dirty="0" smtClean="0"/>
+              <a:rPr lang="en-US" altLang="ko-KR" spc="-150" dirty="0" smtClean="0">
+                <a:latin typeface="Consolas" panose="020B0609020204030204" pitchFamily="49" charset="0"/>
+              </a:rPr>
               <a:t>)    # 100</a:t>
             </a:r>
           </a:p>
           <a:p>
             <a:r>
-              <a:rPr lang="en-US" altLang="ko-KR" dirty="0" err="1" smtClean="0"/>
+              <a:rPr lang="en-US" altLang="ko-KR" spc="-150" dirty="0" err="1" smtClean="0">
+                <a:latin typeface="Consolas" panose="020B0609020204030204" pitchFamily="49" charset="0"/>
+              </a:rPr>
               <a:t>smallest_value</a:t>
             </a:r>
             <a:r>
-              <a:rPr lang="en-US" altLang="ko-KR" dirty="0" smtClean="0"/>
+              <a:rPr lang="en-US" altLang="ko-KR" spc="-150" dirty="0" smtClean="0">
+                <a:latin typeface="Consolas" panose="020B0609020204030204" pitchFamily="49" charset="0"/>
+              </a:rPr>
               <a:t> = min(</a:t>
             </a:r>
             <a:r>
-              <a:rPr lang="en-US" altLang="ko-KR" dirty="0" err="1" smtClean="0"/>
+              <a:rPr lang="en-US" altLang="ko-KR" spc="-150" dirty="0" err="1" smtClean="0">
+                <a:latin typeface="Consolas" panose="020B0609020204030204" pitchFamily="49" charset="0"/>
+              </a:rPr>
               <a:t>num_friends</a:t>
             </a:r>
             <a:r>
-              <a:rPr lang="en-US" altLang="ko-KR" dirty="0" smtClean="0"/>
+              <a:rPr lang="en-US" altLang="ko-KR" spc="-150" dirty="0" smtClean="0">
+                <a:latin typeface="Consolas" panose="020B0609020204030204" pitchFamily="49" charset="0"/>
+              </a:rPr>
               <a:t>)  #1</a:t>
             </a:r>
           </a:p>
           <a:p>
             <a:r>
-              <a:rPr lang="en-US" altLang="ko-KR" dirty="0" err="1" smtClean="0"/>
+              <a:rPr lang="en-US" altLang="ko-KR" spc="-150" dirty="0" err="1" smtClean="0">
+                <a:latin typeface="Consolas" panose="020B0609020204030204" pitchFamily="49" charset="0"/>
+              </a:rPr>
               <a:t>sorted_vaule</a:t>
             </a:r>
             <a:r>
-              <a:rPr lang="en-US" altLang="ko-KR" dirty="0" smtClean="0"/>
+              <a:rPr lang="en-US" altLang="ko-KR" spc="-150" dirty="0" smtClean="0">
+                <a:latin typeface="Consolas" panose="020B0609020204030204" pitchFamily="49" charset="0"/>
+              </a:rPr>
               <a:t> = sorted(</a:t>
             </a:r>
             <a:r>
-              <a:rPr lang="en-US" altLang="ko-KR" dirty="0" err="1" smtClean="0"/>
+              <a:rPr lang="en-US" altLang="ko-KR" spc="-150" dirty="0" err="1" smtClean="0">
+                <a:latin typeface="Consolas" panose="020B0609020204030204" pitchFamily="49" charset="0"/>
+              </a:rPr>
               <a:t>num_friends</a:t>
             </a:r>
             <a:r>
-              <a:rPr lang="en-US" altLang="ko-KR" dirty="0" smtClean="0"/>
+              <a:rPr lang="en-US" altLang="ko-KR" spc="-150" dirty="0" smtClean="0">
+                <a:latin typeface="Consolas" panose="020B0609020204030204" pitchFamily="49" charset="0"/>
+              </a:rPr>
               <a:t>) </a:t>
             </a:r>
           </a:p>
           <a:p>
             <a:r>
-              <a:rPr lang="en-US" altLang="ko-KR" dirty="0" err="1" smtClean="0"/>
+              <a:rPr lang="en-US" altLang="ko-KR" spc="-150" dirty="0" err="1" smtClean="0">
+                <a:latin typeface="Consolas" panose="020B0609020204030204" pitchFamily="49" charset="0"/>
+              </a:rPr>
               <a:t>smallest_value</a:t>
             </a:r>
             <a:r>
-              <a:rPr lang="en-US" altLang="ko-KR" dirty="0" smtClean="0"/>
+              <a:rPr lang="en-US" altLang="ko-KR" spc="-150" dirty="0" smtClean="0">
+                <a:latin typeface="Consolas" panose="020B0609020204030204" pitchFamily="49" charset="0"/>
+              </a:rPr>
               <a:t> = </a:t>
             </a:r>
             <a:r>
-              <a:rPr lang="en-US" altLang="ko-KR" dirty="0" err="1" smtClean="0"/>
+              <a:rPr lang="en-US" altLang="ko-KR" spc="-150" dirty="0" err="1" smtClean="0">
+                <a:latin typeface="Consolas" panose="020B0609020204030204" pitchFamily="49" charset="0"/>
+              </a:rPr>
               <a:t>sorted_vaule</a:t>
             </a:r>
             <a:r>
-              <a:rPr lang="en-US" altLang="ko-KR" dirty="0" smtClean="0"/>
+              <a:rPr lang="en-US" altLang="ko-KR" spc="-150" dirty="0" smtClean="0">
+                <a:latin typeface="Consolas" panose="020B0609020204030204" pitchFamily="49" charset="0"/>
+              </a:rPr>
               <a:t>[0]</a:t>
             </a:r>
           </a:p>
           <a:p>
             <a:r>
-              <a:rPr lang="en-US" altLang="ko-KR" dirty="0" err="1" smtClean="0"/>
+              <a:rPr lang="en-US" altLang="ko-KR" spc="-150" dirty="0" err="1" smtClean="0">
+                <a:latin typeface="Consolas" panose="020B0609020204030204" pitchFamily="49" charset="0"/>
+              </a:rPr>
               <a:t>second_smallest_value</a:t>
             </a:r>
             <a:r>
-              <a:rPr lang="en-US" altLang="ko-KR" dirty="0" smtClean="0"/>
+              <a:rPr lang="en-US" altLang="ko-KR" spc="-150" dirty="0" smtClean="0">
+                <a:latin typeface="Consolas" panose="020B0609020204030204" pitchFamily="49" charset="0"/>
+              </a:rPr>
               <a:t> = </a:t>
             </a:r>
             <a:r>
-              <a:rPr lang="en-US" altLang="ko-KR" dirty="0" err="1"/>
+              <a:rPr lang="en-US" altLang="ko-KR" spc="-150" dirty="0" err="1">
+                <a:latin typeface="Consolas" panose="020B0609020204030204" pitchFamily="49" charset="0"/>
+              </a:rPr>
               <a:t>sorted_vaule</a:t>
             </a:r>
             <a:r>
-              <a:rPr lang="en-US" altLang="ko-KR" dirty="0"/>
+              <a:rPr lang="en-US" altLang="ko-KR" spc="-150" dirty="0">
+                <a:latin typeface="Consolas" panose="020B0609020204030204" pitchFamily="49" charset="0"/>
+              </a:rPr>
               <a:t>[1</a:t>
             </a:r>
             <a:r>
-              <a:rPr lang="en-US" altLang="ko-KR" dirty="0" smtClean="0"/>
+              <a:rPr lang="en-US" altLang="ko-KR" spc="-150" dirty="0" smtClean="0">
+                <a:latin typeface="Consolas" panose="020B0609020204030204" pitchFamily="49" charset="0"/>
+              </a:rPr>
               <a:t>]</a:t>
             </a:r>
           </a:p>
           <a:p>
             <a:r>
-              <a:rPr lang="en-US" altLang="ko-KR" dirty="0" err="1" smtClean="0"/>
+              <a:rPr lang="en-US" altLang="ko-KR" spc="-150" dirty="0" err="1" smtClean="0">
+                <a:latin typeface="Consolas" panose="020B0609020204030204" pitchFamily="49" charset="0"/>
+              </a:rPr>
               <a:t>second_largest_value</a:t>
             </a:r>
             <a:r>
-              <a:rPr lang="en-US" altLang="ko-KR" dirty="0" smtClean="0"/>
+              <a:rPr lang="en-US" altLang="ko-KR" spc="-150" dirty="0" smtClean="0">
+                <a:latin typeface="Consolas" panose="020B0609020204030204" pitchFamily="49" charset="0"/>
+              </a:rPr>
               <a:t> = </a:t>
             </a:r>
             <a:r>
-              <a:rPr lang="en-US" altLang="ko-KR" dirty="0" err="1"/>
+              <a:rPr lang="en-US" altLang="ko-KR" spc="-150" dirty="0" err="1">
+                <a:latin typeface="Consolas" panose="020B0609020204030204" pitchFamily="49" charset="0"/>
+              </a:rPr>
               <a:t>sorted_vaule</a:t>
             </a:r>
             <a:r>
-              <a:rPr lang="en-US" altLang="ko-KR" dirty="0"/>
+              <a:rPr lang="en-US" altLang="ko-KR" spc="-150" dirty="0">
+                <a:latin typeface="Consolas" panose="020B0609020204030204" pitchFamily="49" charset="0"/>
+              </a:rPr>
               <a:t>[-</a:t>
             </a:r>
             <a:r>
-              <a:rPr lang="en-US" altLang="ko-KR" dirty="0" smtClean="0"/>
+              <a:rPr lang="en-US" altLang="ko-KR" spc="-150" dirty="0" smtClean="0">
+                <a:latin typeface="Consolas" panose="020B0609020204030204" pitchFamily="49" charset="0"/>
+              </a:rPr>
               <a:t>2]</a:t>
             </a:r>
-            <a:endParaRPr lang="ko-KR" altLang="en-US" dirty="0"/>
+            <a:endParaRPr lang="ko-KR" altLang="en-US" spc="-150" dirty="0">
+              <a:latin typeface="Consolas" panose="020B0609020204030204" pitchFamily="49" charset="0"/>
+            </a:endParaRPr>
           </a:p>
         </p:txBody>
       </p:sp>
@@ -5691,109 +6312,150 @@
           </a:p>
           <a:p>
             <a:r>
-              <a:rPr lang="en-US" altLang="ko-KR" dirty="0" smtClean="0"/>
-              <a:t># this isn't right if you don't from __future__ import division</a:t>
+              <a:rPr lang="en-US" altLang="ko-KR" spc="-150" dirty="0" err="1" smtClean="0">
+                <a:latin typeface="Consolas" panose="020B0609020204030204" pitchFamily="49" charset="0"/>
+              </a:rPr>
+              <a:t>def</a:t>
+            </a:r>
+            <a:r>
+              <a:rPr lang="en-US" altLang="ko-KR" spc="-150" dirty="0" smtClean="0">
+                <a:latin typeface="Consolas" panose="020B0609020204030204" pitchFamily="49" charset="0"/>
+              </a:rPr>
+              <a:t> </a:t>
+            </a:r>
+            <a:r>
+              <a:rPr lang="en-US" altLang="ko-KR" spc="-150" dirty="0" smtClean="0">
+                <a:latin typeface="Consolas" panose="020B0609020204030204" pitchFamily="49" charset="0"/>
+              </a:rPr>
+              <a:t>mean(x):</a:t>
             </a:r>
             <a:br>
-              <a:rPr lang="en-US" altLang="ko-KR" dirty="0" smtClean="0"/>
+              <a:rPr lang="en-US" altLang="ko-KR" spc="-150" dirty="0" smtClean="0">
+                <a:latin typeface="Consolas" panose="020B0609020204030204" pitchFamily="49" charset="0"/>
+              </a:rPr>
             </a:br>
             <a:r>
-              <a:rPr lang="en-US" altLang="ko-KR" dirty="0" err="1" smtClean="0"/>
+              <a:rPr lang="en-US" altLang="ko-KR" spc="-150" dirty="0" smtClean="0">
+                <a:latin typeface="Consolas" panose="020B0609020204030204" pitchFamily="49" charset="0"/>
+              </a:rPr>
+              <a:t>	return sum(x)/</a:t>
+            </a:r>
+            <a:r>
+              <a:rPr lang="en-US" altLang="ko-KR" spc="-150" dirty="0" err="1" smtClean="0">
+                <a:latin typeface="Consolas" panose="020B0609020204030204" pitchFamily="49" charset="0"/>
+              </a:rPr>
+              <a:t>len</a:t>
+            </a:r>
+            <a:r>
+              <a:rPr lang="en-US" altLang="ko-KR" spc="-150" dirty="0" smtClean="0">
+                <a:latin typeface="Consolas" panose="020B0609020204030204" pitchFamily="49" charset="0"/>
+              </a:rPr>
+              <a:t>(x)</a:t>
+            </a:r>
+          </a:p>
+          <a:p>
+            <a:endParaRPr lang="en-US" altLang="ko-KR" spc="-150" dirty="0" smtClean="0">
+              <a:latin typeface="Consolas" panose="020B0609020204030204" pitchFamily="49" charset="0"/>
+            </a:endParaRPr>
+          </a:p>
+          <a:p>
+            <a:r>
+              <a:rPr lang="en-US" altLang="ko-KR" spc="-150" dirty="0" smtClean="0">
+                <a:latin typeface="Consolas" panose="020B0609020204030204" pitchFamily="49" charset="0"/>
+              </a:rPr>
+              <a:t># </a:t>
+            </a:r>
+            <a:r>
+              <a:rPr lang="en-US" altLang="ko-KR" spc="-150" dirty="0" smtClean="0">
+                <a:latin typeface="Consolas" panose="020B0609020204030204" pitchFamily="49" charset="0"/>
+              </a:rPr>
+              <a:t>python 2.x</a:t>
+            </a:r>
+            <a:r>
+              <a:rPr lang="ko-KR" altLang="en-US" spc="-150" dirty="0" smtClean="0">
+                <a:latin typeface="Consolas" panose="020B0609020204030204" pitchFamily="49" charset="0"/>
+              </a:rPr>
+              <a:t>에서</a:t>
+            </a:r>
+            <a:endParaRPr lang="en-US" altLang="ko-KR" spc="-150" dirty="0" smtClean="0">
+              <a:latin typeface="Consolas" panose="020B0609020204030204" pitchFamily="49" charset="0"/>
+            </a:endParaRPr>
+          </a:p>
+          <a:p>
+            <a:r>
+              <a:rPr lang="en-US" altLang="ko-KR" spc="-150" dirty="0" err="1" smtClean="0">
+                <a:latin typeface="Consolas" panose="020B0609020204030204" pitchFamily="49" charset="0"/>
+              </a:rPr>
               <a:t>def</a:t>
             </a:r>
             <a:r>
-              <a:rPr lang="en-US" altLang="ko-KR" dirty="0" smtClean="0"/>
-              <a:t> mean(x):</a:t>
+              <a:rPr lang="en-US" altLang="ko-KR" spc="-150" dirty="0" smtClean="0">
+                <a:latin typeface="Consolas" panose="020B0609020204030204" pitchFamily="49" charset="0"/>
+              </a:rPr>
+              <a:t> </a:t>
+            </a:r>
+            <a:r>
+              <a:rPr lang="en-US" altLang="ko-KR" spc="-150" dirty="0">
+                <a:latin typeface="Consolas" panose="020B0609020204030204" pitchFamily="49" charset="0"/>
+              </a:rPr>
+              <a:t>mean(x):</a:t>
             </a:r>
             <a:br>
-              <a:rPr lang="en-US" altLang="ko-KR" dirty="0" smtClean="0"/>
+              <a:rPr lang="en-US" altLang="ko-KR" spc="-150" dirty="0">
+                <a:latin typeface="Consolas" panose="020B0609020204030204" pitchFamily="49" charset="0"/>
+              </a:rPr>
             </a:br>
             <a:r>
-              <a:rPr lang="en-US" altLang="ko-KR" dirty="0" smtClean="0"/>
-              <a:t>	return sum(x)/</a:t>
-            </a:r>
-            <a:r>
-              <a:rPr lang="en-US" altLang="ko-KR" dirty="0" err="1" smtClean="0"/>
+              <a:rPr lang="en-US" altLang="ko-KR" spc="-150" dirty="0">
+                <a:latin typeface="Consolas" panose="020B0609020204030204" pitchFamily="49" charset="0"/>
+              </a:rPr>
+              <a:t>	return sum(x</a:t>
+            </a:r>
+            <a:r>
+              <a:rPr lang="en-US" altLang="ko-KR" spc="-150" dirty="0" smtClean="0">
+                <a:latin typeface="Consolas" panose="020B0609020204030204" pitchFamily="49" charset="0"/>
+              </a:rPr>
+              <a:t>)/float(</a:t>
+            </a:r>
+            <a:r>
+              <a:rPr lang="en-US" altLang="ko-KR" spc="-150" dirty="0" err="1" smtClean="0">
+                <a:latin typeface="Consolas" panose="020B0609020204030204" pitchFamily="49" charset="0"/>
+              </a:rPr>
               <a:t>len</a:t>
             </a:r>
             <a:r>
-              <a:rPr lang="en-US" altLang="ko-KR" dirty="0" smtClean="0"/>
-              <a:t>(x)</a:t>
-            </a:r>
+              <a:rPr lang="en-US" altLang="ko-KR" spc="-150" dirty="0" smtClean="0">
+                <a:latin typeface="Consolas" panose="020B0609020204030204" pitchFamily="49" charset="0"/>
+              </a:rPr>
+              <a:t>(x))</a:t>
+            </a:r>
+            <a:endParaRPr lang="en-US" altLang="ko-KR" spc="-150" dirty="0">
+              <a:latin typeface="Consolas" panose="020B0609020204030204" pitchFamily="49" charset="0"/>
+            </a:endParaRPr>
+          </a:p>
+          <a:p>
+            <a:endParaRPr lang="en-US" altLang="ko-KR" dirty="0"/>
           </a:p>
           <a:p>
             <a:endParaRPr lang="en-US" altLang="ko-KR" dirty="0" smtClean="0"/>
           </a:p>
           <a:p>
             <a:r>
-              <a:rPr lang="en-US" altLang="ko-KR" dirty="0" smtClean="0"/>
-              <a:t># </a:t>
-            </a:r>
-            <a:r>
-              <a:rPr lang="en-US" altLang="ko-KR" dirty="0"/>
-              <a:t>from __future__ import </a:t>
-            </a:r>
-            <a:r>
-              <a:rPr lang="en-US" altLang="ko-KR" dirty="0" smtClean="0"/>
-              <a:t>division</a:t>
-            </a:r>
-            <a:r>
-              <a:rPr lang="ko-KR" altLang="en-US" dirty="0" smtClean="0"/>
-              <a:t>을 하지 않을 경우</a:t>
-            </a:r>
-            <a:r>
-              <a:rPr lang="en-US" altLang="ko-KR" dirty="0"/>
-              <a:t/>
-            </a:r>
-            <a:br>
-              <a:rPr lang="en-US" altLang="ko-KR" dirty="0"/>
-            </a:br>
-            <a:r>
-              <a:rPr lang="en-US" altLang="ko-KR" dirty="0" err="1"/>
-              <a:t>def</a:t>
-            </a:r>
-            <a:r>
-              <a:rPr lang="en-US" altLang="ko-KR" dirty="0"/>
-              <a:t> mean(x):</a:t>
-            </a:r>
-            <a:br>
-              <a:rPr lang="en-US" altLang="ko-KR" dirty="0"/>
-            </a:br>
-            <a:r>
-              <a:rPr lang="en-US" altLang="ko-KR" dirty="0"/>
-              <a:t>	return sum(x</a:t>
-            </a:r>
-            <a:r>
-              <a:rPr lang="en-US" altLang="ko-KR" dirty="0" smtClean="0"/>
-              <a:t>)/float(</a:t>
-            </a:r>
-            <a:r>
-              <a:rPr lang="en-US" altLang="ko-KR" dirty="0" err="1" smtClean="0"/>
-              <a:t>len</a:t>
-            </a:r>
-            <a:r>
-              <a:rPr lang="en-US" altLang="ko-KR" dirty="0" smtClean="0"/>
-              <a:t>(x))</a:t>
-            </a:r>
-            <a:endParaRPr lang="en-US" altLang="ko-KR" dirty="0"/>
-          </a:p>
-          <a:p>
-            <a:endParaRPr lang="en-US" altLang="ko-KR" dirty="0"/>
-          </a:p>
-          <a:p>
-            <a:endParaRPr lang="en-US" altLang="ko-KR" dirty="0" smtClean="0"/>
-          </a:p>
-          <a:p>
-            <a:r>
-              <a:rPr lang="en-US" altLang="ko-KR" dirty="0" smtClean="0"/>
+              <a:rPr lang="en-US" altLang="ko-KR" spc="-150" dirty="0" smtClean="0">
+                <a:latin typeface="Consolas" panose="020B0609020204030204" pitchFamily="49" charset="0"/>
+              </a:rPr>
               <a:t>mean(</a:t>
             </a:r>
             <a:r>
-              <a:rPr lang="en-US" altLang="ko-KR" dirty="0" err="1" smtClean="0"/>
+              <a:rPr lang="en-US" altLang="ko-KR" spc="-150" dirty="0" err="1" smtClean="0">
+                <a:latin typeface="Consolas" panose="020B0609020204030204" pitchFamily="49" charset="0"/>
+              </a:rPr>
               <a:t>num_friends</a:t>
             </a:r>
             <a:r>
-              <a:rPr lang="en-US" altLang="ko-KR" dirty="0" smtClean="0"/>
+              <a:rPr lang="en-US" altLang="ko-KR" spc="-150" dirty="0" smtClean="0">
+                <a:latin typeface="Consolas" panose="020B0609020204030204" pitchFamily="49" charset="0"/>
+              </a:rPr>
               <a:t>)    #7.333333</a:t>
             </a:r>
           </a:p>
@@ -5878,279 +6540,417 @@
           <a:lstStyle/>
           <a:p>
             <a:r>
-              <a:rPr lang="en-US" altLang="ko-KR" dirty="0" err="1"/>
+              <a:rPr lang="en-US" altLang="ko-KR" spc="-150" dirty="0" err="1">
+                <a:latin typeface="Consolas" panose="020B0609020204030204" pitchFamily="49" charset="0"/>
+              </a:rPr>
               <a:t>def</a:t>
             </a:r>
             <a:r>
-              <a:rPr lang="en-US" altLang="ko-KR" dirty="0"/>
+              <a:rPr lang="en-US" altLang="ko-KR" spc="-150" dirty="0">
+                <a:latin typeface="Consolas" panose="020B0609020204030204" pitchFamily="49" charset="0"/>
+              </a:rPr>
               <a:t> median(v</a:t>
             </a:r>
             <a:r>
-              <a:rPr lang="en-US" altLang="ko-KR" dirty="0" smtClean="0"/>
+              <a:rPr lang="en-US" altLang="ko-KR" spc="-150" dirty="0" smtClean="0">
+                <a:latin typeface="Consolas" panose="020B0609020204030204" pitchFamily="49" charset="0"/>
+              </a:rPr>
               <a:t>):</a:t>
             </a:r>
             <a:br>
-              <a:rPr lang="en-US" altLang="ko-KR" dirty="0" smtClean="0"/>
+              <a:rPr lang="en-US" altLang="ko-KR" spc="-150" dirty="0" smtClean="0">
+                <a:latin typeface="Consolas" panose="020B0609020204030204" pitchFamily="49" charset="0"/>
+              </a:rPr>
             </a:br>
             <a:r>
-              <a:rPr lang="en-US" altLang="ko-KR" dirty="0" smtClean="0"/>
+              <a:rPr lang="en-US" altLang="ko-KR" spc="-150" dirty="0" smtClean="0">
+                <a:latin typeface="Consolas" panose="020B0609020204030204" pitchFamily="49" charset="0"/>
+              </a:rPr>
               <a:t>"""</a:t>
             </a:r>
             <a:r>
-              <a:rPr lang="en-US" altLang="ko-KR" dirty="0"/>
+              <a:rPr lang="en-US" altLang="ko-KR" spc="-150" dirty="0">
+                <a:latin typeface="Consolas" panose="020B0609020204030204" pitchFamily="49" charset="0"/>
+              </a:rPr>
               <a:t>finds the 'middle-most' value of v</a:t>
             </a:r>
             <a:r>
-              <a:rPr lang="en-US" altLang="ko-KR" dirty="0" smtClean="0"/>
+              <a:rPr lang="en-US" altLang="ko-KR" spc="-150" dirty="0" smtClean="0">
+                <a:latin typeface="Consolas" panose="020B0609020204030204" pitchFamily="49" charset="0"/>
+              </a:rPr>
               <a:t>"""</a:t>
             </a:r>
             <a:br>
-              <a:rPr lang="en-US" altLang="ko-KR" dirty="0" smtClean="0"/>
+              <a:rPr lang="en-US" altLang="ko-KR" spc="-150" dirty="0" smtClean="0">
+                <a:latin typeface="Consolas" panose="020B0609020204030204" pitchFamily="49" charset="0"/>
+              </a:rPr>
             </a:br>
             <a:r>
-              <a:rPr lang="en-US" altLang="ko-KR" dirty="0" smtClean="0"/>
+              <a:rPr lang="en-US" altLang="ko-KR" spc="-150" dirty="0" smtClean="0">
+                <a:latin typeface="Consolas" panose="020B0609020204030204" pitchFamily="49" charset="0"/>
+              </a:rPr>
               <a:t>    </a:t>
             </a:r>
             <a:r>
-              <a:rPr lang="en-US" altLang="ko-KR" dirty="0"/>
+              <a:rPr lang="en-US" altLang="ko-KR" spc="-150" dirty="0">
+                <a:latin typeface="Consolas" panose="020B0609020204030204" pitchFamily="49" charset="0"/>
+              </a:rPr>
               <a:t>n = </a:t>
             </a:r>
             <a:r>
-              <a:rPr lang="en-US" altLang="ko-KR" dirty="0" err="1"/>
+              <a:rPr lang="en-US" altLang="ko-KR" spc="-150" dirty="0" err="1">
+                <a:latin typeface="Consolas" panose="020B0609020204030204" pitchFamily="49" charset="0"/>
+              </a:rPr>
               <a:t>len</a:t>
             </a:r>
             <a:r>
-              <a:rPr lang="en-US" altLang="ko-KR" dirty="0"/>
+              <a:rPr lang="en-US" altLang="ko-KR" spc="-150" dirty="0">
+                <a:latin typeface="Consolas" panose="020B0609020204030204" pitchFamily="49" charset="0"/>
+              </a:rPr>
               <a:t>(v</a:t>
             </a:r>
             <a:r>
-              <a:rPr lang="en-US" altLang="ko-KR" dirty="0" smtClean="0"/>
+              <a:rPr lang="en-US" altLang="ko-KR" spc="-150" dirty="0" smtClean="0">
+                <a:latin typeface="Consolas" panose="020B0609020204030204" pitchFamily="49" charset="0"/>
+              </a:rPr>
               <a:t>)</a:t>
             </a:r>
             <a:br>
-              <a:rPr lang="en-US" altLang="ko-KR" dirty="0" smtClean="0"/>
+              <a:rPr lang="en-US" altLang="ko-KR" spc="-150" dirty="0" smtClean="0">
+                <a:latin typeface="Consolas" panose="020B0609020204030204" pitchFamily="49" charset="0"/>
+              </a:rPr>
             </a:br>
             <a:r>
-              <a:rPr lang="en-US" altLang="ko-KR" dirty="0" smtClean="0"/>
+              <a:rPr lang="en-US" altLang="ko-KR" spc="-150" dirty="0" smtClean="0">
+                <a:latin typeface="Consolas" panose="020B0609020204030204" pitchFamily="49" charset="0"/>
+              </a:rPr>
               <a:t>    </a:t>
             </a:r>
             <a:r>
-              <a:rPr lang="en-US" altLang="ko-KR" dirty="0" err="1"/>
+              <a:rPr lang="en-US" altLang="ko-KR" spc="-150" dirty="0" err="1">
+                <a:latin typeface="Consolas" panose="020B0609020204030204" pitchFamily="49" charset="0"/>
+              </a:rPr>
               <a:t>sorted_v</a:t>
             </a:r>
             <a:r>
-              <a:rPr lang="en-US" altLang="ko-KR" dirty="0"/>
+              <a:rPr lang="en-US" altLang="ko-KR" spc="-150" dirty="0">
+                <a:latin typeface="Consolas" panose="020B0609020204030204" pitchFamily="49" charset="0"/>
+              </a:rPr>
               <a:t> = sorted(v</a:t>
             </a:r>
             <a:r>
-              <a:rPr lang="en-US" altLang="ko-KR" dirty="0" smtClean="0"/>
+              <a:rPr lang="en-US" altLang="ko-KR" spc="-150" dirty="0" smtClean="0">
+                <a:latin typeface="Consolas" panose="020B0609020204030204" pitchFamily="49" charset="0"/>
+              </a:rPr>
               <a:t>)</a:t>
             </a:r>
             <a:br>
-              <a:rPr lang="en-US" altLang="ko-KR" dirty="0" smtClean="0"/>
+              <a:rPr lang="en-US" altLang="ko-KR" spc="-150" dirty="0" smtClean="0">
+                <a:latin typeface="Consolas" panose="020B0609020204030204" pitchFamily="49" charset="0"/>
+              </a:rPr>
             </a:br>
             <a:r>
-              <a:rPr lang="en-US" altLang="ko-KR" dirty="0" smtClean="0"/>
+              <a:rPr lang="en-US" altLang="ko-KR" spc="-150" dirty="0" smtClean="0">
+                <a:latin typeface="Consolas" panose="020B0609020204030204" pitchFamily="49" charset="0"/>
+              </a:rPr>
               <a:t>    </a:t>
             </a:r>
             <a:r>
-              <a:rPr lang="en-US" altLang="ko-KR" dirty="0"/>
+              <a:rPr lang="en-US" altLang="ko-KR" spc="-150" dirty="0">
+                <a:latin typeface="Consolas" panose="020B0609020204030204" pitchFamily="49" charset="0"/>
+              </a:rPr>
               <a:t>midpoint = n // </a:t>
             </a:r>
             <a:r>
-              <a:rPr lang="en-US" altLang="ko-KR" dirty="0" smtClean="0"/>
+              <a:rPr lang="en-US" altLang="ko-KR" spc="-150" dirty="0" smtClean="0">
+                <a:latin typeface="Consolas" panose="020B0609020204030204" pitchFamily="49" charset="0"/>
+              </a:rPr>
               <a:t>2</a:t>
             </a:r>
             <a:br>
-              <a:rPr lang="en-US" altLang="ko-KR" dirty="0" smtClean="0"/>
+              <a:rPr lang="en-US" altLang="ko-KR" spc="-150" dirty="0" smtClean="0">
+                <a:latin typeface="Consolas" panose="020B0609020204030204" pitchFamily="49" charset="0"/>
+              </a:rPr>
             </a:br>
             <a:r>
-              <a:rPr lang="en-US" altLang="ko-KR" dirty="0" smtClean="0"/>
+              <a:rPr lang="en-US" altLang="ko-KR" spc="-150" dirty="0" smtClean="0">
+                <a:latin typeface="Consolas" panose="020B0609020204030204" pitchFamily="49" charset="0"/>
+              </a:rPr>
               <a:t>    </a:t>
             </a:r>
             <a:br>
-              <a:rPr lang="en-US" altLang="ko-KR" dirty="0" smtClean="0"/>
+              <a:rPr lang="en-US" altLang="ko-KR" spc="-150" dirty="0" smtClean="0">
+                <a:latin typeface="Consolas" panose="020B0609020204030204" pitchFamily="49" charset="0"/>
+              </a:rPr>
             </a:br>
             <a:r>
-              <a:rPr lang="en-US" altLang="ko-KR" dirty="0" smtClean="0"/>
+              <a:rPr lang="en-US" altLang="ko-KR" spc="-150" dirty="0" smtClean="0">
+                <a:latin typeface="Consolas" panose="020B0609020204030204" pitchFamily="49" charset="0"/>
+              </a:rPr>
               <a:t>    </a:t>
             </a:r>
             <a:r>
-              <a:rPr lang="en-US" altLang="ko-KR" dirty="0"/>
+              <a:rPr lang="en-US" altLang="ko-KR" spc="-150" dirty="0">
+                <a:latin typeface="Consolas" panose="020B0609020204030204" pitchFamily="49" charset="0"/>
+              </a:rPr>
               <a:t>if n % 2 == 1</a:t>
             </a:r>
             <a:r>
-              <a:rPr lang="en-US" altLang="ko-KR" dirty="0" smtClean="0"/>
+              <a:rPr lang="en-US" altLang="ko-KR" spc="-150" dirty="0" smtClean="0">
+                <a:latin typeface="Consolas" panose="020B0609020204030204" pitchFamily="49" charset="0"/>
+              </a:rPr>
               <a:t>:</a:t>
             </a:r>
             <a:br>
-              <a:rPr lang="en-US" altLang="ko-KR" dirty="0" smtClean="0"/>
+              <a:rPr lang="en-US" altLang="ko-KR" spc="-150" dirty="0" smtClean="0">
+                <a:latin typeface="Consolas" panose="020B0609020204030204" pitchFamily="49" charset="0"/>
+              </a:rPr>
             </a:br>
             <a:r>
-              <a:rPr lang="en-US" altLang="ko-KR" dirty="0" smtClean="0"/>
+              <a:rPr lang="en-US" altLang="ko-KR" spc="-150" dirty="0" smtClean="0">
+                <a:latin typeface="Consolas" panose="020B0609020204030204" pitchFamily="49" charset="0"/>
+              </a:rPr>
               <a:t>        </a:t>
             </a:r>
             <a:r>
-              <a:rPr lang="en-US" altLang="ko-KR" dirty="0"/>
+              <a:rPr lang="en-US" altLang="ko-KR" spc="-150" dirty="0">
+                <a:latin typeface="Consolas" panose="020B0609020204030204" pitchFamily="49" charset="0"/>
+              </a:rPr>
               <a:t># if </a:t>
             </a:r>
             <a:r>
-              <a:rPr lang="en-US" altLang="ko-KR" dirty="0">
+              <a:rPr lang="en-US" altLang="ko-KR" spc="-150" dirty="0">
                 <a:solidFill>
                   <a:schemeClr val="accent5"/>
                 </a:solidFill>
+                <a:latin typeface="Consolas" panose="020B0609020204030204" pitchFamily="49" charset="0"/>
               </a:rPr>
               <a:t>odd</a:t>
             </a:r>
             <a:r>
-              <a:rPr lang="en-US" altLang="ko-KR" dirty="0"/>
+              <a:rPr lang="en-US" altLang="ko-KR" spc="-150" dirty="0">
+                <a:latin typeface="Consolas" panose="020B0609020204030204" pitchFamily="49" charset="0"/>
+              </a:rPr>
               <a:t>, return the middle </a:t>
             </a:r>
             <a:r>
-              <a:rPr lang="en-US" altLang="ko-KR" dirty="0" smtClean="0"/>
+              <a:rPr lang="en-US" altLang="ko-KR" spc="-150" dirty="0" smtClean="0">
+                <a:latin typeface="Consolas" panose="020B0609020204030204" pitchFamily="49" charset="0"/>
+              </a:rPr>
               <a:t>value</a:t>
             </a:r>
             <a:br>
-              <a:rPr lang="en-US" altLang="ko-KR" dirty="0" smtClean="0"/>
+              <a:rPr lang="en-US" altLang="ko-KR" spc="-150" dirty="0" smtClean="0">
+                <a:latin typeface="Consolas" panose="020B0609020204030204" pitchFamily="49" charset="0"/>
+              </a:rPr>
             </a:br>
             <a:r>
-              <a:rPr lang="en-US" altLang="ko-KR" dirty="0" smtClean="0"/>
+              <a:rPr lang="en-US" altLang="ko-KR" spc="-150" dirty="0" smtClean="0">
+                <a:latin typeface="Consolas" panose="020B0609020204030204" pitchFamily="49" charset="0"/>
+              </a:rPr>
               <a:t>        </a:t>
             </a:r>
             <a:r>
-              <a:rPr lang="en-US" altLang="ko-KR" dirty="0"/>
+              <a:rPr lang="en-US" altLang="ko-KR" spc="-150" dirty="0">
+                <a:latin typeface="Consolas" panose="020B0609020204030204" pitchFamily="49" charset="0"/>
+              </a:rPr>
               <a:t>return </a:t>
             </a:r>
             <a:r>
-              <a:rPr lang="en-US" altLang="ko-KR" dirty="0" err="1"/>
+              <a:rPr lang="en-US" altLang="ko-KR" spc="-150" dirty="0" err="1">
+                <a:latin typeface="Consolas" panose="020B0609020204030204" pitchFamily="49" charset="0"/>
+              </a:rPr>
               <a:t>sorted_v</a:t>
             </a:r>
             <a:r>
-              <a:rPr lang="en-US" altLang="ko-KR" dirty="0"/>
+              <a:rPr lang="en-US" altLang="ko-KR" spc="-150" dirty="0">
+                <a:latin typeface="Consolas" panose="020B0609020204030204" pitchFamily="49" charset="0"/>
+              </a:rPr>
               <a:t>[midpoint</a:t>
             </a:r>
             <a:r>
-              <a:rPr lang="en-US" altLang="ko-KR" dirty="0" smtClean="0"/>
+              <a:rPr lang="en-US" altLang="ko-KR" spc="-150" dirty="0" smtClean="0">
+                <a:latin typeface="Consolas" panose="020B0609020204030204" pitchFamily="49" charset="0"/>
+              </a:rPr>
               <a:t>]</a:t>
             </a:r>
             <a:br>
-              <a:rPr lang="en-US" altLang="ko-KR" dirty="0" smtClean="0"/>
+              <a:rPr lang="en-US" altLang="ko-KR" spc="-150" dirty="0" smtClean="0">
+                <a:latin typeface="Consolas" panose="020B0609020204030204" pitchFamily="49" charset="0"/>
+              </a:rPr>
             </a:br>
             <a:r>
-              <a:rPr lang="en-US" altLang="ko-KR" dirty="0" smtClean="0"/>
+              <a:rPr lang="en-US" altLang="ko-KR" spc="-150" dirty="0" smtClean="0">
+                <a:latin typeface="Consolas" panose="020B0609020204030204" pitchFamily="49" charset="0"/>
+              </a:rPr>
               <a:t>    </a:t>
             </a:r>
             <a:r>
-              <a:rPr lang="en-US" altLang="ko-KR" dirty="0"/>
+              <a:rPr lang="en-US" altLang="ko-KR" spc="-150" dirty="0">
+                <a:latin typeface="Consolas" panose="020B0609020204030204" pitchFamily="49" charset="0"/>
+              </a:rPr>
               <a:t>else</a:t>
             </a:r>
             <a:r>
-              <a:rPr lang="en-US" altLang="ko-KR" dirty="0" smtClean="0"/>
+              <a:rPr lang="en-US" altLang="ko-KR" spc="-150" dirty="0" smtClean="0">
+                <a:latin typeface="Consolas" panose="020B0609020204030204" pitchFamily="49" charset="0"/>
+              </a:rPr>
               <a:t>:</a:t>
             </a:r>
             <a:br>
-              <a:rPr lang="en-US" altLang="ko-KR" dirty="0" smtClean="0"/>
+              <a:rPr lang="en-US" altLang="ko-KR" spc="-150" dirty="0" smtClean="0">
+                <a:latin typeface="Consolas" panose="020B0609020204030204" pitchFamily="49" charset="0"/>
+              </a:rPr>
             </a:br>
             <a:r>
-              <a:rPr lang="en-US" altLang="ko-KR" dirty="0" smtClean="0"/>
+              <a:rPr lang="en-US" altLang="ko-KR" spc="-150" dirty="0" smtClean="0">
+                <a:latin typeface="Consolas" panose="020B0609020204030204" pitchFamily="49" charset="0"/>
+              </a:rPr>
               <a:t>        </a:t>
             </a:r>
             <a:r>
-              <a:rPr lang="en-US" altLang="ko-KR" dirty="0"/>
+              <a:rPr lang="en-US" altLang="ko-KR" spc="-150" dirty="0">
+                <a:latin typeface="Consolas" panose="020B0609020204030204" pitchFamily="49" charset="0"/>
+              </a:rPr>
               <a:t># if </a:t>
             </a:r>
             <a:r>
-              <a:rPr lang="en-US" altLang="ko-KR" dirty="0">
+              <a:rPr lang="en-US" altLang="ko-KR" spc="-150" dirty="0">
                 <a:solidFill>
                   <a:schemeClr val="accent5"/>
                 </a:solidFill>
+                <a:latin typeface="Consolas" panose="020B0609020204030204" pitchFamily="49" charset="0"/>
               </a:rPr>
               <a:t>even</a:t>
             </a:r>
             <a:r>
-              <a:rPr lang="en-US" altLang="ko-KR" dirty="0"/>
+              <a:rPr lang="en-US" altLang="ko-KR" spc="-150" dirty="0">
+                <a:latin typeface="Consolas" panose="020B0609020204030204" pitchFamily="49" charset="0"/>
+              </a:rPr>
               <a:t>, return the average of the middle </a:t>
             </a:r>
             <a:r>
-              <a:rPr lang="en-US" altLang="ko-KR" dirty="0" smtClean="0"/>
+              <a:rPr lang="en-US" altLang="ko-KR" spc="-150" dirty="0" smtClean="0">
+                <a:latin typeface="Consolas" panose="020B0609020204030204" pitchFamily="49" charset="0"/>
+              </a:rPr>
               <a:t>values</a:t>
             </a:r>
             <a:br>
-              <a:rPr lang="en-US" altLang="ko-KR" dirty="0" smtClean="0"/>
+              <a:rPr lang="en-US" altLang="ko-KR" spc="-150" dirty="0" smtClean="0">
+                <a:latin typeface="Consolas" panose="020B0609020204030204" pitchFamily="49" charset="0"/>
+              </a:rPr>
             </a:br>
             <a:r>
-              <a:rPr lang="en-US" altLang="ko-KR" dirty="0" smtClean="0"/>
+              <a:rPr lang="en-US" altLang="ko-KR" spc="-150" dirty="0" smtClean="0">
+                <a:latin typeface="Consolas" panose="020B0609020204030204" pitchFamily="49" charset="0"/>
+              </a:rPr>
               <a:t>        </a:t>
             </a:r>
             <a:r>
-              <a:rPr lang="en-US" altLang="ko-KR" dirty="0"/>
+              <a:rPr lang="en-US" altLang="ko-KR" spc="-150" dirty="0">
+                <a:latin typeface="Consolas" panose="020B0609020204030204" pitchFamily="49" charset="0"/>
+              </a:rPr>
               <a:t>lo = midpoint </a:t>
             </a:r>
             <a:r>
-              <a:rPr lang="en-US" altLang="ko-KR" dirty="0" smtClean="0"/>
+              <a:rPr lang="en-US" altLang="ko-KR" spc="-150" dirty="0" smtClean="0">
+                <a:latin typeface="Consolas" panose="020B0609020204030204" pitchFamily="49" charset="0"/>
+              </a:rPr>
               <a:t>– 1</a:t>
             </a:r>
             <a:br>
-              <a:rPr lang="en-US" altLang="ko-KR" dirty="0" smtClean="0"/>
+              <a:rPr lang="en-US" altLang="ko-KR" spc="-150" dirty="0" smtClean="0">
+                <a:latin typeface="Consolas" panose="020B0609020204030204" pitchFamily="49" charset="0"/>
+              </a:rPr>
             </a:br>
             <a:r>
-              <a:rPr lang="en-US" altLang="ko-KR" dirty="0" smtClean="0"/>
+              <a:rPr lang="en-US" altLang="ko-KR" spc="-150" dirty="0" smtClean="0">
+                <a:latin typeface="Consolas" panose="020B0609020204030204" pitchFamily="49" charset="0"/>
+              </a:rPr>
               <a:t>        </a:t>
             </a:r>
             <a:r>
-              <a:rPr lang="en-US" altLang="ko-KR" dirty="0"/>
+              <a:rPr lang="en-US" altLang="ko-KR" spc="-150" dirty="0">
+                <a:latin typeface="Consolas" panose="020B0609020204030204" pitchFamily="49" charset="0"/>
+              </a:rPr>
               <a:t>hi = </a:t>
             </a:r>
             <a:r>
-              <a:rPr lang="en-US" altLang="ko-KR" dirty="0" smtClean="0"/>
+              <a:rPr lang="en-US" altLang="ko-KR" spc="-150" dirty="0" smtClean="0">
+                <a:latin typeface="Consolas" panose="020B0609020204030204" pitchFamily="49" charset="0"/>
+              </a:rPr>
               <a:t>midpoint</a:t>
             </a:r>
             <a:br>
-              <a:rPr lang="en-US" altLang="ko-KR" dirty="0" smtClean="0"/>
+              <a:rPr lang="en-US" altLang="ko-KR" spc="-150" dirty="0" smtClean="0">
+                <a:latin typeface="Consolas" panose="020B0609020204030204" pitchFamily="49" charset="0"/>
+              </a:rPr>
             </a:br>
             <a:r>
-              <a:rPr lang="en-US" altLang="ko-KR" dirty="0" smtClean="0"/>
+              <a:rPr lang="en-US" altLang="ko-KR" spc="-150" dirty="0" smtClean="0">
+                <a:latin typeface="Consolas" panose="020B0609020204030204" pitchFamily="49" charset="0"/>
+              </a:rPr>
               <a:t>        </a:t>
             </a:r>
             <a:r>
-              <a:rPr lang="en-US" altLang="ko-KR" dirty="0"/>
+              <a:rPr lang="en-US" altLang="ko-KR" spc="-150" dirty="0">
+                <a:latin typeface="Consolas" panose="020B0609020204030204" pitchFamily="49" charset="0"/>
+              </a:rPr>
               <a:t>return (</a:t>
             </a:r>
             <a:r>
-              <a:rPr lang="en-US" altLang="ko-KR" dirty="0" err="1"/>
+              <a:rPr lang="en-US" altLang="ko-KR" spc="-150" dirty="0" err="1">
+                <a:latin typeface="Consolas" panose="020B0609020204030204" pitchFamily="49" charset="0"/>
+              </a:rPr>
               <a:t>sorted_v</a:t>
             </a:r>
             <a:r>
-              <a:rPr lang="en-US" altLang="ko-KR" dirty="0"/>
+              <a:rPr lang="en-US" altLang="ko-KR" spc="-150" dirty="0">
+                <a:latin typeface="Consolas" panose="020B0609020204030204" pitchFamily="49" charset="0"/>
+              </a:rPr>
               <a:t>[lo] + </a:t>
             </a:r>
             <a:r>
-              <a:rPr lang="en-US" altLang="ko-KR" dirty="0" err="1"/>
+              <a:rPr lang="en-US" altLang="ko-KR" spc="-150" dirty="0" err="1">
+                <a:latin typeface="Consolas" panose="020B0609020204030204" pitchFamily="49" charset="0"/>
+              </a:rPr>
               <a:t>sorted_v</a:t>
             </a:r>
             <a:r>
-              <a:rPr lang="en-US" altLang="ko-KR" dirty="0"/>
+              <a:rPr lang="en-US" altLang="ko-KR" spc="-150" dirty="0">
+                <a:latin typeface="Consolas" panose="020B0609020204030204" pitchFamily="49" charset="0"/>
+              </a:rPr>
               <a:t>[hi]) / </a:t>
             </a:r>
             <a:r>
-              <a:rPr lang="en-US" altLang="ko-KR" dirty="0" smtClean="0"/>
+              <a:rPr lang="en-US" altLang="ko-KR" spc="-150" dirty="0" smtClean="0">
+                <a:latin typeface="Consolas" panose="020B0609020204030204" pitchFamily="49" charset="0"/>
+              </a:rPr>
               <a:t>2</a:t>
             </a:r>
           </a:p>
           <a:p>
             <a:r>
-              <a:rPr lang="en-US" altLang="ko-KR" dirty="0" smtClean="0"/>
+              <a:rPr lang="en-US" altLang="ko-KR" spc="-150" dirty="0" smtClean="0">
+                <a:latin typeface="Consolas" panose="020B0609020204030204" pitchFamily="49" charset="0"/>
+              </a:rPr>
               <a:t>median(</a:t>
             </a:r>
             <a:r>
-              <a:rPr lang="en-US" altLang="ko-KR" dirty="0" err="1" smtClean="0"/>
+              <a:rPr lang="en-US" altLang="ko-KR" spc="-150" dirty="0" err="1" smtClean="0">
+                <a:latin typeface="Consolas" panose="020B0609020204030204" pitchFamily="49" charset="0"/>
+              </a:rPr>
               <a:t>num_friends</a:t>
             </a:r>
             <a:r>
-              <a:rPr lang="en-US" altLang="ko-KR" dirty="0" smtClean="0"/>
+              <a:rPr lang="en-US" altLang="ko-KR" spc="-150" dirty="0" smtClean="0">
+                <a:latin typeface="Consolas" panose="020B0609020204030204" pitchFamily="49" charset="0"/>
+              </a:rPr>
               <a:t>)     #6.0</a:t>
             </a:r>
-            <a:endParaRPr lang="ko-KR" altLang="en-US" dirty="0"/>
+            <a:endParaRPr lang="ko-KR" altLang="en-US" spc="-150" dirty="0">
+              <a:latin typeface="Consolas" panose="020B0609020204030204" pitchFamily="49" charset="0"/>
+            </a:endParaRPr>
           </a:p>
         </p:txBody>
       </p:sp>
